--- a/SRS.pptx
+++ b/SRS.pptx
@@ -1,23 +1,33 @@
 
 <file path=ppt/presentation.xml><?xml version="1.0" encoding="utf-8"?>
-<p:presentation xmlns:a="http://schemas.openxmlformats.org/drawingml/2006/main" xmlns:r="http://schemas.openxmlformats.org/officeDocument/2006/relationships" xmlns:p="http://schemas.openxmlformats.org/presentationml/2006/main" saveSubsetFonts="1" autoCompressPictures="0">
+<p:presentation xmlns:a="http://schemas.openxmlformats.org/drawingml/2006/main" xmlns:r="http://schemas.openxmlformats.org/officeDocument/2006/relationships" xmlns:p="http://schemas.openxmlformats.org/presentationml/2006/main" showSpecialPlsOnTitleSld="0" saveSubsetFonts="1" autoCompressPictures="0">
   <p:sldMasterIdLst>
     <p:sldMasterId id="2147483648" r:id="rId1"/>
   </p:sldMasterIdLst>
   <p:notesMasterIdLst>
-    <p:notesMasterId r:id="rId12"/>
+    <p:notesMasterId r:id="rId22"/>
   </p:notesMasterIdLst>
   <p:sldIdLst>
     <p:sldId id="256" r:id="rId2"/>
-    <p:sldId id="262" r:id="rId3"/>
-    <p:sldId id="263" r:id="rId4"/>
-    <p:sldId id="259" r:id="rId5"/>
-    <p:sldId id="258" r:id="rId6"/>
-    <p:sldId id="260" r:id="rId7"/>
-    <p:sldId id="266" r:id="rId8"/>
-    <p:sldId id="261" r:id="rId9"/>
-    <p:sldId id="264" r:id="rId10"/>
-    <p:sldId id="265" r:id="rId11"/>
+    <p:sldId id="259" r:id="rId3"/>
+    <p:sldId id="258" r:id="rId4"/>
+    <p:sldId id="260" r:id="rId5"/>
+    <p:sldId id="266" r:id="rId6"/>
+    <p:sldId id="267" r:id="rId7"/>
+    <p:sldId id="270" r:id="rId8"/>
+    <p:sldId id="279" r:id="rId9"/>
+    <p:sldId id="269" r:id="rId10"/>
+    <p:sldId id="274" r:id="rId11"/>
+    <p:sldId id="275" r:id="rId12"/>
+    <p:sldId id="276" r:id="rId13"/>
+    <p:sldId id="273" r:id="rId14"/>
+    <p:sldId id="280" r:id="rId15"/>
+    <p:sldId id="271" r:id="rId16"/>
+    <p:sldId id="282" r:id="rId17"/>
+    <p:sldId id="261" r:id="rId18"/>
+    <p:sldId id="281" r:id="rId19"/>
+    <p:sldId id="264" r:id="rId20"/>
+    <p:sldId id="265" r:id="rId21"/>
   </p:sldIdLst>
   <p:sldSz cx="12192000" cy="6858000"/>
   <p:notesSz cx="6858000" cy="9144000"/>
@@ -122,8 +132,6 @@
         <p14:section name="Default Section" id="{352E23CF-268B-B14A-A152-3DDCB1DA30A9}">
           <p14:sldIdLst>
             <p14:sldId id="256"/>
-            <p14:sldId id="262"/>
-            <p14:sldId id="263"/>
           </p14:sldIdLst>
         </p14:section>
         <p14:section name="SRS" id="{74D672AE-DFFD-7F44-BD13-1FC5E375D7E3}">
@@ -132,7 +140,19 @@
             <p14:sldId id="258"/>
             <p14:sldId id="260"/>
             <p14:sldId id="266"/>
+            <p14:sldId id="267"/>
+            <p14:sldId id="270"/>
+            <p14:sldId id="279"/>
+            <p14:sldId id="269"/>
+            <p14:sldId id="274"/>
+            <p14:sldId id="275"/>
+            <p14:sldId id="276"/>
+            <p14:sldId id="273"/>
+            <p14:sldId id="280"/>
+            <p14:sldId id="271"/>
+            <p14:sldId id="282"/>
             <p14:sldId id="261"/>
+            <p14:sldId id="281"/>
             <p14:sldId id="264"/>
             <p14:sldId id="265"/>
           </p14:sldIdLst>
@@ -228,7 +248,7 @@
           <a:p>
             <a:fld id="{A8F663A5-96E6-074D-A5C6-54FAFA8E38E3}" type="datetimeFigureOut">
               <a:rPr lang="en-TH" smtClean="0"/>
-              <a:t>22/4/2024 R</a:t>
+              <a:t>25/4/2024 R</a:t>
             </a:fld>
             <a:endParaRPr lang="en-TH"/>
           </a:p>
@@ -561,7 +581,7 @@
           <a:p>
             <a:fld id="{F355533E-6585-2C40-8A85-762F2C30D52B}" type="slidenum">
               <a:rPr lang="en-TH" smtClean="0"/>
-              <a:t>5</a:t>
+              <a:t>3</a:t>
             </a:fld>
             <a:endParaRPr lang="en-TH"/>
           </a:p>
@@ -727,9 +747,9 @@
           <a:bodyPr/>
           <a:lstStyle/>
           <a:p>
-            <a:fld id="{81B5F95D-C1F0-5A40-84CB-60CBE9B004B2}" type="datetimeFigureOut">
-              <a:rPr lang="en-TH" smtClean="0"/>
-              <a:t>22/4/2024 R</a:t>
+            <a:fld id="{4CA0208E-FA34-6B45-9954-6E21D5F04D20}" type="datetime1">
+              <a:rPr lang="en-US" smtClean="0"/>
+              <a:t>4/25/24</a:t>
             </a:fld>
             <a:endParaRPr lang="en-TH"/>
           </a:p>
@@ -927,9 +947,9 @@
           <a:bodyPr/>
           <a:lstStyle/>
           <a:p>
-            <a:fld id="{81B5F95D-C1F0-5A40-84CB-60CBE9B004B2}" type="datetimeFigureOut">
-              <a:rPr lang="en-TH" smtClean="0"/>
-              <a:t>22/4/2024 R</a:t>
+            <a:fld id="{C7DCB651-D476-EC43-A51B-CB8E865D4974}" type="datetime1">
+              <a:rPr lang="en-US" smtClean="0"/>
+              <a:t>4/25/24</a:t>
             </a:fld>
             <a:endParaRPr lang="en-TH"/>
           </a:p>
@@ -1137,9 +1157,9 @@
           <a:bodyPr/>
           <a:lstStyle/>
           <a:p>
-            <a:fld id="{81B5F95D-C1F0-5A40-84CB-60CBE9B004B2}" type="datetimeFigureOut">
-              <a:rPr lang="en-TH" smtClean="0"/>
-              <a:t>22/4/2024 R</a:t>
+            <a:fld id="{624015C3-8D8F-C14E-9662-DE2912D274F4}" type="datetime1">
+              <a:rPr lang="en-US" smtClean="0"/>
+              <a:t>4/25/24</a:t>
             </a:fld>
             <a:endParaRPr lang="en-TH"/>
           </a:p>
@@ -1337,9 +1357,9 @@
           <a:bodyPr/>
           <a:lstStyle/>
           <a:p>
-            <a:fld id="{81B5F95D-C1F0-5A40-84CB-60CBE9B004B2}" type="datetimeFigureOut">
-              <a:rPr lang="en-TH" smtClean="0"/>
-              <a:t>22/4/2024 R</a:t>
+            <a:fld id="{628CE1A5-DDED-3E41-A0AC-24453BDAED8A}" type="datetime1">
+              <a:rPr lang="en-US" smtClean="0"/>
+              <a:t>4/25/24</a:t>
             </a:fld>
             <a:endParaRPr lang="en-TH"/>
           </a:p>
@@ -1613,9 +1633,9 @@
           <a:bodyPr/>
           <a:lstStyle/>
           <a:p>
-            <a:fld id="{81B5F95D-C1F0-5A40-84CB-60CBE9B004B2}" type="datetimeFigureOut">
-              <a:rPr lang="en-TH" smtClean="0"/>
-              <a:t>22/4/2024 R</a:t>
+            <a:fld id="{32973487-8A5B-0940-9610-819AC6975803}" type="datetime1">
+              <a:rPr lang="en-US" smtClean="0"/>
+              <a:t>4/25/24</a:t>
             </a:fld>
             <a:endParaRPr lang="en-TH"/>
           </a:p>
@@ -1881,9 +1901,9 @@
           <a:bodyPr/>
           <a:lstStyle/>
           <a:p>
-            <a:fld id="{81B5F95D-C1F0-5A40-84CB-60CBE9B004B2}" type="datetimeFigureOut">
-              <a:rPr lang="en-TH" smtClean="0"/>
-              <a:t>22/4/2024 R</a:t>
+            <a:fld id="{F28B86B7-3FCD-5947-A26C-C7D909825C38}" type="datetime1">
+              <a:rPr lang="en-US" smtClean="0"/>
+              <a:t>4/25/24</a:t>
             </a:fld>
             <a:endParaRPr lang="en-TH"/>
           </a:p>
@@ -2296,9 +2316,9 @@
           <a:bodyPr/>
           <a:lstStyle/>
           <a:p>
-            <a:fld id="{81B5F95D-C1F0-5A40-84CB-60CBE9B004B2}" type="datetimeFigureOut">
-              <a:rPr lang="en-TH" smtClean="0"/>
-              <a:t>22/4/2024 R</a:t>
+            <a:fld id="{DFBBAAC6-B185-5D48-B655-D39603FF8859}" type="datetime1">
+              <a:rPr lang="en-US" smtClean="0"/>
+              <a:t>4/25/24</a:t>
             </a:fld>
             <a:endParaRPr lang="en-TH"/>
           </a:p>
@@ -2438,9 +2458,9 @@
           <a:bodyPr/>
           <a:lstStyle/>
           <a:p>
-            <a:fld id="{81B5F95D-C1F0-5A40-84CB-60CBE9B004B2}" type="datetimeFigureOut">
-              <a:rPr lang="en-TH" smtClean="0"/>
-              <a:t>22/4/2024 R</a:t>
+            <a:fld id="{1DBA733C-2830-7846-8911-B0D4E9C1F27D}" type="datetime1">
+              <a:rPr lang="en-US" smtClean="0"/>
+              <a:t>4/25/24</a:t>
             </a:fld>
             <a:endParaRPr lang="en-TH"/>
           </a:p>
@@ -2551,9 +2571,9 @@
           <a:bodyPr/>
           <a:lstStyle/>
           <a:p>
-            <a:fld id="{81B5F95D-C1F0-5A40-84CB-60CBE9B004B2}" type="datetimeFigureOut">
-              <a:rPr lang="en-TH" smtClean="0"/>
-              <a:t>22/4/2024 R</a:t>
+            <a:fld id="{F1155A01-14CE-EF46-90A0-A001A6951EBC}" type="datetime1">
+              <a:rPr lang="en-US" smtClean="0"/>
+              <a:t>4/25/24</a:t>
             </a:fld>
             <a:endParaRPr lang="en-TH"/>
           </a:p>
@@ -2864,9 +2884,9 @@
           <a:bodyPr/>
           <a:lstStyle/>
           <a:p>
-            <a:fld id="{81B5F95D-C1F0-5A40-84CB-60CBE9B004B2}" type="datetimeFigureOut">
-              <a:rPr lang="en-TH" smtClean="0"/>
-              <a:t>22/4/2024 R</a:t>
+            <a:fld id="{97F60A24-DF3C-AA44-9B74-B906C2FC9FAD}" type="datetime1">
+              <a:rPr lang="en-US" smtClean="0"/>
+              <a:t>4/25/24</a:t>
             </a:fld>
             <a:endParaRPr lang="en-TH"/>
           </a:p>
@@ -3153,9 +3173,9 @@
           <a:bodyPr/>
           <a:lstStyle/>
           <a:p>
-            <a:fld id="{81B5F95D-C1F0-5A40-84CB-60CBE9B004B2}" type="datetimeFigureOut">
-              <a:rPr lang="en-TH" smtClean="0"/>
-              <a:t>22/4/2024 R</a:t>
+            <a:fld id="{6ED809D9-8345-3A4B-B780-36EA8BFF8139}" type="datetime1">
+              <a:rPr lang="en-US" smtClean="0"/>
+              <a:t>4/25/24</a:t>
             </a:fld>
             <a:endParaRPr lang="en-TH"/>
           </a:p>
@@ -3282,10 +3302,10 @@
           <a:lstStyle/>
           <a:p>
             <a:r>
-              <a:rPr lang="en-US"/>
+              <a:rPr lang="en-US" dirty="0"/>
               <a:t>Click to edit Master title style</a:t>
             </a:r>
-            <a:endParaRPr lang="en-TH"/>
+            <a:endParaRPr lang="en-TH" dirty="0"/>
           </a:p>
         </p:txBody>
       </p:sp>
@@ -3392,13 +3412,16 @@
                     <a:tint val="82000"/>
                   </a:schemeClr>
                 </a:solidFill>
+                <a:latin typeface="SUKHUMVITSET-TEXT" panose="02000506000000020004" pitchFamily="2" charset="-34"/>
+                <a:cs typeface="SUKHUMVITSET-TEXT" panose="02000506000000020004" pitchFamily="2" charset="-34"/>
               </a:defRPr>
             </a:lvl1pPr>
           </a:lstStyle>
           <a:p>
-            <a:fld id="{81B5F95D-C1F0-5A40-84CB-60CBE9B004B2}" type="datetimeFigureOut">
-              <a:rPr lang="en-TH" smtClean="0"/>
-              <a:t>22/4/2024 R</a:t>
+            <a:fld id="{F99546A2-6E03-9547-9AFE-0DE96DDCBD90}" type="datetime1">
+              <a:rPr lang="en-US" smtClean="0"/>
+              <a:pPr/>
+              <a:t>4/25/24</a:t>
             </a:fld>
             <a:endParaRPr lang="en-TH"/>
           </a:p>
@@ -3439,6 +3462,8 @@
                     <a:tint val="82000"/>
                   </a:schemeClr>
                 </a:solidFill>
+                <a:latin typeface="SUKHUMVITSET-TEXT" panose="02000506000000020004" pitchFamily="2" charset="-34"/>
+                <a:cs typeface="SUKHUMVITSET-TEXT" panose="02000506000000020004" pitchFamily="2" charset="-34"/>
               </a:defRPr>
             </a:lvl1pPr>
           </a:lstStyle>
@@ -3465,7 +3490,7 @@
         </p:nvSpPr>
         <p:spPr>
           <a:xfrm>
-            <a:off x="8610600" y="6356350"/>
+            <a:off x="9448800" y="3175"/>
             <a:ext cx="2743200" cy="365125"/>
           </a:xfrm>
           <a:prstGeom prst="rect">
@@ -3482,15 +3507,75 @@
                     <a:tint val="82000"/>
                   </a:schemeClr>
                 </a:solidFill>
+                <a:latin typeface="SUKHUMVITSET-TEXT" panose="02000506000000020004" pitchFamily="2" charset="-34"/>
+                <a:cs typeface="SUKHUMVITSET-TEXT" panose="02000506000000020004" pitchFamily="2" charset="-34"/>
               </a:defRPr>
             </a:lvl1pPr>
           </a:lstStyle>
           <a:p>
             <a:fld id="{B4E24458-4BE4-1B4B-9639-224393D77E05}" type="slidenum">
               <a:rPr lang="en-TH" smtClean="0"/>
+              <a:pPr/>
               <a:t>‹#›</a:t>
             </a:fld>
             <a:endParaRPr lang="en-TH"/>
+          </a:p>
+        </p:txBody>
+      </p:sp>
+      <p:sp>
+        <p:nvSpPr>
+          <p:cNvPr id="7" name="Rounded Rectangle 6">
+            <a:extLst>
+              <a:ext uri="{FF2B5EF4-FFF2-40B4-BE49-F238E27FC236}">
+                <a16:creationId xmlns:a16="http://schemas.microsoft.com/office/drawing/2014/main" id="{233E1BB2-4AA3-C2CC-85A3-09DCC472C747}"/>
+              </a:ext>
+            </a:extLst>
+          </p:cNvPr>
+          <p:cNvSpPr/>
+          <p:nvPr userDrawn="1"/>
+        </p:nvSpPr>
+        <p:spPr>
+          <a:xfrm>
+            <a:off x="0" y="6677930"/>
+            <a:ext cx="12192000" cy="176895"/>
+          </a:xfrm>
+          <a:prstGeom prst="roundRect">
+            <a:avLst>
+              <a:gd name="adj" fmla="val 0"/>
+            </a:avLst>
+          </a:prstGeom>
+          <a:solidFill>
+            <a:srgbClr val="0E9ED5"/>
+          </a:solidFill>
+          <a:ln>
+            <a:noFill/>
+          </a:ln>
+        </p:spPr>
+        <p:style>
+          <a:lnRef idx="2">
+            <a:schemeClr val="accent1">
+              <a:shade val="15000"/>
+            </a:schemeClr>
+          </a:lnRef>
+          <a:fillRef idx="1">
+            <a:schemeClr val="accent1"/>
+          </a:fillRef>
+          <a:effectRef idx="0">
+            <a:schemeClr val="accent1"/>
+          </a:effectRef>
+          <a:fontRef idx="minor">
+            <a:schemeClr val="lt1"/>
+          </a:fontRef>
+        </p:style>
+        <p:txBody>
+          <a:bodyPr rtlCol="0" anchor="ctr"/>
+          <a:lstStyle/>
+          <a:p>
+            <a:pPr algn="ctr"/>
+            <a:endParaRPr lang="en-TH">
+              <a:latin typeface="SUKHUMVITSET-TEXT" panose="02000506000000020004" pitchFamily="2" charset="-34"/>
+              <a:cs typeface="SUKHUMVITSET-TEXT" panose="02000506000000020004" pitchFamily="2" charset="-34"/>
+            </a:endParaRPr>
           </a:p>
         </p:txBody>
       </p:sp>
@@ -3515,6 +3600,7 @@
     <p:sldLayoutId id="2147483658" r:id="rId10"/>
     <p:sldLayoutId id="2147483659" r:id="rId11"/>
   </p:sldLayoutIdLst>
+  <p:hf hdr="0" ftr="0" dt="0"/>
   <p:txStyles>
     <p:titleStyle>
       <a:lvl1pPr algn="l" defTabSz="914400" rtl="0" eaLnBrk="1" latinLnBrk="0" hangingPunct="1">
@@ -3529,9 +3615,9 @@
           <a:solidFill>
             <a:schemeClr val="tx1"/>
           </a:solidFill>
-          <a:latin typeface="+mj-lt"/>
+          <a:latin typeface="SUKHUMVITSET-TEXT" panose="02000506000000020004" pitchFamily="2" charset="-34"/>
           <a:ea typeface="+mj-ea"/>
-          <a:cs typeface="+mj-cs"/>
+          <a:cs typeface="SUKHUMVITSET-TEXT" panose="02000506000000020004" pitchFamily="2" charset="-34"/>
         </a:defRPr>
       </a:lvl1pPr>
     </p:titleStyle>
@@ -3549,9 +3635,9 @@
           <a:solidFill>
             <a:schemeClr val="tx1"/>
           </a:solidFill>
-          <a:latin typeface="+mn-lt"/>
+          <a:latin typeface="SUKHUMVITSET-TEXT" panose="02000506000000020004" pitchFamily="2" charset="-34"/>
           <a:ea typeface="+mn-ea"/>
-          <a:cs typeface="+mn-cs"/>
+          <a:cs typeface="SUKHUMVITSET-TEXT" panose="02000506000000020004" pitchFamily="2" charset="-34"/>
         </a:defRPr>
       </a:lvl1pPr>
       <a:lvl2pPr marL="685800" indent="-228600" algn="l" defTabSz="914400" rtl="0" eaLnBrk="1" latinLnBrk="0" hangingPunct="1">
@@ -3567,9 +3653,9 @@
           <a:solidFill>
             <a:schemeClr val="tx1"/>
           </a:solidFill>
-          <a:latin typeface="+mn-lt"/>
+          <a:latin typeface="SUKHUMVITSET-TEXT" panose="02000506000000020004" pitchFamily="2" charset="-34"/>
           <a:ea typeface="+mn-ea"/>
-          <a:cs typeface="+mn-cs"/>
+          <a:cs typeface="SUKHUMVITSET-TEXT" panose="02000506000000020004" pitchFamily="2" charset="-34"/>
         </a:defRPr>
       </a:lvl2pPr>
       <a:lvl3pPr marL="1143000" indent="-228600" algn="l" defTabSz="914400" rtl="0" eaLnBrk="1" latinLnBrk="0" hangingPunct="1">
@@ -3585,9 +3671,9 @@
           <a:solidFill>
             <a:schemeClr val="tx1"/>
           </a:solidFill>
-          <a:latin typeface="+mn-lt"/>
+          <a:latin typeface="SUKHUMVITSET-TEXT" panose="02000506000000020004" pitchFamily="2" charset="-34"/>
           <a:ea typeface="+mn-ea"/>
-          <a:cs typeface="+mn-cs"/>
+          <a:cs typeface="SUKHUMVITSET-TEXT" panose="02000506000000020004" pitchFamily="2" charset="-34"/>
         </a:defRPr>
       </a:lvl3pPr>
       <a:lvl4pPr marL="1600200" indent="-228600" algn="l" defTabSz="914400" rtl="0" eaLnBrk="1" latinLnBrk="0" hangingPunct="1">
@@ -3603,9 +3689,9 @@
           <a:solidFill>
             <a:schemeClr val="tx1"/>
           </a:solidFill>
-          <a:latin typeface="+mn-lt"/>
+          <a:latin typeface="SUKHUMVITSET-TEXT" panose="02000506000000020004" pitchFamily="2" charset="-34"/>
           <a:ea typeface="+mn-ea"/>
-          <a:cs typeface="+mn-cs"/>
+          <a:cs typeface="SUKHUMVITSET-TEXT" panose="02000506000000020004" pitchFamily="2" charset="-34"/>
         </a:defRPr>
       </a:lvl4pPr>
       <a:lvl5pPr marL="2057400" indent="-228600" algn="l" defTabSz="914400" rtl="0" eaLnBrk="1" latinLnBrk="0" hangingPunct="1">
@@ -3621,9 +3707,9 @@
           <a:solidFill>
             <a:schemeClr val="tx1"/>
           </a:solidFill>
-          <a:latin typeface="+mn-lt"/>
+          <a:latin typeface="SUKHUMVITSET-TEXT" panose="02000506000000020004" pitchFamily="2" charset="-34"/>
           <a:ea typeface="+mn-ea"/>
-          <a:cs typeface="+mn-cs"/>
+          <a:cs typeface="SUKHUMVITSET-TEXT" panose="02000506000000020004" pitchFamily="2" charset="-34"/>
         </a:defRPr>
       </a:lvl5pPr>
       <a:lvl6pPr marL="2514600" indent="-228600" algn="l" defTabSz="914400" rtl="0" eaLnBrk="1" latinLnBrk="0" hangingPunct="1">
@@ -3801,6 +3887,14 @@
 <file path=ppt/slides/slide1.xml><?xml version="1.0" encoding="utf-8"?>
 <p:sld xmlns:a="http://schemas.openxmlformats.org/drawingml/2006/main" xmlns:r="http://schemas.openxmlformats.org/officeDocument/2006/relationships" xmlns:p="http://schemas.openxmlformats.org/presentationml/2006/main">
   <p:cSld>
+    <p:bg>
+      <p:bgPr>
+        <a:solidFill>
+          <a:schemeClr val="bg1"/>
+        </a:solidFill>
+        <a:effectLst/>
+      </p:bgPr>
+    </p:bg>
     <p:spTree>
       <p:nvGrpSpPr>
         <p:cNvPr id="1" name=""/>
@@ -3815,6 +3909,66 @@
           <a:chExt cx="0" cy="0"/>
         </a:xfrm>
       </p:grpSpPr>
+      <p:sp useBgFill="1">
+        <p:nvSpPr>
+          <p:cNvPr id="10" name="Rectangle 9">
+            <a:extLst>
+              <a:ext uri="{FF2B5EF4-FFF2-40B4-BE49-F238E27FC236}">
+                <a16:creationId xmlns:a16="http://schemas.microsoft.com/office/drawing/2014/main" id="{20D5D19D-0789-4518-B5DC-D47ADF69D25A}"/>
+              </a:ext>
+              <a:ext uri="{C183D7F6-B498-43B3-948B-1728B52AA6E4}">
+                <adec:decorative xmlns:adec="http://schemas.microsoft.com/office/drawing/2017/decorative" val="1"/>
+              </a:ext>
+            </a:extLst>
+          </p:cNvPr>
+          <p:cNvSpPr>
+            <a:spLocks noGrp="1" noRot="1" noChangeAspect="1" noMove="1" noResize="1" noEditPoints="1" noAdjustHandles="1" noChangeArrowheads="1" noChangeShapeType="1" noTextEdit="1"/>
+          </p:cNvSpPr>
+          <p:nvPr>
+            <p:extLst>
+              <p:ext uri="{386F3935-93C4-4BCD-93E2-E3B085C9AB24}">
+                <p16:designElem xmlns:p16="http://schemas.microsoft.com/office/powerpoint/2015/main" val="1"/>
+              </p:ext>
+            </p:extLst>
+          </p:nvPr>
+        </p:nvSpPr>
+        <p:spPr>
+          <a:xfrm>
+            <a:off x="0" y="0"/>
+            <a:ext cx="12191999" cy="6857365"/>
+          </a:xfrm>
+          <a:prstGeom prst="rect">
+            <a:avLst/>
+          </a:prstGeom>
+          <a:ln>
+            <a:noFill/>
+          </a:ln>
+        </p:spPr>
+        <p:style>
+          <a:lnRef idx="2">
+            <a:schemeClr val="accent1">
+              <a:shade val="50000"/>
+            </a:schemeClr>
+          </a:lnRef>
+          <a:fillRef idx="1">
+            <a:schemeClr val="accent1"/>
+          </a:fillRef>
+          <a:effectRef idx="0">
+            <a:schemeClr val="accent1"/>
+          </a:effectRef>
+          <a:fontRef idx="minor">
+            <a:schemeClr val="lt1"/>
+          </a:fontRef>
+        </p:style>
+        <p:txBody>
+          <a:bodyPr rtlCol="0" anchor="ctr"/>
+          <a:lstStyle/>
+          <a:p>
+            <a:pPr algn="ctr"/>
+            <a:endParaRPr lang="en-US"/>
+          </a:p>
+        </p:txBody>
+      </p:sp>
       <p:sp>
         <p:nvSpPr>
           <p:cNvPr id="2" name="Title 1">
@@ -3831,12 +3985,23 @@
             <p:ph type="ctrTitle"/>
           </p:nvPr>
         </p:nvSpPr>
-        <p:spPr/>
-        <p:txBody>
-          <a:bodyPr/>
-          <a:lstStyle/>
-          <a:p>
-            <a:endParaRPr lang="en-TH" dirty="0"/>
+        <p:spPr>
+          <a:xfrm>
+            <a:off x="869932" y="2762095"/>
+            <a:ext cx="4392891" cy="784443"/>
+          </a:xfrm>
+        </p:spPr>
+        <p:txBody>
+          <a:bodyPr anchor="t">
+            <a:normAutofit/>
+          </a:bodyPr>
+          <a:lstStyle/>
+          <a:p>
+            <a:pPr algn="l"/>
+            <a:r>
+              <a:rPr lang="en-TH" sz="4800" dirty="0"/>
+              <a:t>Dentist Booking</a:t>
+            </a:r>
           </a:p>
         </p:txBody>
       </p:sp>
@@ -3856,12 +4021,386 @@
             <p:ph type="subTitle" idx="1"/>
           </p:nvPr>
         </p:nvSpPr>
-        <p:spPr/>
-        <p:txBody>
-          <a:bodyPr/>
-          <a:lstStyle/>
-          <a:p>
-            <a:endParaRPr lang="en-TH"/>
+        <p:spPr>
+          <a:xfrm>
+            <a:off x="869931" y="3119662"/>
+            <a:ext cx="6009366" cy="1637523"/>
+          </a:xfrm>
+        </p:spPr>
+        <p:txBody>
+          <a:bodyPr anchor="b">
+            <a:normAutofit/>
+          </a:bodyPr>
+          <a:lstStyle/>
+          <a:p>
+            <a:pPr algn="l"/>
+            <a:r>
+              <a:rPr lang="en-TH" sz="1800" dirty="0"/>
+              <a:t>By Laewtae</a:t>
+            </a:r>
+          </a:p>
+          <a:p>
+            <a:pPr algn="l"/>
+            <a:r>
+              <a:rPr lang="en-TH" sz="1800" dirty="0"/>
+              <a:t>Waranthorn Chansawang 6432154921</a:t>
+            </a:r>
+          </a:p>
+          <a:p>
+            <a:pPr algn="l"/>
+            <a:r>
+              <a:rPr lang="en-US" sz="1800" dirty="0"/>
+              <a:t>Nattapong Anansomsin </a:t>
+            </a:r>
+            <a:r>
+              <a:rPr lang="en-TH" sz="1800" dirty="0"/>
+              <a:t>6431317721</a:t>
+            </a:r>
+          </a:p>
+        </p:txBody>
+      </p:sp>
+      <p:grpSp>
+        <p:nvGrpSpPr>
+          <p:cNvPr id="12" name="Group 11">
+            <a:extLst>
+              <a:ext uri="{FF2B5EF4-FFF2-40B4-BE49-F238E27FC236}">
+                <a16:creationId xmlns:a16="http://schemas.microsoft.com/office/drawing/2014/main" id="{032D8612-31EB-44CF-A1D0-14FD4C705424}"/>
+              </a:ext>
+              <a:ext uri="{C183D7F6-B498-43B3-948B-1728B52AA6E4}">
+                <adec:decorative xmlns:adec="http://schemas.microsoft.com/office/drawing/2017/decorative" val="1"/>
+              </a:ext>
+            </a:extLst>
+          </p:cNvPr>
+          <p:cNvGrpSpPr>
+            <a:grpSpLocks noGrp="1" noUngrp="1" noRot="1" noChangeAspect="1" noMove="1" noResize="1"/>
+          </p:cNvGrpSpPr>
+          <p:nvPr>
+            <p:extLst>
+              <p:ext uri="{386F3935-93C4-4BCD-93E2-E3B085C9AB24}">
+                <p16:designElem xmlns:p16="http://schemas.microsoft.com/office/powerpoint/2015/main" val="1"/>
+              </p:ext>
+            </p:extLst>
+          </p:nvPr>
+        </p:nvGrpSpPr>
+        <p:grpSpPr>
+          <a:xfrm>
+            <a:off x="0" y="3154317"/>
+            <a:ext cx="731521" cy="673460"/>
+            <a:chOff x="3940602" y="308034"/>
+            <a:chExt cx="2116791" cy="3428999"/>
+          </a:xfrm>
+          <a:solidFill>
+            <a:schemeClr val="accent4"/>
+          </a:solidFill>
+        </p:grpSpPr>
+        <p:sp>
+          <p:nvSpPr>
+            <p:cNvPr id="13" name="Rectangle 12">
+              <a:extLst>
+                <a:ext uri="{FF2B5EF4-FFF2-40B4-BE49-F238E27FC236}">
+                  <a16:creationId xmlns:a16="http://schemas.microsoft.com/office/drawing/2014/main" id="{F19A4A0F-1B59-4DB0-9764-D10936E98770}"/>
+                </a:ext>
+                <a:ext uri="{C183D7F6-B498-43B3-948B-1728B52AA6E4}">
+                  <adec:decorative xmlns:adec="http://schemas.microsoft.com/office/drawing/2017/decorative" val="1"/>
+                </a:ext>
+              </a:extLst>
+            </p:cNvPr>
+            <p:cNvSpPr/>
+            <p:nvPr>
+              <p:extLst>
+                <p:ext uri="{386F3935-93C4-4BCD-93E2-E3B085C9AB24}">
+                  <p16:designElem xmlns:p16="http://schemas.microsoft.com/office/powerpoint/2015/main" val="1"/>
+                </p:ext>
+              </p:extLst>
+            </p:nvPr>
+          </p:nvSpPr>
+          <p:spPr>
+            <a:xfrm>
+              <a:off x="3940602" y="308034"/>
+              <a:ext cx="566743" cy="3428999"/>
+            </a:xfrm>
+            <a:prstGeom prst="rect">
+              <a:avLst/>
+            </a:prstGeom>
+            <a:grpFill/>
+            <a:ln>
+              <a:noFill/>
+            </a:ln>
+          </p:spPr>
+          <p:style>
+            <a:lnRef idx="2">
+              <a:schemeClr val="accent1">
+                <a:shade val="50000"/>
+              </a:schemeClr>
+            </a:lnRef>
+            <a:fillRef idx="1">
+              <a:schemeClr val="accent1"/>
+            </a:fillRef>
+            <a:effectRef idx="0">
+              <a:schemeClr val="accent1"/>
+            </a:effectRef>
+            <a:fontRef idx="minor">
+              <a:schemeClr val="lt1"/>
+            </a:fontRef>
+          </p:style>
+          <p:txBody>
+            <a:bodyPr rtlCol="0" anchor="ctr"/>
+            <a:lstStyle/>
+            <a:p>
+              <a:pPr algn="ctr"/>
+              <a:endParaRPr lang="en-US"/>
+            </a:p>
+          </p:txBody>
+        </p:sp>
+        <p:sp>
+          <p:nvSpPr>
+            <p:cNvPr id="14" name="Rectangle 13">
+              <a:extLst>
+                <a:ext uri="{FF2B5EF4-FFF2-40B4-BE49-F238E27FC236}">
+                  <a16:creationId xmlns:a16="http://schemas.microsoft.com/office/drawing/2014/main" id="{F399A70F-F8CD-4992-9EF5-6CF15472E73F}"/>
+                </a:ext>
+                <a:ext uri="{C183D7F6-B498-43B3-948B-1728B52AA6E4}">
+                  <adec:decorative xmlns:adec="http://schemas.microsoft.com/office/drawing/2017/decorative" val="1"/>
+                </a:ext>
+              </a:extLst>
+            </p:cNvPr>
+            <p:cNvSpPr/>
+            <p:nvPr>
+              <p:extLst>
+                <p:ext uri="{386F3935-93C4-4BCD-93E2-E3B085C9AB24}">
+                  <p16:designElem xmlns:p16="http://schemas.microsoft.com/office/powerpoint/2015/main" val="1"/>
+                </p:ext>
+              </p:extLst>
+            </p:nvPr>
+          </p:nvSpPr>
+          <p:spPr>
+            <a:xfrm>
+              <a:off x="4715626" y="308034"/>
+              <a:ext cx="566743" cy="3428999"/>
+            </a:xfrm>
+            <a:prstGeom prst="rect">
+              <a:avLst/>
+            </a:prstGeom>
+            <a:grpFill/>
+            <a:ln>
+              <a:noFill/>
+            </a:ln>
+          </p:spPr>
+          <p:style>
+            <a:lnRef idx="2">
+              <a:schemeClr val="accent1">
+                <a:shade val="50000"/>
+              </a:schemeClr>
+            </a:lnRef>
+            <a:fillRef idx="1">
+              <a:schemeClr val="accent1"/>
+            </a:fillRef>
+            <a:effectRef idx="0">
+              <a:schemeClr val="accent1"/>
+            </a:effectRef>
+            <a:fontRef idx="minor">
+              <a:schemeClr val="lt1"/>
+            </a:fontRef>
+          </p:style>
+          <p:txBody>
+            <a:bodyPr rtlCol="0" anchor="ctr"/>
+            <a:lstStyle/>
+            <a:p>
+              <a:pPr algn="ctr"/>
+              <a:endParaRPr lang="en-US"/>
+            </a:p>
+          </p:txBody>
+        </p:sp>
+        <p:sp>
+          <p:nvSpPr>
+            <p:cNvPr id="15" name="Rectangle 14">
+              <a:extLst>
+                <a:ext uri="{FF2B5EF4-FFF2-40B4-BE49-F238E27FC236}">
+                  <a16:creationId xmlns:a16="http://schemas.microsoft.com/office/drawing/2014/main" id="{48F4FEDC-6D80-458C-A665-075D9B9500FD}"/>
+                </a:ext>
+                <a:ext uri="{C183D7F6-B498-43B3-948B-1728B52AA6E4}">
+                  <adec:decorative xmlns:adec="http://schemas.microsoft.com/office/drawing/2017/decorative" val="1"/>
+                </a:ext>
+              </a:extLst>
+            </p:cNvPr>
+            <p:cNvSpPr/>
+            <p:nvPr>
+              <p:extLst>
+                <p:ext uri="{386F3935-93C4-4BCD-93E2-E3B085C9AB24}">
+                  <p16:designElem xmlns:p16="http://schemas.microsoft.com/office/powerpoint/2015/main" val="1"/>
+                </p:ext>
+              </p:extLst>
+            </p:nvPr>
+          </p:nvSpPr>
+          <p:spPr>
+            <a:xfrm>
+              <a:off x="5490650" y="308034"/>
+              <a:ext cx="566743" cy="3428999"/>
+            </a:xfrm>
+            <a:prstGeom prst="rect">
+              <a:avLst/>
+            </a:prstGeom>
+            <a:grpFill/>
+            <a:ln>
+              <a:noFill/>
+            </a:ln>
+          </p:spPr>
+          <p:style>
+            <a:lnRef idx="2">
+              <a:schemeClr val="accent1">
+                <a:shade val="50000"/>
+              </a:schemeClr>
+            </a:lnRef>
+            <a:fillRef idx="1">
+              <a:schemeClr val="accent1"/>
+            </a:fillRef>
+            <a:effectRef idx="0">
+              <a:schemeClr val="accent1"/>
+            </a:effectRef>
+            <a:fontRef idx="minor">
+              <a:schemeClr val="lt1"/>
+            </a:fontRef>
+          </p:style>
+          <p:txBody>
+            <a:bodyPr rtlCol="0" anchor="ctr"/>
+            <a:lstStyle/>
+            <a:p>
+              <a:pPr algn="ctr"/>
+              <a:endParaRPr lang="en-US"/>
+            </a:p>
+          </p:txBody>
+        </p:sp>
+      </p:grpSp>
+      <p:sp>
+        <p:nvSpPr>
+          <p:cNvPr id="17" name="Rectangle 16">
+            <a:extLst>
+              <a:ext uri="{FF2B5EF4-FFF2-40B4-BE49-F238E27FC236}">
+                <a16:creationId xmlns:a16="http://schemas.microsoft.com/office/drawing/2014/main" id="{B81933D1-5615-42C7-9C0B-4EB7105CCE2D}"/>
+              </a:ext>
+              <a:ext uri="{C183D7F6-B498-43B3-948B-1728B52AA6E4}">
+                <adec:decorative xmlns:adec="http://schemas.microsoft.com/office/drawing/2017/decorative" val="1"/>
+              </a:ext>
+            </a:extLst>
+          </p:cNvPr>
+          <p:cNvSpPr>
+            <a:spLocks noGrp="1" noRot="1" noChangeAspect="1" noMove="1" noResize="1" noEditPoints="1" noAdjustHandles="1" noChangeArrowheads="1" noChangeShapeType="1" noTextEdit="1"/>
+          </p:cNvSpPr>
+          <p:nvPr>
+            <p:extLst>
+              <p:ext uri="{386F3935-93C4-4BCD-93E2-E3B085C9AB24}">
+                <p16:designElem xmlns:p16="http://schemas.microsoft.com/office/powerpoint/2015/main" val="1"/>
+              </p:ext>
+            </p:extLst>
+          </p:nvPr>
+        </p:nvSpPr>
+        <p:spPr>
+          <a:xfrm flipH="1">
+            <a:off x="10697670" y="0"/>
+            <a:ext cx="1494330" cy="6858000"/>
+          </a:xfrm>
+          <a:prstGeom prst="rect">
+            <a:avLst/>
+          </a:prstGeom>
+          <a:solidFill>
+            <a:schemeClr val="accent4"/>
+          </a:solidFill>
+          <a:ln>
+            <a:noFill/>
+          </a:ln>
+        </p:spPr>
+        <p:style>
+          <a:lnRef idx="2">
+            <a:schemeClr val="accent1">
+              <a:shade val="50000"/>
+            </a:schemeClr>
+          </a:lnRef>
+          <a:fillRef idx="1">
+            <a:schemeClr val="accent1"/>
+          </a:fillRef>
+          <a:effectRef idx="0">
+            <a:schemeClr val="accent1"/>
+          </a:effectRef>
+          <a:fontRef idx="minor">
+            <a:schemeClr val="lt1"/>
+          </a:fontRef>
+        </p:style>
+        <p:txBody>
+          <a:bodyPr rtlCol="0" anchor="ctr"/>
+          <a:lstStyle/>
+          <a:p>
+            <a:pPr algn="ctr"/>
+            <a:endParaRPr lang="en-US"/>
+          </a:p>
+        </p:txBody>
+      </p:sp>
+      <p:sp>
+        <p:nvSpPr>
+          <p:cNvPr id="19" name="Rectangle 18">
+            <a:extLst>
+              <a:ext uri="{FF2B5EF4-FFF2-40B4-BE49-F238E27FC236}">
+                <a16:creationId xmlns:a16="http://schemas.microsoft.com/office/drawing/2014/main" id="{19C9EAEA-39D0-4B0E-A0EB-51E7B26740B1}"/>
+              </a:ext>
+              <a:ext uri="{C183D7F6-B498-43B3-948B-1728B52AA6E4}">
+                <adec:decorative xmlns:adec="http://schemas.microsoft.com/office/drawing/2017/decorative" val="1"/>
+              </a:ext>
+            </a:extLst>
+          </p:cNvPr>
+          <p:cNvSpPr>
+            <a:spLocks noGrp="1" noRot="1" noChangeAspect="1" noMove="1" noResize="1" noEditPoints="1" noAdjustHandles="1" noChangeArrowheads="1" noChangeShapeType="1" noTextEdit="1"/>
+          </p:cNvSpPr>
+          <p:nvPr>
+            <p:extLst>
+              <p:ext uri="{386F3935-93C4-4BCD-93E2-E3B085C9AB24}">
+                <p16:designElem xmlns:p16="http://schemas.microsoft.com/office/powerpoint/2015/main" val="1"/>
+              </p:ext>
+            </p:extLst>
+          </p:nvPr>
+        </p:nvSpPr>
+        <p:spPr>
+          <a:xfrm>
+            <a:off x="5685810" y="391886"/>
+            <a:ext cx="6009366" cy="6017078"/>
+          </a:xfrm>
+          <a:prstGeom prst="rect">
+            <a:avLst/>
+          </a:prstGeom>
+          <a:solidFill>
+            <a:schemeClr val="bg1"/>
+          </a:solidFill>
+          <a:ln>
+            <a:noFill/>
+          </a:ln>
+          <a:effectLst>
+            <a:outerShdw blurRad="139700" dist="127000" dir="5400000" algn="t" rotWithShape="0">
+              <a:prstClr val="black">
+                <a:alpha val="15000"/>
+              </a:prstClr>
+            </a:outerShdw>
+          </a:effectLst>
+        </p:spPr>
+        <p:style>
+          <a:lnRef idx="2">
+            <a:schemeClr val="accent1">
+              <a:shade val="50000"/>
+            </a:schemeClr>
+          </a:lnRef>
+          <a:fillRef idx="1">
+            <a:schemeClr val="accent1"/>
+          </a:fillRef>
+          <a:effectRef idx="0">
+            <a:schemeClr val="accent1"/>
+          </a:effectRef>
+          <a:fontRef idx="minor">
+            <a:schemeClr val="lt1"/>
+          </a:fontRef>
+        </p:style>
+        <p:txBody>
+          <a:bodyPr rtlCol="0" anchor="ctr"/>
+          <a:lstStyle/>
+          <a:p>
+            <a:pPr algn="ctr"/>
+            <a:endParaRPr lang="en-US"/>
           </a:p>
         </p:txBody>
       </p:sp>
@@ -3879,22 +4418,70 @@
           </p:cNvPicPr>
           <p:nvPr/>
         </p:nvPicPr>
-        <p:blipFill>
+        <p:blipFill rotWithShape="1">
           <a:blip r:embed="rId2"/>
-          <a:stretch>
-            <a:fillRect/>
-          </a:stretch>
+          <a:srcRect t="1268"/>
+          <a:stretch/>
         </p:blipFill>
         <p:spPr>
           <a:xfrm>
-            <a:off x="4341243" y="1345930"/>
-            <a:ext cx="3509513" cy="3509513"/>
+            <a:off x="5922492" y="666728"/>
+            <a:ext cx="5536001" cy="5465791"/>
           </a:xfrm>
           <a:prstGeom prst="rect">
             <a:avLst/>
           </a:prstGeom>
         </p:spPr>
       </p:pic>
+      <p:sp>
+        <p:nvSpPr>
+          <p:cNvPr id="4" name="Rounded Rectangle 3">
+            <a:extLst>
+              <a:ext uri="{FF2B5EF4-FFF2-40B4-BE49-F238E27FC236}">
+                <a16:creationId xmlns:a16="http://schemas.microsoft.com/office/drawing/2014/main" id="{2282CE30-7E54-288B-555D-99DE761B7B44}"/>
+              </a:ext>
+            </a:extLst>
+          </p:cNvPr>
+          <p:cNvSpPr/>
+          <p:nvPr/>
+        </p:nvSpPr>
+        <p:spPr>
+          <a:xfrm>
+            <a:off x="800245" y="397306"/>
+            <a:ext cx="4085320" cy="538843"/>
+          </a:xfrm>
+          <a:prstGeom prst="roundRect">
+            <a:avLst/>
+          </a:prstGeom>
+          <a:solidFill>
+            <a:srgbClr val="0E9ED5"/>
+          </a:solidFill>
+        </p:spPr>
+        <p:style>
+          <a:lnRef idx="2">
+            <a:schemeClr val="accent1">
+              <a:shade val="15000"/>
+            </a:schemeClr>
+          </a:lnRef>
+          <a:fillRef idx="1">
+            <a:schemeClr val="accent1"/>
+          </a:fillRef>
+          <a:effectRef idx="0">
+            <a:schemeClr val="accent1"/>
+          </a:effectRef>
+          <a:fontRef idx="minor">
+            <a:schemeClr val="lt1"/>
+          </a:fontRef>
+        </p:style>
+        <p:txBody>
+          <a:bodyPr rtlCol="0" anchor="ctr"/>
+          <a:lstStyle/>
+          <a:p>
+            <a:pPr algn="ctr"/>
+            <a:endParaRPr lang="en-TH"/>
+          </a:p>
+        </p:txBody>
+      </p:sp>
     </p:spTree>
     <p:extLst>
       <p:ext uri="{BB962C8B-B14F-4D97-AF65-F5344CB8AC3E}">
@@ -3930,7 +4517,7 @@
           <p:cNvPr id="2" name="Title 1">
             <a:extLst>
               <a:ext uri="{FF2B5EF4-FFF2-40B4-BE49-F238E27FC236}">
-                <a16:creationId xmlns:a16="http://schemas.microsoft.com/office/drawing/2014/main" id="{49AEEBBE-545B-1B25-22C8-0EA7962FEFDA}"/>
+                <a16:creationId xmlns:a16="http://schemas.microsoft.com/office/drawing/2014/main" id="{F3600EF9-3E3C-C7CD-4E8A-A450588EB0BB}"/>
               </a:ext>
             </a:extLst>
           </p:cNvPr>
@@ -3948,7 +4535,11 @@
           <a:p>
             <a:r>
               <a:rPr lang="en-US" dirty="0"/>
-              <a:t>Link</a:t>
+              <a:t>controllers/</a:t>
+            </a:r>
+            <a:r>
+              <a:rPr lang="en-US" dirty="0" err="1"/>
+              <a:t>auth.js</a:t>
             </a:r>
             <a:endParaRPr lang="en-TH" dirty="0"/>
           </a:p>
@@ -3959,7 +4550,7 @@
           <p:cNvPr id="3" name="Content Placeholder 2">
             <a:extLst>
               <a:ext uri="{FF2B5EF4-FFF2-40B4-BE49-F238E27FC236}">
-                <a16:creationId xmlns:a16="http://schemas.microsoft.com/office/drawing/2014/main" id="{9A3E7C30-050C-62E0-2378-FD20A230259F}"/>
+                <a16:creationId xmlns:a16="http://schemas.microsoft.com/office/drawing/2014/main" id="{49E802F7-95AD-5C67-9B24-5B2733357648}"/>
               </a:ext>
             </a:extLst>
           </p:cNvPr>
@@ -3975,6 +4566,64 @@
           <a:bodyPr/>
           <a:lstStyle/>
           <a:p>
+            <a:endParaRPr lang="en-TH" dirty="0"/>
+          </a:p>
+        </p:txBody>
+      </p:sp>
+      <p:pic>
+        <p:nvPicPr>
+          <p:cNvPr id="5" name="Picture 4">
+            <a:extLst>
+              <a:ext uri="{FF2B5EF4-FFF2-40B4-BE49-F238E27FC236}">
+                <a16:creationId xmlns:a16="http://schemas.microsoft.com/office/drawing/2014/main" id="{47336067-FFFA-23D5-5EF5-D5E6652C128D}"/>
+              </a:ext>
+            </a:extLst>
+          </p:cNvPr>
+          <p:cNvPicPr>
+            <a:picLocks noChangeAspect="1"/>
+          </p:cNvPicPr>
+          <p:nvPr/>
+        </p:nvPicPr>
+        <p:blipFill rotWithShape="1">
+          <a:blip r:embed="rId2"/>
+          <a:srcRect l="9083" t="14740" r="9674" b="16334"/>
+          <a:stretch/>
+        </p:blipFill>
+        <p:spPr>
+          <a:xfrm>
+            <a:off x="2038345" y="1825625"/>
+            <a:ext cx="8115310" cy="4212866"/>
+          </a:xfrm>
+          <a:prstGeom prst="rect">
+            <a:avLst/>
+          </a:prstGeom>
+        </p:spPr>
+      </p:pic>
+      <p:sp>
+        <p:nvSpPr>
+          <p:cNvPr id="6" name="Slide Number Placeholder 5">
+            <a:extLst>
+              <a:ext uri="{FF2B5EF4-FFF2-40B4-BE49-F238E27FC236}">
+                <a16:creationId xmlns:a16="http://schemas.microsoft.com/office/drawing/2014/main" id="{DF83B27F-6BFF-4770-5527-7193B5642D43}"/>
+              </a:ext>
+            </a:extLst>
+          </p:cNvPr>
+          <p:cNvSpPr>
+            <a:spLocks noGrp="1"/>
+          </p:cNvSpPr>
+          <p:nvPr>
+            <p:ph type="sldNum" sz="quarter" idx="12"/>
+          </p:nvPr>
+        </p:nvSpPr>
+        <p:spPr/>
+        <p:txBody>
+          <a:bodyPr/>
+          <a:lstStyle/>
+          <a:p>
+            <a:fld id="{B4E24458-4BE4-1B4B-9639-224393D77E05}" type="slidenum">
+              <a:rPr lang="en-TH" smtClean="0"/>
+              <a:t>10</a:t>
+            </a:fld>
             <a:endParaRPr lang="en-TH"/>
           </a:p>
         </p:txBody>
@@ -3982,7 +4631,1496 @@
     </p:spTree>
     <p:extLst>
       <p:ext uri="{BB962C8B-B14F-4D97-AF65-F5344CB8AC3E}">
-        <p14:creationId xmlns:p14="http://schemas.microsoft.com/office/powerpoint/2010/main" val="2137387886"/>
+        <p14:creationId xmlns:p14="http://schemas.microsoft.com/office/powerpoint/2010/main" val="482051547"/>
+      </p:ext>
+    </p:extLst>
+  </p:cSld>
+  <p:clrMapOvr>
+    <a:masterClrMapping/>
+  </p:clrMapOvr>
+</p:sld>
+</file>
+
+<file path=ppt/slides/slide11.xml><?xml version="1.0" encoding="utf-8"?>
+<p:sld xmlns:a="http://schemas.openxmlformats.org/drawingml/2006/main" xmlns:r="http://schemas.openxmlformats.org/officeDocument/2006/relationships" xmlns:p="http://schemas.openxmlformats.org/presentationml/2006/main">
+  <p:cSld>
+    <p:spTree>
+      <p:nvGrpSpPr>
+        <p:cNvPr id="1" name=""/>
+        <p:cNvGrpSpPr/>
+        <p:nvPr/>
+      </p:nvGrpSpPr>
+      <p:grpSpPr>
+        <a:xfrm>
+          <a:off x="0" y="0"/>
+          <a:ext cx="0" cy="0"/>
+          <a:chOff x="0" y="0"/>
+          <a:chExt cx="0" cy="0"/>
+        </a:xfrm>
+      </p:grpSpPr>
+      <p:sp>
+        <p:nvSpPr>
+          <p:cNvPr id="2" name="Title 1">
+            <a:extLst>
+              <a:ext uri="{FF2B5EF4-FFF2-40B4-BE49-F238E27FC236}">
+                <a16:creationId xmlns:a16="http://schemas.microsoft.com/office/drawing/2014/main" id="{2E174613-E68D-E124-DD41-28062FA9F370}"/>
+              </a:ext>
+            </a:extLst>
+          </p:cNvPr>
+          <p:cNvSpPr>
+            <a:spLocks noGrp="1"/>
+          </p:cNvSpPr>
+          <p:nvPr>
+            <p:ph type="title"/>
+          </p:nvPr>
+        </p:nvSpPr>
+        <p:spPr/>
+        <p:txBody>
+          <a:bodyPr/>
+          <a:lstStyle/>
+          <a:p>
+            <a:r>
+              <a:rPr lang="en-US" dirty="0"/>
+              <a:t>controllers/</a:t>
+            </a:r>
+            <a:r>
+              <a:rPr lang="en-US" dirty="0" err="1"/>
+              <a:t>dentists.js</a:t>
+            </a:r>
+            <a:endParaRPr lang="en-TH" dirty="0"/>
+          </a:p>
+        </p:txBody>
+      </p:sp>
+      <p:sp>
+        <p:nvSpPr>
+          <p:cNvPr id="3" name="Content Placeholder 2">
+            <a:extLst>
+              <a:ext uri="{FF2B5EF4-FFF2-40B4-BE49-F238E27FC236}">
+                <a16:creationId xmlns:a16="http://schemas.microsoft.com/office/drawing/2014/main" id="{C31EDAF0-9A12-1B9E-32B2-C5FFED43F85F}"/>
+              </a:ext>
+            </a:extLst>
+          </p:cNvPr>
+          <p:cNvSpPr>
+            <a:spLocks noGrp="1"/>
+          </p:cNvSpPr>
+          <p:nvPr>
+            <p:ph idx="1"/>
+          </p:nvPr>
+        </p:nvSpPr>
+        <p:spPr>
+          <a:xfrm>
+            <a:off x="838200" y="1556117"/>
+            <a:ext cx="10515600" cy="4351338"/>
+          </a:xfrm>
+        </p:spPr>
+        <p:txBody>
+          <a:bodyPr/>
+          <a:lstStyle/>
+          <a:p>
+            <a:endParaRPr lang="en-TH" dirty="0"/>
+          </a:p>
+        </p:txBody>
+      </p:sp>
+      <p:pic>
+        <p:nvPicPr>
+          <p:cNvPr id="10" name="Picture 9">
+            <a:extLst>
+              <a:ext uri="{FF2B5EF4-FFF2-40B4-BE49-F238E27FC236}">
+                <a16:creationId xmlns:a16="http://schemas.microsoft.com/office/drawing/2014/main" id="{91DC838B-B460-E325-1634-998BE1F667DF}"/>
+              </a:ext>
+            </a:extLst>
+          </p:cNvPr>
+          <p:cNvPicPr>
+            <a:picLocks noChangeAspect="1"/>
+          </p:cNvPicPr>
+          <p:nvPr/>
+        </p:nvPicPr>
+        <p:blipFill rotWithShape="1">
+          <a:blip r:embed="rId2"/>
+          <a:srcRect l="8835" t="9778" r="8634" b="10578"/>
+          <a:stretch/>
+        </p:blipFill>
+        <p:spPr>
+          <a:xfrm>
+            <a:off x="179501" y="1529327"/>
+            <a:ext cx="5266836" cy="4823347"/>
+          </a:xfrm>
+          <a:prstGeom prst="rect">
+            <a:avLst/>
+          </a:prstGeom>
+        </p:spPr>
+      </p:pic>
+      <p:pic>
+        <p:nvPicPr>
+          <p:cNvPr id="11" name="Picture 10">
+            <a:extLst>
+              <a:ext uri="{FF2B5EF4-FFF2-40B4-BE49-F238E27FC236}">
+                <a16:creationId xmlns:a16="http://schemas.microsoft.com/office/drawing/2014/main" id="{0E017D30-F142-7CDD-F747-2054FD9E0410}"/>
+              </a:ext>
+            </a:extLst>
+          </p:cNvPr>
+          <p:cNvPicPr>
+            <a:picLocks noChangeAspect="1"/>
+          </p:cNvPicPr>
+          <p:nvPr/>
+        </p:nvPicPr>
+        <p:blipFill rotWithShape="1">
+          <a:blip r:embed="rId3"/>
+          <a:srcRect l="7961" t="11913" r="8117" b="13158"/>
+          <a:stretch/>
+        </p:blipFill>
+        <p:spPr>
+          <a:xfrm>
+            <a:off x="5552350" y="1529327"/>
+            <a:ext cx="6460149" cy="3772556"/>
+          </a:xfrm>
+          <a:prstGeom prst="rect">
+            <a:avLst/>
+          </a:prstGeom>
+        </p:spPr>
+      </p:pic>
+      <p:sp>
+        <p:nvSpPr>
+          <p:cNvPr id="17" name="Slide Number Placeholder 16">
+            <a:extLst>
+              <a:ext uri="{FF2B5EF4-FFF2-40B4-BE49-F238E27FC236}">
+                <a16:creationId xmlns:a16="http://schemas.microsoft.com/office/drawing/2014/main" id="{D5D5B39B-CB86-D5EF-8A3A-67B1D5E4E7B2}"/>
+              </a:ext>
+            </a:extLst>
+          </p:cNvPr>
+          <p:cNvSpPr>
+            <a:spLocks noGrp="1"/>
+          </p:cNvSpPr>
+          <p:nvPr>
+            <p:ph type="sldNum" sz="quarter" idx="12"/>
+          </p:nvPr>
+        </p:nvSpPr>
+        <p:spPr/>
+        <p:txBody>
+          <a:bodyPr/>
+          <a:lstStyle/>
+          <a:p>
+            <a:fld id="{B4E24458-4BE4-1B4B-9639-224393D77E05}" type="slidenum">
+              <a:rPr lang="en-TH" smtClean="0"/>
+              <a:t>11</a:t>
+            </a:fld>
+            <a:endParaRPr lang="en-TH"/>
+          </a:p>
+        </p:txBody>
+      </p:sp>
+    </p:spTree>
+    <p:extLst>
+      <p:ext uri="{BB962C8B-B14F-4D97-AF65-F5344CB8AC3E}">
+        <p14:creationId xmlns:p14="http://schemas.microsoft.com/office/powerpoint/2010/main" val="3812553711"/>
+      </p:ext>
+    </p:extLst>
+  </p:cSld>
+  <p:clrMapOvr>
+    <a:masterClrMapping/>
+  </p:clrMapOvr>
+</p:sld>
+</file>
+
+<file path=ppt/slides/slide12.xml><?xml version="1.0" encoding="utf-8"?>
+<p:sld xmlns:a="http://schemas.openxmlformats.org/drawingml/2006/main" xmlns:r="http://schemas.openxmlformats.org/officeDocument/2006/relationships" xmlns:p="http://schemas.openxmlformats.org/presentationml/2006/main">
+  <p:cSld>
+    <p:spTree>
+      <p:nvGrpSpPr>
+        <p:cNvPr id="1" name=""/>
+        <p:cNvGrpSpPr/>
+        <p:nvPr/>
+      </p:nvGrpSpPr>
+      <p:grpSpPr>
+        <a:xfrm>
+          <a:off x="0" y="0"/>
+          <a:ext cx="0" cy="0"/>
+          <a:chOff x="0" y="0"/>
+          <a:chExt cx="0" cy="0"/>
+        </a:xfrm>
+      </p:grpSpPr>
+      <p:sp>
+        <p:nvSpPr>
+          <p:cNvPr id="2" name="Title 1">
+            <a:extLst>
+              <a:ext uri="{FF2B5EF4-FFF2-40B4-BE49-F238E27FC236}">
+                <a16:creationId xmlns:a16="http://schemas.microsoft.com/office/drawing/2014/main" id="{2E174613-E68D-E124-DD41-28062FA9F370}"/>
+              </a:ext>
+            </a:extLst>
+          </p:cNvPr>
+          <p:cNvSpPr>
+            <a:spLocks noGrp="1"/>
+          </p:cNvSpPr>
+          <p:nvPr>
+            <p:ph type="title"/>
+          </p:nvPr>
+        </p:nvSpPr>
+        <p:spPr/>
+        <p:txBody>
+          <a:bodyPr/>
+          <a:lstStyle/>
+          <a:p>
+            <a:r>
+              <a:rPr lang="en-US" dirty="0"/>
+              <a:t>controllers/</a:t>
+            </a:r>
+            <a:r>
+              <a:rPr lang="en-US" dirty="0" err="1"/>
+              <a:t>dentists.js</a:t>
+            </a:r>
+            <a:endParaRPr lang="en-TH" dirty="0"/>
+          </a:p>
+        </p:txBody>
+      </p:sp>
+      <p:sp>
+        <p:nvSpPr>
+          <p:cNvPr id="3" name="Content Placeholder 2">
+            <a:extLst>
+              <a:ext uri="{FF2B5EF4-FFF2-40B4-BE49-F238E27FC236}">
+                <a16:creationId xmlns:a16="http://schemas.microsoft.com/office/drawing/2014/main" id="{C31EDAF0-9A12-1B9E-32B2-C5FFED43F85F}"/>
+              </a:ext>
+            </a:extLst>
+          </p:cNvPr>
+          <p:cNvSpPr>
+            <a:spLocks noGrp="1"/>
+          </p:cNvSpPr>
+          <p:nvPr>
+            <p:ph idx="1"/>
+          </p:nvPr>
+        </p:nvSpPr>
+        <p:spPr>
+          <a:xfrm>
+            <a:off x="838200" y="1556117"/>
+            <a:ext cx="10515600" cy="4351338"/>
+          </a:xfrm>
+        </p:spPr>
+        <p:txBody>
+          <a:bodyPr/>
+          <a:lstStyle/>
+          <a:p>
+            <a:endParaRPr lang="en-TH" dirty="0"/>
+          </a:p>
+        </p:txBody>
+      </p:sp>
+      <p:pic>
+        <p:nvPicPr>
+          <p:cNvPr id="12" name="Picture 11">
+            <a:extLst>
+              <a:ext uri="{FF2B5EF4-FFF2-40B4-BE49-F238E27FC236}">
+                <a16:creationId xmlns:a16="http://schemas.microsoft.com/office/drawing/2014/main" id="{E1A945A6-28E1-1D92-B295-96B16AC6C143}"/>
+              </a:ext>
+            </a:extLst>
+          </p:cNvPr>
+          <p:cNvPicPr>
+            <a:picLocks noChangeAspect="1"/>
+          </p:cNvPicPr>
+          <p:nvPr/>
+        </p:nvPicPr>
+        <p:blipFill rotWithShape="1">
+          <a:blip r:embed="rId2"/>
+          <a:srcRect l="8827" t="25254" r="9489" b="25303"/>
+          <a:stretch/>
+        </p:blipFill>
+        <p:spPr>
+          <a:xfrm>
+            <a:off x="235384" y="1551520"/>
+            <a:ext cx="6069163" cy="1513704"/>
+          </a:xfrm>
+          <a:prstGeom prst="rect">
+            <a:avLst/>
+          </a:prstGeom>
+        </p:spPr>
+      </p:pic>
+      <p:pic>
+        <p:nvPicPr>
+          <p:cNvPr id="13" name="Picture 12">
+            <a:extLst>
+              <a:ext uri="{FF2B5EF4-FFF2-40B4-BE49-F238E27FC236}">
+                <a16:creationId xmlns:a16="http://schemas.microsoft.com/office/drawing/2014/main" id="{D95DCBA0-933F-8EB5-C2EA-D9F5231C9084}"/>
+              </a:ext>
+            </a:extLst>
+          </p:cNvPr>
+          <p:cNvPicPr>
+            <a:picLocks noChangeAspect="1"/>
+          </p:cNvPicPr>
+          <p:nvPr/>
+        </p:nvPicPr>
+        <p:blipFill rotWithShape="1">
+          <a:blip r:embed="rId3"/>
+          <a:srcRect l="6929" t="11647" r="7022" b="12372"/>
+          <a:stretch/>
+        </p:blipFill>
+        <p:spPr>
+          <a:xfrm>
+            <a:off x="235384" y="3429000"/>
+            <a:ext cx="6069163" cy="3210167"/>
+          </a:xfrm>
+          <a:prstGeom prst="rect">
+            <a:avLst/>
+          </a:prstGeom>
+        </p:spPr>
+      </p:pic>
+      <p:pic>
+        <p:nvPicPr>
+          <p:cNvPr id="15" name="Picture 14">
+            <a:extLst>
+              <a:ext uri="{FF2B5EF4-FFF2-40B4-BE49-F238E27FC236}">
+                <a16:creationId xmlns:a16="http://schemas.microsoft.com/office/drawing/2014/main" id="{F0A158A2-F3F6-8B72-FC24-B46D90C61708}"/>
+              </a:ext>
+            </a:extLst>
+          </p:cNvPr>
+          <p:cNvPicPr>
+            <a:picLocks noChangeAspect="1"/>
+          </p:cNvPicPr>
+          <p:nvPr/>
+        </p:nvPicPr>
+        <p:blipFill rotWithShape="1">
+          <a:blip r:embed="rId4"/>
+          <a:srcRect l="8057" t="11280" r="9119" b="11804"/>
+          <a:stretch/>
+        </p:blipFill>
+        <p:spPr>
+          <a:xfrm>
+            <a:off x="6406723" y="1551520"/>
+            <a:ext cx="5673902" cy="3750363"/>
+          </a:xfrm>
+          <a:prstGeom prst="rect">
+            <a:avLst/>
+          </a:prstGeom>
+        </p:spPr>
+      </p:pic>
+      <p:sp>
+        <p:nvSpPr>
+          <p:cNvPr id="4" name="Slide Number Placeholder 3">
+            <a:extLst>
+              <a:ext uri="{FF2B5EF4-FFF2-40B4-BE49-F238E27FC236}">
+                <a16:creationId xmlns:a16="http://schemas.microsoft.com/office/drawing/2014/main" id="{3CF40F91-8028-6BA3-AF36-6D3ADB38555D}"/>
+              </a:ext>
+            </a:extLst>
+          </p:cNvPr>
+          <p:cNvSpPr>
+            <a:spLocks noGrp="1"/>
+          </p:cNvSpPr>
+          <p:nvPr>
+            <p:ph type="sldNum" sz="quarter" idx="12"/>
+          </p:nvPr>
+        </p:nvSpPr>
+        <p:spPr/>
+        <p:txBody>
+          <a:bodyPr/>
+          <a:lstStyle/>
+          <a:p>
+            <a:fld id="{B4E24458-4BE4-1B4B-9639-224393D77E05}" type="slidenum">
+              <a:rPr lang="en-TH" smtClean="0"/>
+              <a:t>12</a:t>
+            </a:fld>
+            <a:endParaRPr lang="en-TH"/>
+          </a:p>
+        </p:txBody>
+      </p:sp>
+    </p:spTree>
+    <p:extLst>
+      <p:ext uri="{BB962C8B-B14F-4D97-AF65-F5344CB8AC3E}">
+        <p14:creationId xmlns:p14="http://schemas.microsoft.com/office/powerpoint/2010/main" val="1926124450"/>
+      </p:ext>
+    </p:extLst>
+  </p:cSld>
+  <p:clrMapOvr>
+    <a:masterClrMapping/>
+  </p:clrMapOvr>
+</p:sld>
+</file>
+
+<file path=ppt/slides/slide13.xml><?xml version="1.0" encoding="utf-8"?>
+<p:sld xmlns:a="http://schemas.openxmlformats.org/drawingml/2006/main" xmlns:r="http://schemas.openxmlformats.org/officeDocument/2006/relationships" xmlns:p="http://schemas.openxmlformats.org/presentationml/2006/main">
+  <p:cSld>
+    <p:spTree>
+      <p:nvGrpSpPr>
+        <p:cNvPr id="1" name=""/>
+        <p:cNvGrpSpPr/>
+        <p:nvPr/>
+      </p:nvGrpSpPr>
+      <p:grpSpPr>
+        <a:xfrm>
+          <a:off x="0" y="0"/>
+          <a:ext cx="0" cy="0"/>
+          <a:chOff x="0" y="0"/>
+          <a:chExt cx="0" cy="0"/>
+        </a:xfrm>
+      </p:grpSpPr>
+      <p:sp>
+        <p:nvSpPr>
+          <p:cNvPr id="2" name="Title 1">
+            <a:extLst>
+              <a:ext uri="{FF2B5EF4-FFF2-40B4-BE49-F238E27FC236}">
+                <a16:creationId xmlns:a16="http://schemas.microsoft.com/office/drawing/2014/main" id="{3B119676-A7CF-23CF-AB0B-89D6B14B82E0}"/>
+              </a:ext>
+            </a:extLst>
+          </p:cNvPr>
+          <p:cNvSpPr>
+            <a:spLocks noGrp="1"/>
+          </p:cNvSpPr>
+          <p:nvPr>
+            <p:ph type="title"/>
+          </p:nvPr>
+        </p:nvSpPr>
+        <p:spPr/>
+        <p:txBody>
+          <a:bodyPr/>
+          <a:lstStyle/>
+          <a:p>
+            <a:r>
+              <a:rPr lang="en-US" dirty="0"/>
+              <a:t>c</a:t>
+            </a:r>
+            <a:r>
+              <a:rPr lang="en-TH" dirty="0"/>
+              <a:t>onfig.env</a:t>
+            </a:r>
+          </a:p>
+        </p:txBody>
+      </p:sp>
+      <p:sp>
+        <p:nvSpPr>
+          <p:cNvPr id="3" name="Content Placeholder 2">
+            <a:extLst>
+              <a:ext uri="{FF2B5EF4-FFF2-40B4-BE49-F238E27FC236}">
+                <a16:creationId xmlns:a16="http://schemas.microsoft.com/office/drawing/2014/main" id="{B161AD3D-F058-95D9-D191-2595F6641AF9}"/>
+              </a:ext>
+            </a:extLst>
+          </p:cNvPr>
+          <p:cNvSpPr>
+            <a:spLocks noGrp="1"/>
+          </p:cNvSpPr>
+          <p:nvPr>
+            <p:ph idx="1"/>
+          </p:nvPr>
+        </p:nvSpPr>
+        <p:spPr/>
+        <p:txBody>
+          <a:bodyPr/>
+          <a:lstStyle/>
+          <a:p>
+            <a:r>
+              <a:rPr lang="en-US" dirty="0"/>
+              <a:t>Connect to new database</a:t>
+            </a:r>
+          </a:p>
+          <a:p>
+            <a:r>
+              <a:rPr lang="en-US" dirty="0"/>
+              <a:t>Add username &amp; password for email to send</a:t>
+            </a:r>
+            <a:endParaRPr lang="en-TH" dirty="0"/>
+          </a:p>
+        </p:txBody>
+      </p:sp>
+      <p:pic>
+        <p:nvPicPr>
+          <p:cNvPr id="6" name="Picture 5">
+            <a:extLst>
+              <a:ext uri="{FF2B5EF4-FFF2-40B4-BE49-F238E27FC236}">
+                <a16:creationId xmlns:a16="http://schemas.microsoft.com/office/drawing/2014/main" id="{5DD9D9A0-1F37-4F27-16D6-70ECD71A3248}"/>
+              </a:ext>
+            </a:extLst>
+          </p:cNvPr>
+          <p:cNvPicPr>
+            <a:picLocks noChangeAspect="1"/>
+          </p:cNvPicPr>
+          <p:nvPr/>
+        </p:nvPicPr>
+        <p:blipFill rotWithShape="1">
+          <a:blip r:embed="rId2"/>
+          <a:srcRect l="5754" t="12998" r="6217" b="13446"/>
+          <a:stretch/>
+        </p:blipFill>
+        <p:spPr>
+          <a:xfrm>
+            <a:off x="1454287" y="2902115"/>
+            <a:ext cx="9283426" cy="3590760"/>
+          </a:xfrm>
+          <a:prstGeom prst="rect">
+            <a:avLst/>
+          </a:prstGeom>
+        </p:spPr>
+      </p:pic>
+      <p:sp>
+        <p:nvSpPr>
+          <p:cNvPr id="7" name="Slide Number Placeholder 6">
+            <a:extLst>
+              <a:ext uri="{FF2B5EF4-FFF2-40B4-BE49-F238E27FC236}">
+                <a16:creationId xmlns:a16="http://schemas.microsoft.com/office/drawing/2014/main" id="{8319F629-08A8-2834-36E3-F410227DD51A}"/>
+              </a:ext>
+            </a:extLst>
+          </p:cNvPr>
+          <p:cNvSpPr>
+            <a:spLocks noGrp="1"/>
+          </p:cNvSpPr>
+          <p:nvPr>
+            <p:ph type="sldNum" sz="quarter" idx="12"/>
+          </p:nvPr>
+        </p:nvSpPr>
+        <p:spPr/>
+        <p:txBody>
+          <a:bodyPr/>
+          <a:lstStyle/>
+          <a:p>
+            <a:fld id="{B4E24458-4BE4-1B4B-9639-224393D77E05}" type="slidenum">
+              <a:rPr lang="en-TH" smtClean="0"/>
+              <a:t>13</a:t>
+            </a:fld>
+            <a:endParaRPr lang="en-TH"/>
+          </a:p>
+        </p:txBody>
+      </p:sp>
+    </p:spTree>
+    <p:extLst>
+      <p:ext uri="{BB962C8B-B14F-4D97-AF65-F5344CB8AC3E}">
+        <p14:creationId xmlns:p14="http://schemas.microsoft.com/office/powerpoint/2010/main" val="3581700745"/>
+      </p:ext>
+    </p:extLst>
+  </p:cSld>
+  <p:clrMapOvr>
+    <a:masterClrMapping/>
+  </p:clrMapOvr>
+</p:sld>
+</file>
+
+<file path=ppt/slides/slide14.xml><?xml version="1.0" encoding="utf-8"?>
+<p:sld xmlns:a="http://schemas.openxmlformats.org/drawingml/2006/main" xmlns:r="http://schemas.openxmlformats.org/officeDocument/2006/relationships" xmlns:p="http://schemas.openxmlformats.org/presentationml/2006/main">
+  <p:cSld>
+    <p:spTree>
+      <p:nvGrpSpPr>
+        <p:cNvPr id="1" name=""/>
+        <p:cNvGrpSpPr/>
+        <p:nvPr/>
+      </p:nvGrpSpPr>
+      <p:grpSpPr>
+        <a:xfrm>
+          <a:off x="0" y="0"/>
+          <a:ext cx="0" cy="0"/>
+          <a:chOff x="0" y="0"/>
+          <a:chExt cx="0" cy="0"/>
+        </a:xfrm>
+      </p:grpSpPr>
+      <p:sp>
+        <p:nvSpPr>
+          <p:cNvPr id="2" name="Title 1">
+            <a:extLst>
+              <a:ext uri="{FF2B5EF4-FFF2-40B4-BE49-F238E27FC236}">
+                <a16:creationId xmlns:a16="http://schemas.microsoft.com/office/drawing/2014/main" id="{94F6F8D8-B7F7-3B3B-C4F5-A2D71C4BC5E3}"/>
+              </a:ext>
+            </a:extLst>
+          </p:cNvPr>
+          <p:cNvSpPr>
+            <a:spLocks noGrp="1"/>
+          </p:cNvSpPr>
+          <p:nvPr>
+            <p:ph type="title"/>
+          </p:nvPr>
+        </p:nvSpPr>
+        <p:spPr/>
+        <p:txBody>
+          <a:bodyPr/>
+          <a:lstStyle/>
+          <a:p>
+            <a:r>
+              <a:rPr lang="en-TH" dirty="0"/>
+              <a:t>Additional Requirement</a:t>
+            </a:r>
+          </a:p>
+        </p:txBody>
+      </p:sp>
+      <p:sp>
+        <p:nvSpPr>
+          <p:cNvPr id="3" name="Content Placeholder 2">
+            <a:extLst>
+              <a:ext uri="{FF2B5EF4-FFF2-40B4-BE49-F238E27FC236}">
+                <a16:creationId xmlns:a16="http://schemas.microsoft.com/office/drawing/2014/main" id="{D110A5B9-3239-4789-8CB1-F339B92951B6}"/>
+              </a:ext>
+            </a:extLst>
+          </p:cNvPr>
+          <p:cNvSpPr>
+            <a:spLocks noGrp="1"/>
+          </p:cNvSpPr>
+          <p:nvPr>
+            <p:ph idx="1"/>
+          </p:nvPr>
+        </p:nvSpPr>
+        <p:spPr/>
+        <p:txBody>
+          <a:bodyPr/>
+          <a:lstStyle/>
+          <a:p>
+            <a:r>
+              <a:rPr lang="en-US" dirty="0"/>
+              <a:t>The system will send confirmation emails upon successful reservation.</a:t>
+            </a:r>
+            <a:endParaRPr lang="en-TH" dirty="0"/>
+          </a:p>
+        </p:txBody>
+      </p:sp>
+      <p:sp>
+        <p:nvSpPr>
+          <p:cNvPr id="4" name="Slide Number Placeholder 3">
+            <a:extLst>
+              <a:ext uri="{FF2B5EF4-FFF2-40B4-BE49-F238E27FC236}">
+                <a16:creationId xmlns:a16="http://schemas.microsoft.com/office/drawing/2014/main" id="{82C0EC47-2C8B-507F-87A9-654C711C1AA4}"/>
+              </a:ext>
+            </a:extLst>
+          </p:cNvPr>
+          <p:cNvSpPr>
+            <a:spLocks noGrp="1"/>
+          </p:cNvSpPr>
+          <p:nvPr>
+            <p:ph type="sldNum" sz="quarter" idx="12"/>
+          </p:nvPr>
+        </p:nvSpPr>
+        <p:spPr/>
+        <p:txBody>
+          <a:bodyPr/>
+          <a:lstStyle/>
+          <a:p>
+            <a:fld id="{B4E24458-4BE4-1B4B-9639-224393D77E05}" type="slidenum">
+              <a:rPr lang="en-TH" smtClean="0"/>
+              <a:t>14</a:t>
+            </a:fld>
+            <a:endParaRPr lang="en-TH"/>
+          </a:p>
+        </p:txBody>
+      </p:sp>
+    </p:spTree>
+    <p:extLst>
+      <p:ext uri="{BB962C8B-B14F-4D97-AF65-F5344CB8AC3E}">
+        <p14:creationId xmlns:p14="http://schemas.microsoft.com/office/powerpoint/2010/main" val="3513531108"/>
+      </p:ext>
+    </p:extLst>
+  </p:cSld>
+  <p:clrMapOvr>
+    <a:masterClrMapping/>
+  </p:clrMapOvr>
+</p:sld>
+</file>
+
+<file path=ppt/slides/slide15.xml><?xml version="1.0" encoding="utf-8"?>
+<p:sld xmlns:a="http://schemas.openxmlformats.org/drawingml/2006/main" xmlns:r="http://schemas.openxmlformats.org/officeDocument/2006/relationships" xmlns:p="http://schemas.openxmlformats.org/presentationml/2006/main">
+  <p:cSld>
+    <p:spTree>
+      <p:nvGrpSpPr>
+        <p:cNvPr id="1" name=""/>
+        <p:cNvGrpSpPr/>
+        <p:nvPr/>
+      </p:nvGrpSpPr>
+      <p:grpSpPr>
+        <a:xfrm>
+          <a:off x="0" y="0"/>
+          <a:ext cx="0" cy="0"/>
+          <a:chOff x="0" y="0"/>
+          <a:chExt cx="0" cy="0"/>
+        </a:xfrm>
+      </p:grpSpPr>
+      <p:sp>
+        <p:nvSpPr>
+          <p:cNvPr id="2" name="Title 1">
+            <a:extLst>
+              <a:ext uri="{FF2B5EF4-FFF2-40B4-BE49-F238E27FC236}">
+                <a16:creationId xmlns:a16="http://schemas.microsoft.com/office/drawing/2014/main" id="{CD6B48FF-A327-D9E4-F4BD-1C64617AC3B5}"/>
+              </a:ext>
+            </a:extLst>
+          </p:cNvPr>
+          <p:cNvSpPr>
+            <a:spLocks noGrp="1"/>
+          </p:cNvSpPr>
+          <p:nvPr>
+            <p:ph type="title"/>
+          </p:nvPr>
+        </p:nvSpPr>
+        <p:spPr/>
+        <p:txBody>
+          <a:bodyPr/>
+          <a:lstStyle/>
+          <a:p>
+            <a:r>
+              <a:rPr lang="en-US" dirty="0"/>
+              <a:t>middleware/</a:t>
+            </a:r>
+            <a:r>
+              <a:rPr lang="en-US" dirty="0" err="1"/>
+              <a:t>mail.js</a:t>
+            </a:r>
+            <a:endParaRPr lang="en-TH" dirty="0"/>
+          </a:p>
+        </p:txBody>
+      </p:sp>
+      <p:sp>
+        <p:nvSpPr>
+          <p:cNvPr id="3" name="Content Placeholder 2">
+            <a:extLst>
+              <a:ext uri="{FF2B5EF4-FFF2-40B4-BE49-F238E27FC236}">
+                <a16:creationId xmlns:a16="http://schemas.microsoft.com/office/drawing/2014/main" id="{3179D1D7-5584-1E9C-D059-D70C9EAE2B17}"/>
+              </a:ext>
+            </a:extLst>
+          </p:cNvPr>
+          <p:cNvSpPr>
+            <a:spLocks noGrp="1"/>
+          </p:cNvSpPr>
+          <p:nvPr>
+            <p:ph idx="1"/>
+          </p:nvPr>
+        </p:nvSpPr>
+        <p:spPr/>
+        <p:txBody>
+          <a:bodyPr/>
+          <a:lstStyle/>
+          <a:p>
+            <a:endParaRPr lang="en-TH" dirty="0"/>
+          </a:p>
+        </p:txBody>
+      </p:sp>
+      <p:sp>
+        <p:nvSpPr>
+          <p:cNvPr id="5" name="Slide Number Placeholder 4">
+            <a:extLst>
+              <a:ext uri="{FF2B5EF4-FFF2-40B4-BE49-F238E27FC236}">
+                <a16:creationId xmlns:a16="http://schemas.microsoft.com/office/drawing/2014/main" id="{FE230C79-1B0E-24E1-CFA2-7A396BE38A18}"/>
+              </a:ext>
+            </a:extLst>
+          </p:cNvPr>
+          <p:cNvSpPr>
+            <a:spLocks noGrp="1"/>
+          </p:cNvSpPr>
+          <p:nvPr>
+            <p:ph type="sldNum" sz="quarter" idx="12"/>
+          </p:nvPr>
+        </p:nvSpPr>
+        <p:spPr/>
+        <p:txBody>
+          <a:bodyPr/>
+          <a:lstStyle/>
+          <a:p>
+            <a:fld id="{B4E24458-4BE4-1B4B-9639-224393D77E05}" type="slidenum">
+              <a:rPr lang="en-TH" smtClean="0"/>
+              <a:t>15</a:t>
+            </a:fld>
+            <a:endParaRPr lang="en-TH"/>
+          </a:p>
+        </p:txBody>
+      </p:sp>
+      <p:pic>
+        <p:nvPicPr>
+          <p:cNvPr id="6" name="Picture 5">
+            <a:extLst>
+              <a:ext uri="{FF2B5EF4-FFF2-40B4-BE49-F238E27FC236}">
+                <a16:creationId xmlns:a16="http://schemas.microsoft.com/office/drawing/2014/main" id="{59918403-96F8-888C-AEFE-0766204A9927}"/>
+              </a:ext>
+            </a:extLst>
+          </p:cNvPr>
+          <p:cNvPicPr>
+            <a:picLocks noChangeAspect="1"/>
+          </p:cNvPicPr>
+          <p:nvPr/>
+        </p:nvPicPr>
+        <p:blipFill rotWithShape="1">
+          <a:blip r:embed="rId2"/>
+          <a:srcRect l="9105" t="13514" r="9477" b="14501"/>
+          <a:stretch/>
+        </p:blipFill>
+        <p:spPr>
+          <a:xfrm>
+            <a:off x="0" y="2933332"/>
+            <a:ext cx="5776689" cy="3378567"/>
+          </a:xfrm>
+          <a:prstGeom prst="rect">
+            <a:avLst/>
+          </a:prstGeom>
+        </p:spPr>
+      </p:pic>
+      <p:pic>
+        <p:nvPicPr>
+          <p:cNvPr id="7" name="Picture 6">
+            <a:extLst>
+              <a:ext uri="{FF2B5EF4-FFF2-40B4-BE49-F238E27FC236}">
+                <a16:creationId xmlns:a16="http://schemas.microsoft.com/office/drawing/2014/main" id="{9C393D32-3863-F745-1F5E-6DA669950A43}"/>
+              </a:ext>
+            </a:extLst>
+          </p:cNvPr>
+          <p:cNvPicPr>
+            <a:picLocks noChangeAspect="1"/>
+          </p:cNvPicPr>
+          <p:nvPr/>
+        </p:nvPicPr>
+        <p:blipFill rotWithShape="1">
+          <a:blip r:embed="rId3"/>
+          <a:srcRect l="6186" t="10346" r="13936" b="14093"/>
+          <a:stretch/>
+        </p:blipFill>
+        <p:spPr>
+          <a:xfrm>
+            <a:off x="5863770" y="2938813"/>
+            <a:ext cx="6328230" cy="3373086"/>
+          </a:xfrm>
+          <a:prstGeom prst="rect">
+            <a:avLst/>
+          </a:prstGeom>
+        </p:spPr>
+      </p:pic>
+      <p:pic>
+        <p:nvPicPr>
+          <p:cNvPr id="1026" name="Picture 2" descr="Nodemailer – Send e-mails with Node.JS">
+            <a:extLst>
+              <a:ext uri="{FF2B5EF4-FFF2-40B4-BE49-F238E27FC236}">
+                <a16:creationId xmlns:a16="http://schemas.microsoft.com/office/drawing/2014/main" id="{6C28801E-FC11-CC47-E676-F76363B5B259}"/>
+              </a:ext>
+            </a:extLst>
+          </p:cNvPr>
+          <p:cNvPicPr>
+            <a:picLocks noChangeAspect="1" noChangeArrowheads="1"/>
+          </p:cNvPicPr>
+          <p:nvPr/>
+        </p:nvPicPr>
+        <p:blipFill>
+          <a:blip r:embed="rId4">
+            <a:extLst>
+              <a:ext uri="{28A0092B-C50C-407E-A947-70E740481C1C}">
+                <a14:useLocalDpi xmlns:a14="http://schemas.microsoft.com/office/drawing/2010/main" val="0"/>
+              </a:ext>
+            </a:extLst>
+          </a:blip>
+          <a:srcRect/>
+          <a:stretch>
+            <a:fillRect/>
+          </a:stretch>
+        </p:blipFill>
+        <p:spPr bwMode="auto">
+          <a:xfrm>
+            <a:off x="8098976" y="61226"/>
+            <a:ext cx="3254824" cy="2776627"/>
+          </a:xfrm>
+          <a:prstGeom prst="rect">
+            <a:avLst/>
+          </a:prstGeom>
+          <a:noFill/>
+          <a:extLst>
+            <a:ext uri="{909E8E84-426E-40DD-AFC4-6F175D3DCCD1}">
+              <a14:hiddenFill xmlns:a14="http://schemas.microsoft.com/office/drawing/2010/main">
+                <a:solidFill>
+                  <a:srgbClr val="FFFFFF"/>
+                </a:solidFill>
+              </a14:hiddenFill>
+            </a:ext>
+          </a:extLst>
+        </p:spPr>
+      </p:pic>
+    </p:spTree>
+    <p:extLst>
+      <p:ext uri="{BB962C8B-B14F-4D97-AF65-F5344CB8AC3E}">
+        <p14:creationId xmlns:p14="http://schemas.microsoft.com/office/powerpoint/2010/main" val="386073755"/>
+      </p:ext>
+    </p:extLst>
+  </p:cSld>
+  <p:clrMapOvr>
+    <a:masterClrMapping/>
+  </p:clrMapOvr>
+</p:sld>
+</file>
+
+<file path=ppt/slides/slide16.xml><?xml version="1.0" encoding="utf-8"?>
+<p:sld xmlns:a="http://schemas.openxmlformats.org/drawingml/2006/main" xmlns:r="http://schemas.openxmlformats.org/officeDocument/2006/relationships" xmlns:p="http://schemas.openxmlformats.org/presentationml/2006/main">
+  <p:cSld>
+    <p:spTree>
+      <p:nvGrpSpPr>
+        <p:cNvPr id="1" name=""/>
+        <p:cNvGrpSpPr/>
+        <p:nvPr/>
+      </p:nvGrpSpPr>
+      <p:grpSpPr>
+        <a:xfrm>
+          <a:off x="0" y="0"/>
+          <a:ext cx="0" cy="0"/>
+          <a:chOff x="0" y="0"/>
+          <a:chExt cx="0" cy="0"/>
+        </a:xfrm>
+      </p:grpSpPr>
+      <p:sp>
+        <p:nvSpPr>
+          <p:cNvPr id="2" name="Title 1">
+            <a:extLst>
+              <a:ext uri="{FF2B5EF4-FFF2-40B4-BE49-F238E27FC236}">
+                <a16:creationId xmlns:a16="http://schemas.microsoft.com/office/drawing/2014/main" id="{ECFB4E24-6EC9-7010-1B03-53160E8B51A4}"/>
+              </a:ext>
+            </a:extLst>
+          </p:cNvPr>
+          <p:cNvSpPr>
+            <a:spLocks noGrp="1"/>
+          </p:cNvSpPr>
+          <p:nvPr>
+            <p:ph type="title"/>
+          </p:nvPr>
+        </p:nvSpPr>
+        <p:spPr/>
+        <p:txBody>
+          <a:bodyPr/>
+          <a:lstStyle/>
+          <a:p>
+            <a:r>
+              <a:rPr lang="en-TH" dirty="0"/>
+              <a:t>Use Case Diagram</a:t>
+            </a:r>
+          </a:p>
+        </p:txBody>
+      </p:sp>
+      <p:pic>
+        <p:nvPicPr>
+          <p:cNvPr id="9" name="Content Placeholder 8" descr="A diagram of a dentist&#10;&#10;Description automatically generated">
+            <a:extLst>
+              <a:ext uri="{FF2B5EF4-FFF2-40B4-BE49-F238E27FC236}">
+                <a16:creationId xmlns:a16="http://schemas.microsoft.com/office/drawing/2014/main" id="{2BB3E750-6964-2D7D-9C3B-A5579C156C9E}"/>
+              </a:ext>
+            </a:extLst>
+          </p:cNvPr>
+          <p:cNvPicPr>
+            <a:picLocks noGrp="1" noChangeAspect="1"/>
+          </p:cNvPicPr>
+          <p:nvPr>
+            <p:ph idx="1"/>
+          </p:nvPr>
+        </p:nvPicPr>
+        <p:blipFill>
+          <a:blip r:embed="rId2"/>
+          <a:stretch>
+            <a:fillRect/>
+          </a:stretch>
+        </p:blipFill>
+        <p:spPr>
+          <a:xfrm>
+            <a:off x="3594595" y="1825625"/>
+            <a:ext cx="5002809" cy="4351338"/>
+          </a:xfrm>
+        </p:spPr>
+      </p:pic>
+      <p:sp>
+        <p:nvSpPr>
+          <p:cNvPr id="4" name="Slide Number Placeholder 3">
+            <a:extLst>
+              <a:ext uri="{FF2B5EF4-FFF2-40B4-BE49-F238E27FC236}">
+                <a16:creationId xmlns:a16="http://schemas.microsoft.com/office/drawing/2014/main" id="{9899A31C-F329-0E01-CC7A-2C0914736F20}"/>
+              </a:ext>
+            </a:extLst>
+          </p:cNvPr>
+          <p:cNvSpPr>
+            <a:spLocks noGrp="1"/>
+          </p:cNvSpPr>
+          <p:nvPr>
+            <p:ph type="sldNum" sz="quarter" idx="12"/>
+          </p:nvPr>
+        </p:nvSpPr>
+        <p:spPr/>
+        <p:txBody>
+          <a:bodyPr/>
+          <a:lstStyle/>
+          <a:p>
+            <a:fld id="{B4E24458-4BE4-1B4B-9639-224393D77E05}" type="slidenum">
+              <a:rPr lang="en-TH" smtClean="0"/>
+              <a:t>16</a:t>
+            </a:fld>
+            <a:endParaRPr lang="en-TH"/>
+          </a:p>
+        </p:txBody>
+      </p:sp>
+    </p:spTree>
+    <p:extLst>
+      <p:ext uri="{BB962C8B-B14F-4D97-AF65-F5344CB8AC3E}">
+        <p14:creationId xmlns:p14="http://schemas.microsoft.com/office/powerpoint/2010/main" val="2199217852"/>
+      </p:ext>
+    </p:extLst>
+  </p:cSld>
+  <p:clrMapOvr>
+    <a:masterClrMapping/>
+  </p:clrMapOvr>
+</p:sld>
+</file>
+
+<file path=ppt/slides/slide17.xml><?xml version="1.0" encoding="utf-8"?>
+<p:sld xmlns:a="http://schemas.openxmlformats.org/drawingml/2006/main" xmlns:r="http://schemas.openxmlformats.org/officeDocument/2006/relationships" xmlns:p="http://schemas.openxmlformats.org/presentationml/2006/main">
+  <p:cSld>
+    <p:spTree>
+      <p:nvGrpSpPr>
+        <p:cNvPr id="1" name=""/>
+        <p:cNvGrpSpPr/>
+        <p:nvPr/>
+      </p:nvGrpSpPr>
+      <p:grpSpPr>
+        <a:xfrm>
+          <a:off x="0" y="0"/>
+          <a:ext cx="0" cy="0"/>
+          <a:chOff x="0" y="0"/>
+          <a:chExt cx="0" cy="0"/>
+        </a:xfrm>
+      </p:grpSpPr>
+      <p:sp>
+        <p:nvSpPr>
+          <p:cNvPr id="2" name="Title 1">
+            <a:extLst>
+              <a:ext uri="{FF2B5EF4-FFF2-40B4-BE49-F238E27FC236}">
+                <a16:creationId xmlns:a16="http://schemas.microsoft.com/office/drawing/2014/main" id="{ECFB4E24-6EC9-7010-1B03-53160E8B51A4}"/>
+              </a:ext>
+            </a:extLst>
+          </p:cNvPr>
+          <p:cNvSpPr>
+            <a:spLocks noGrp="1"/>
+          </p:cNvSpPr>
+          <p:nvPr>
+            <p:ph type="title"/>
+          </p:nvPr>
+        </p:nvSpPr>
+        <p:spPr/>
+        <p:txBody>
+          <a:bodyPr/>
+          <a:lstStyle/>
+          <a:p>
+            <a:r>
+              <a:rPr lang="en-TH" dirty="0"/>
+              <a:t>Class Diagram</a:t>
+            </a:r>
+          </a:p>
+        </p:txBody>
+      </p:sp>
+      <p:sp>
+        <p:nvSpPr>
+          <p:cNvPr id="3" name="Content Placeholder 2">
+            <a:extLst>
+              <a:ext uri="{FF2B5EF4-FFF2-40B4-BE49-F238E27FC236}">
+                <a16:creationId xmlns:a16="http://schemas.microsoft.com/office/drawing/2014/main" id="{505315AF-D7DD-056E-896F-A11B9FE76964}"/>
+              </a:ext>
+            </a:extLst>
+          </p:cNvPr>
+          <p:cNvSpPr>
+            <a:spLocks noGrp="1"/>
+          </p:cNvSpPr>
+          <p:nvPr>
+            <p:ph idx="1"/>
+          </p:nvPr>
+        </p:nvSpPr>
+        <p:spPr/>
+        <p:txBody>
+          <a:bodyPr/>
+          <a:lstStyle/>
+          <a:p>
+            <a:endParaRPr lang="en-TH"/>
+          </a:p>
+        </p:txBody>
+      </p:sp>
+      <p:sp>
+        <p:nvSpPr>
+          <p:cNvPr id="4" name="Slide Number Placeholder 3">
+            <a:extLst>
+              <a:ext uri="{FF2B5EF4-FFF2-40B4-BE49-F238E27FC236}">
+                <a16:creationId xmlns:a16="http://schemas.microsoft.com/office/drawing/2014/main" id="{9899A31C-F329-0E01-CC7A-2C0914736F20}"/>
+              </a:ext>
+            </a:extLst>
+          </p:cNvPr>
+          <p:cNvSpPr>
+            <a:spLocks noGrp="1"/>
+          </p:cNvSpPr>
+          <p:nvPr>
+            <p:ph type="sldNum" sz="quarter" idx="12"/>
+          </p:nvPr>
+        </p:nvSpPr>
+        <p:spPr/>
+        <p:txBody>
+          <a:bodyPr/>
+          <a:lstStyle/>
+          <a:p>
+            <a:fld id="{B4E24458-4BE4-1B4B-9639-224393D77E05}" type="slidenum">
+              <a:rPr lang="en-TH" smtClean="0"/>
+              <a:t>17</a:t>
+            </a:fld>
+            <a:endParaRPr lang="en-TH"/>
+          </a:p>
+        </p:txBody>
+      </p:sp>
+    </p:spTree>
+    <p:extLst>
+      <p:ext uri="{BB962C8B-B14F-4D97-AF65-F5344CB8AC3E}">
+        <p14:creationId xmlns:p14="http://schemas.microsoft.com/office/powerpoint/2010/main" val="3269546054"/>
+      </p:ext>
+    </p:extLst>
+  </p:cSld>
+  <p:clrMapOvr>
+    <a:masterClrMapping/>
+  </p:clrMapOvr>
+</p:sld>
+</file>
+
+<file path=ppt/slides/slide18.xml><?xml version="1.0" encoding="utf-8"?>
+<p:sld xmlns:a="http://schemas.openxmlformats.org/drawingml/2006/main" xmlns:r="http://schemas.openxmlformats.org/officeDocument/2006/relationships" xmlns:p="http://schemas.openxmlformats.org/presentationml/2006/main">
+  <p:cSld>
+    <p:spTree>
+      <p:nvGrpSpPr>
+        <p:cNvPr id="1" name=""/>
+        <p:cNvGrpSpPr/>
+        <p:nvPr/>
+      </p:nvGrpSpPr>
+      <p:grpSpPr>
+        <a:xfrm>
+          <a:off x="0" y="0"/>
+          <a:ext cx="0" cy="0"/>
+          <a:chOff x="0" y="0"/>
+          <a:chExt cx="0" cy="0"/>
+        </a:xfrm>
+      </p:grpSpPr>
+      <p:sp>
+        <p:nvSpPr>
+          <p:cNvPr id="2" name="Title 1">
+            <a:extLst>
+              <a:ext uri="{FF2B5EF4-FFF2-40B4-BE49-F238E27FC236}">
+                <a16:creationId xmlns:a16="http://schemas.microsoft.com/office/drawing/2014/main" id="{ECFB4E24-6EC9-7010-1B03-53160E8B51A4}"/>
+              </a:ext>
+            </a:extLst>
+          </p:cNvPr>
+          <p:cNvSpPr>
+            <a:spLocks noGrp="1"/>
+          </p:cNvSpPr>
+          <p:nvPr>
+            <p:ph type="title"/>
+          </p:nvPr>
+        </p:nvSpPr>
+        <p:spPr/>
+        <p:txBody>
+          <a:bodyPr/>
+          <a:lstStyle/>
+          <a:p>
+            <a:r>
+              <a:rPr lang="en-TH" dirty="0"/>
+              <a:t>Sequence Diagram</a:t>
+            </a:r>
+          </a:p>
+        </p:txBody>
+      </p:sp>
+      <p:sp>
+        <p:nvSpPr>
+          <p:cNvPr id="3" name="Content Placeholder 2">
+            <a:extLst>
+              <a:ext uri="{FF2B5EF4-FFF2-40B4-BE49-F238E27FC236}">
+                <a16:creationId xmlns:a16="http://schemas.microsoft.com/office/drawing/2014/main" id="{505315AF-D7DD-056E-896F-A11B9FE76964}"/>
+              </a:ext>
+            </a:extLst>
+          </p:cNvPr>
+          <p:cNvSpPr>
+            <a:spLocks noGrp="1"/>
+          </p:cNvSpPr>
+          <p:nvPr>
+            <p:ph idx="1"/>
+          </p:nvPr>
+        </p:nvSpPr>
+        <p:spPr/>
+        <p:txBody>
+          <a:bodyPr/>
+          <a:lstStyle/>
+          <a:p>
+            <a:endParaRPr lang="en-TH"/>
+          </a:p>
+        </p:txBody>
+      </p:sp>
+      <p:sp>
+        <p:nvSpPr>
+          <p:cNvPr id="4" name="Slide Number Placeholder 3">
+            <a:extLst>
+              <a:ext uri="{FF2B5EF4-FFF2-40B4-BE49-F238E27FC236}">
+                <a16:creationId xmlns:a16="http://schemas.microsoft.com/office/drawing/2014/main" id="{9899A31C-F329-0E01-CC7A-2C0914736F20}"/>
+              </a:ext>
+            </a:extLst>
+          </p:cNvPr>
+          <p:cNvSpPr>
+            <a:spLocks noGrp="1"/>
+          </p:cNvSpPr>
+          <p:nvPr>
+            <p:ph type="sldNum" sz="quarter" idx="12"/>
+          </p:nvPr>
+        </p:nvSpPr>
+        <p:spPr/>
+        <p:txBody>
+          <a:bodyPr/>
+          <a:lstStyle/>
+          <a:p>
+            <a:fld id="{B4E24458-4BE4-1B4B-9639-224393D77E05}" type="slidenum">
+              <a:rPr lang="en-TH" smtClean="0"/>
+              <a:t>18</a:t>
+            </a:fld>
+            <a:endParaRPr lang="en-TH"/>
+          </a:p>
+        </p:txBody>
+      </p:sp>
+    </p:spTree>
+    <p:extLst>
+      <p:ext uri="{BB962C8B-B14F-4D97-AF65-F5344CB8AC3E}">
+        <p14:creationId xmlns:p14="http://schemas.microsoft.com/office/powerpoint/2010/main" val="2465039297"/>
+      </p:ext>
+    </p:extLst>
+  </p:cSld>
+  <p:clrMapOvr>
+    <a:masterClrMapping/>
+  </p:clrMapOvr>
+</p:sld>
+</file>
+
+<file path=ppt/slides/slide19.xml><?xml version="1.0" encoding="utf-8"?>
+<p:sld xmlns:a="http://schemas.openxmlformats.org/drawingml/2006/main" xmlns:r="http://schemas.openxmlformats.org/officeDocument/2006/relationships" xmlns:p="http://schemas.openxmlformats.org/presentationml/2006/main">
+  <p:cSld>
+    <p:spTree>
+      <p:nvGrpSpPr>
+        <p:cNvPr id="1" name=""/>
+        <p:cNvGrpSpPr/>
+        <p:nvPr/>
+      </p:nvGrpSpPr>
+      <p:grpSpPr>
+        <a:xfrm>
+          <a:off x="0" y="0"/>
+          <a:ext cx="0" cy="0"/>
+          <a:chOff x="0" y="0"/>
+          <a:chExt cx="0" cy="0"/>
+        </a:xfrm>
+      </p:grpSpPr>
+      <p:sp>
+        <p:nvSpPr>
+          <p:cNvPr id="2" name="Title 1">
+            <a:extLst>
+              <a:ext uri="{FF2B5EF4-FFF2-40B4-BE49-F238E27FC236}">
+                <a16:creationId xmlns:a16="http://schemas.microsoft.com/office/drawing/2014/main" id="{C541F8BD-2728-72CA-A6D9-A32E06F8E6D9}"/>
+              </a:ext>
+            </a:extLst>
+          </p:cNvPr>
+          <p:cNvSpPr>
+            <a:spLocks noGrp="1"/>
+          </p:cNvSpPr>
+          <p:nvPr>
+            <p:ph type="title"/>
+          </p:nvPr>
+        </p:nvSpPr>
+        <p:spPr/>
+        <p:txBody>
+          <a:bodyPr/>
+          <a:lstStyle/>
+          <a:p>
+            <a:r>
+              <a:rPr lang="th-TH" dirty="0"/>
+              <a:t>การแบ่งงานในทีม</a:t>
+            </a:r>
+            <a:endParaRPr lang="en-TH" dirty="0"/>
+          </a:p>
+        </p:txBody>
+      </p:sp>
+      <p:sp>
+        <p:nvSpPr>
+          <p:cNvPr id="4" name="Text Placeholder 3">
+            <a:extLst>
+              <a:ext uri="{FF2B5EF4-FFF2-40B4-BE49-F238E27FC236}">
+                <a16:creationId xmlns:a16="http://schemas.microsoft.com/office/drawing/2014/main" id="{58D7021F-E227-2ED3-663D-EEA9CE28798E}"/>
+              </a:ext>
+            </a:extLst>
+          </p:cNvPr>
+          <p:cNvSpPr>
+            <a:spLocks noGrp="1"/>
+          </p:cNvSpPr>
+          <p:nvPr>
+            <p:ph type="body" idx="1"/>
+          </p:nvPr>
+        </p:nvSpPr>
+        <p:spPr/>
+        <p:txBody>
+          <a:bodyPr/>
+          <a:lstStyle/>
+          <a:p>
+            <a:endParaRPr lang="en-TH" dirty="0"/>
+          </a:p>
+        </p:txBody>
+      </p:sp>
+      <p:sp>
+        <p:nvSpPr>
+          <p:cNvPr id="3" name="Content Placeholder 2">
+            <a:extLst>
+              <a:ext uri="{FF2B5EF4-FFF2-40B4-BE49-F238E27FC236}">
+                <a16:creationId xmlns:a16="http://schemas.microsoft.com/office/drawing/2014/main" id="{C960866A-8B4B-F4A9-DF17-4C56E29DB98E}"/>
+              </a:ext>
+            </a:extLst>
+          </p:cNvPr>
+          <p:cNvSpPr>
+            <a:spLocks noGrp="1"/>
+          </p:cNvSpPr>
+          <p:nvPr>
+            <p:ph sz="half" idx="2"/>
+          </p:nvPr>
+        </p:nvSpPr>
+        <p:spPr/>
+        <p:txBody>
+          <a:bodyPr/>
+          <a:lstStyle/>
+          <a:p>
+            <a:r>
+              <a:rPr lang="th-TH" dirty="0"/>
+              <a:t>แก้ </a:t>
+            </a:r>
+            <a:r>
+              <a:rPr lang="en-TH" dirty="0"/>
+              <a:t>function </a:t>
+            </a:r>
+            <a:r>
+              <a:rPr lang="th-TH" dirty="0"/>
+              <a:t>ให้ตรงตาม </a:t>
+            </a:r>
+            <a:r>
+              <a:rPr lang="en-US" dirty="0"/>
+              <a:t>requirement</a:t>
+            </a:r>
+          </a:p>
+          <a:p>
+            <a:r>
+              <a:rPr lang="th-TH" dirty="0"/>
+              <a:t>เพิ่ม </a:t>
+            </a:r>
+            <a:r>
+              <a:rPr lang="en-US" dirty="0"/>
+              <a:t>additional</a:t>
+            </a:r>
+            <a:endParaRPr lang="th-TH" dirty="0"/>
+          </a:p>
+          <a:p>
+            <a:r>
+              <a:rPr lang="en-US" dirty="0"/>
+              <a:t>Document </a:t>
+            </a:r>
+            <a:r>
+              <a:rPr lang="th-TH" dirty="0"/>
+              <a:t>และ</a:t>
+            </a:r>
+            <a:r>
+              <a:rPr lang="en-US" dirty="0"/>
+              <a:t>VDO</a:t>
+            </a:r>
+            <a:endParaRPr lang="en-TH" dirty="0"/>
+          </a:p>
+        </p:txBody>
+      </p:sp>
+      <p:sp>
+        <p:nvSpPr>
+          <p:cNvPr id="5" name="Text Placeholder 4">
+            <a:extLst>
+              <a:ext uri="{FF2B5EF4-FFF2-40B4-BE49-F238E27FC236}">
+                <a16:creationId xmlns:a16="http://schemas.microsoft.com/office/drawing/2014/main" id="{148A13F9-B544-43FA-8564-2A95082A283E}"/>
+              </a:ext>
+            </a:extLst>
+          </p:cNvPr>
+          <p:cNvSpPr>
+            <a:spLocks noGrp="1"/>
+          </p:cNvSpPr>
+          <p:nvPr>
+            <p:ph type="body" sz="quarter" idx="3"/>
+          </p:nvPr>
+        </p:nvSpPr>
+        <p:spPr/>
+        <p:txBody>
+          <a:bodyPr/>
+          <a:lstStyle/>
+          <a:p>
+            <a:endParaRPr lang="en-TH" dirty="0"/>
+          </a:p>
+        </p:txBody>
+      </p:sp>
+      <p:sp>
+        <p:nvSpPr>
+          <p:cNvPr id="6" name="Content Placeholder 5">
+            <a:extLst>
+              <a:ext uri="{FF2B5EF4-FFF2-40B4-BE49-F238E27FC236}">
+                <a16:creationId xmlns:a16="http://schemas.microsoft.com/office/drawing/2014/main" id="{27DF9C91-0D76-4D70-F674-55D720EF6B52}"/>
+              </a:ext>
+            </a:extLst>
+          </p:cNvPr>
+          <p:cNvSpPr>
+            <a:spLocks noGrp="1"/>
+          </p:cNvSpPr>
+          <p:nvPr>
+            <p:ph sz="quarter" idx="4"/>
+          </p:nvPr>
+        </p:nvSpPr>
+        <p:spPr/>
+        <p:txBody>
+          <a:bodyPr/>
+          <a:lstStyle/>
+          <a:p>
+            <a:r>
+              <a:rPr lang="th-TH" dirty="0"/>
+              <a:t>แก้ตัวแปรจาก</a:t>
+            </a:r>
+            <a:r>
+              <a:rPr lang="en-US" dirty="0"/>
+              <a:t> Hospital </a:t>
+            </a:r>
+            <a:r>
+              <a:rPr lang="th-TH" dirty="0"/>
+              <a:t>ให้เป็น </a:t>
+            </a:r>
+            <a:r>
+              <a:rPr lang="en-US" dirty="0"/>
+              <a:t>Dentist</a:t>
+            </a:r>
+          </a:p>
+          <a:p>
+            <a:r>
+              <a:rPr lang="th-TH" dirty="0"/>
+              <a:t>จัดการไฟล์ให้เป็น </a:t>
+            </a:r>
+            <a:r>
+              <a:rPr lang="en-US" dirty="0"/>
+              <a:t>Module</a:t>
+            </a:r>
+            <a:endParaRPr lang="th-TH" dirty="0"/>
+          </a:p>
+          <a:p>
+            <a:r>
+              <a:rPr lang="en-US" dirty="0"/>
+              <a:t>Test</a:t>
+            </a:r>
+          </a:p>
+          <a:p>
+            <a:endParaRPr lang="en-US" dirty="0"/>
+          </a:p>
+          <a:p>
+            <a:endParaRPr lang="en-TH" dirty="0"/>
+          </a:p>
+        </p:txBody>
+      </p:sp>
+      <p:sp>
+        <p:nvSpPr>
+          <p:cNvPr id="7" name="Slide Number Placeholder 6">
+            <a:extLst>
+              <a:ext uri="{FF2B5EF4-FFF2-40B4-BE49-F238E27FC236}">
+                <a16:creationId xmlns:a16="http://schemas.microsoft.com/office/drawing/2014/main" id="{41CE06A3-7808-E899-784F-0F0BE44503A2}"/>
+              </a:ext>
+            </a:extLst>
+          </p:cNvPr>
+          <p:cNvSpPr>
+            <a:spLocks noGrp="1"/>
+          </p:cNvSpPr>
+          <p:nvPr>
+            <p:ph type="sldNum" sz="quarter" idx="12"/>
+          </p:nvPr>
+        </p:nvSpPr>
+        <p:spPr/>
+        <p:txBody>
+          <a:bodyPr/>
+          <a:lstStyle/>
+          <a:p>
+            <a:fld id="{B4E24458-4BE4-1B4B-9639-224393D77E05}" type="slidenum">
+              <a:rPr lang="en-TH" smtClean="0"/>
+              <a:t>19</a:t>
+            </a:fld>
+            <a:endParaRPr lang="en-TH"/>
+          </a:p>
+        </p:txBody>
+      </p:sp>
+    </p:spTree>
+    <p:extLst>
+      <p:ext uri="{BB962C8B-B14F-4D97-AF65-F5344CB8AC3E}">
+        <p14:creationId xmlns:p14="http://schemas.microsoft.com/office/powerpoint/2010/main" val="4071241269"/>
       </p:ext>
     </p:extLst>
   </p:cSld>
@@ -4014,7 +6152,7 @@
           <p:cNvPr id="2" name="Title 1">
             <a:extLst>
               <a:ext uri="{FF2B5EF4-FFF2-40B4-BE49-F238E27FC236}">
-                <a16:creationId xmlns:a16="http://schemas.microsoft.com/office/drawing/2014/main" id="{6A1E9D1A-DCCC-A237-CAEC-85D853E72550}"/>
+                <a16:creationId xmlns:a16="http://schemas.microsoft.com/office/drawing/2014/main" id="{CBAE93B6-1A8E-7465-ED30-9F5AC561A8C0}"/>
               </a:ext>
             </a:extLst>
           </p:cNvPr>
@@ -4031,10 +6169,9 @@
           <a:lstStyle/>
           <a:p>
             <a:r>
-              <a:rPr lang="th-TH" dirty="0"/>
-              <a:t>โจทย์ที่ได้รับ</a:t>
-            </a:r>
-            <a:endParaRPr lang="en-TH" dirty="0"/>
+              <a:rPr lang="en-TH" dirty="0"/>
+              <a:t>Fuctional Requirements</a:t>
+            </a:r>
           </a:p>
         </p:txBody>
       </p:sp>
@@ -4043,7 +6180,7 @@
           <p:cNvPr id="3" name="Content Placeholder 2">
             <a:extLst>
               <a:ext uri="{FF2B5EF4-FFF2-40B4-BE49-F238E27FC236}">
-                <a16:creationId xmlns:a16="http://schemas.microsoft.com/office/drawing/2014/main" id="{060D081C-149C-94BF-2D2A-405DD3B0F7EC}"/>
+                <a16:creationId xmlns:a16="http://schemas.microsoft.com/office/drawing/2014/main" id="{FC42AB67-AE8E-F3B6-880E-B13856C82670}"/>
               </a:ext>
             </a:extLst>
           </p:cNvPr>
@@ -4054,11 +6191,165 @@
             <p:ph idx="1"/>
           </p:nvPr>
         </p:nvSpPr>
-        <p:spPr/>
-        <p:txBody>
-          <a:bodyPr/>
-          <a:lstStyle/>
-          <a:p>
+        <p:spPr>
+          <a:xfrm>
+            <a:off x="838200" y="1825625"/>
+            <a:ext cx="10515600" cy="4667250"/>
+          </a:xfrm>
+        </p:spPr>
+        <p:txBody>
+          <a:bodyPr>
+            <a:normAutofit/>
+          </a:bodyPr>
+          <a:lstStyle/>
+          <a:p>
+            <a:pPr marL="514350" indent="-514350">
+              <a:lnSpc>
+                <a:spcPct val="120000"/>
+              </a:lnSpc>
+              <a:buAutoNum type="arabicPeriod"/>
+            </a:pPr>
+            <a:r>
+              <a:rPr lang="en-US" sz="1600" dirty="0"/>
+              <a:t>The system shall allow a user to register by specifying the name, </a:t>
+            </a:r>
+            <a:r>
+              <a:rPr lang="en-US" sz="1600" dirty="0">
+                <a:highlight>
+                  <a:srgbClr val="FFFF00"/>
+                </a:highlight>
+              </a:rPr>
+              <a:t>telephone number</a:t>
+            </a:r>
+            <a:r>
+              <a:rPr lang="en-US" sz="1600" dirty="0"/>
+              <a:t>, email, and password. </a:t>
+            </a:r>
+          </a:p>
+          <a:p>
+            <a:pPr marL="514350" indent="-514350">
+              <a:lnSpc>
+                <a:spcPct val="120000"/>
+              </a:lnSpc>
+              <a:buAutoNum type="arabicPeriod"/>
+            </a:pPr>
+            <a:r>
+              <a:rPr lang="en-US" sz="1600" dirty="0"/>
+              <a:t>After registration, the user becomes a registered user, and the system shall allow the user to log in to use the system by specifying the email and password. The system shall allow a registered user to log out. </a:t>
+            </a:r>
+          </a:p>
+          <a:p>
+            <a:pPr marL="514350" indent="-514350">
+              <a:lnSpc>
+                <a:spcPct val="120000"/>
+              </a:lnSpc>
+              <a:buAutoNum type="arabicPeriod"/>
+            </a:pPr>
+            <a:r>
+              <a:rPr lang="en-US" sz="1600" dirty="0"/>
+              <a:t>After login, the system shall allow the registered user to book only ONE session by specifying the date and the preferred dentist. The dentist list is also provided to the user. A dentist information includes the dentist’s name, years of experience, and area of expertise. </a:t>
+            </a:r>
+          </a:p>
+          <a:p>
+            <a:pPr marL="514350" indent="-514350">
+              <a:lnSpc>
+                <a:spcPct val="120000"/>
+              </a:lnSpc>
+              <a:buAutoNum type="arabicPeriod"/>
+            </a:pPr>
+            <a:r>
+              <a:rPr lang="en-US" sz="1600" dirty="0"/>
+              <a:t>The system shall allow the registered user to view his booking. </a:t>
+            </a:r>
+          </a:p>
+          <a:p>
+            <a:pPr marL="514350" indent="-514350">
+              <a:lnSpc>
+                <a:spcPct val="120000"/>
+              </a:lnSpc>
+              <a:buAutoNum type="arabicPeriod"/>
+            </a:pPr>
+            <a:r>
+              <a:rPr lang="en-US" sz="1600" dirty="0"/>
+              <a:t>The system shall allow the registered user to edit his booking. </a:t>
+            </a:r>
+          </a:p>
+          <a:p>
+            <a:pPr marL="514350" indent="-514350">
+              <a:lnSpc>
+                <a:spcPct val="120000"/>
+              </a:lnSpc>
+              <a:buAutoNum type="arabicPeriod"/>
+            </a:pPr>
+            <a:r>
+              <a:rPr lang="en-US" sz="1600" dirty="0"/>
+              <a:t>The system shall allow the registered user to delete his booking. </a:t>
+            </a:r>
+          </a:p>
+          <a:p>
+            <a:pPr marL="514350" indent="-514350">
+              <a:lnSpc>
+                <a:spcPct val="120000"/>
+              </a:lnSpc>
+              <a:buAutoNum type="arabicPeriod"/>
+            </a:pPr>
+            <a:r>
+              <a:rPr lang="en-US" sz="1600" dirty="0"/>
+              <a:t>The system shall allow the admin to view any bookings. </a:t>
+            </a:r>
+          </a:p>
+          <a:p>
+            <a:pPr marL="514350" indent="-514350">
+              <a:lnSpc>
+                <a:spcPct val="120000"/>
+              </a:lnSpc>
+              <a:buAutoNum type="arabicPeriod"/>
+            </a:pPr>
+            <a:r>
+              <a:rPr lang="en-US" sz="1600" dirty="0"/>
+              <a:t>8. The system shall allow the admin to edit any bookings. </a:t>
+            </a:r>
+          </a:p>
+          <a:p>
+            <a:pPr marL="514350" indent="-514350">
+              <a:lnSpc>
+                <a:spcPct val="120000"/>
+              </a:lnSpc>
+              <a:buAutoNum type="arabicPeriod"/>
+            </a:pPr>
+            <a:r>
+              <a:rPr lang="en-US" sz="1600" dirty="0"/>
+              <a:t>9. The system shall allow the admin to delete any bookings.</a:t>
+            </a:r>
+            <a:endParaRPr lang="en-TH" sz="1600" dirty="0"/>
+          </a:p>
+        </p:txBody>
+      </p:sp>
+      <p:sp>
+        <p:nvSpPr>
+          <p:cNvPr id="4" name="Slide Number Placeholder 3">
+            <a:extLst>
+              <a:ext uri="{FF2B5EF4-FFF2-40B4-BE49-F238E27FC236}">
+                <a16:creationId xmlns:a16="http://schemas.microsoft.com/office/drawing/2014/main" id="{CF5C4548-FCC2-594D-F1B5-2C2F172AE3C6}"/>
+              </a:ext>
+            </a:extLst>
+          </p:cNvPr>
+          <p:cNvSpPr>
+            <a:spLocks noGrp="1"/>
+          </p:cNvSpPr>
+          <p:nvPr>
+            <p:ph type="sldNum" sz="quarter" idx="12"/>
+          </p:nvPr>
+        </p:nvSpPr>
+        <p:spPr/>
+        <p:txBody>
+          <a:bodyPr/>
+          <a:lstStyle/>
+          <a:p>
+            <a:fld id="{B4E24458-4BE4-1B4B-9639-224393D77E05}" type="slidenum">
+              <a:rPr lang="en-TH" smtClean="0"/>
+              <a:t>2</a:t>
+            </a:fld>
             <a:endParaRPr lang="en-TH"/>
           </a:p>
         </p:txBody>
@@ -4066,7 +6357,120 @@
     </p:spTree>
     <p:extLst>
       <p:ext uri="{BB962C8B-B14F-4D97-AF65-F5344CB8AC3E}">
-        <p14:creationId xmlns:p14="http://schemas.microsoft.com/office/powerpoint/2010/main" val="229600047"/>
+        <p14:creationId xmlns:p14="http://schemas.microsoft.com/office/powerpoint/2010/main" val="3970732309"/>
+      </p:ext>
+    </p:extLst>
+  </p:cSld>
+  <p:clrMapOvr>
+    <a:masterClrMapping/>
+  </p:clrMapOvr>
+</p:sld>
+</file>
+
+<file path=ppt/slides/slide20.xml><?xml version="1.0" encoding="utf-8"?>
+<p:sld xmlns:a="http://schemas.openxmlformats.org/drawingml/2006/main" xmlns:r="http://schemas.openxmlformats.org/officeDocument/2006/relationships" xmlns:p="http://schemas.openxmlformats.org/presentationml/2006/main">
+  <p:cSld>
+    <p:spTree>
+      <p:nvGrpSpPr>
+        <p:cNvPr id="1" name=""/>
+        <p:cNvGrpSpPr/>
+        <p:nvPr/>
+      </p:nvGrpSpPr>
+      <p:grpSpPr>
+        <a:xfrm>
+          <a:off x="0" y="0"/>
+          <a:ext cx="0" cy="0"/>
+          <a:chOff x="0" y="0"/>
+          <a:chExt cx="0" cy="0"/>
+        </a:xfrm>
+      </p:grpSpPr>
+      <p:sp>
+        <p:nvSpPr>
+          <p:cNvPr id="2" name="Title 1">
+            <a:extLst>
+              <a:ext uri="{FF2B5EF4-FFF2-40B4-BE49-F238E27FC236}">
+                <a16:creationId xmlns:a16="http://schemas.microsoft.com/office/drawing/2014/main" id="{49AEEBBE-545B-1B25-22C8-0EA7962FEFDA}"/>
+              </a:ext>
+            </a:extLst>
+          </p:cNvPr>
+          <p:cNvSpPr>
+            <a:spLocks noGrp="1"/>
+          </p:cNvSpPr>
+          <p:nvPr>
+            <p:ph type="title"/>
+          </p:nvPr>
+        </p:nvSpPr>
+        <p:spPr/>
+        <p:txBody>
+          <a:bodyPr/>
+          <a:lstStyle/>
+          <a:p>
+            <a:r>
+              <a:rPr lang="en-US" dirty="0"/>
+              <a:t>VDO Link</a:t>
+            </a:r>
+            <a:endParaRPr lang="en-TH" dirty="0"/>
+          </a:p>
+        </p:txBody>
+      </p:sp>
+      <p:sp>
+        <p:nvSpPr>
+          <p:cNvPr id="3" name="Content Placeholder 2">
+            <a:extLst>
+              <a:ext uri="{FF2B5EF4-FFF2-40B4-BE49-F238E27FC236}">
+                <a16:creationId xmlns:a16="http://schemas.microsoft.com/office/drawing/2014/main" id="{9A3E7C30-050C-62E0-2378-FD20A230259F}"/>
+              </a:ext>
+            </a:extLst>
+          </p:cNvPr>
+          <p:cNvSpPr>
+            <a:spLocks noGrp="1"/>
+          </p:cNvSpPr>
+          <p:nvPr>
+            <p:ph idx="1"/>
+          </p:nvPr>
+        </p:nvSpPr>
+        <p:spPr/>
+        <p:txBody>
+          <a:bodyPr/>
+          <a:lstStyle/>
+          <a:p>
+            <a:endParaRPr lang="en-TH"/>
+          </a:p>
+        </p:txBody>
+      </p:sp>
+      <p:sp>
+        <p:nvSpPr>
+          <p:cNvPr id="4" name="Slide Number Placeholder 3">
+            <a:extLst>
+              <a:ext uri="{FF2B5EF4-FFF2-40B4-BE49-F238E27FC236}">
+                <a16:creationId xmlns:a16="http://schemas.microsoft.com/office/drawing/2014/main" id="{6D5DDC41-6736-BEA3-57DC-57786C71BDC7}"/>
+              </a:ext>
+            </a:extLst>
+          </p:cNvPr>
+          <p:cNvSpPr>
+            <a:spLocks noGrp="1"/>
+          </p:cNvSpPr>
+          <p:nvPr>
+            <p:ph type="sldNum" sz="quarter" idx="12"/>
+          </p:nvPr>
+        </p:nvSpPr>
+        <p:spPr/>
+        <p:txBody>
+          <a:bodyPr/>
+          <a:lstStyle/>
+          <a:p>
+            <a:fld id="{B4E24458-4BE4-1B4B-9639-224393D77E05}" type="slidenum">
+              <a:rPr lang="en-TH" smtClean="0"/>
+              <a:t>20</a:t>
+            </a:fld>
+            <a:endParaRPr lang="en-TH"/>
+          </a:p>
+        </p:txBody>
+      </p:sp>
+    </p:spTree>
+    <p:extLst>
+      <p:ext uri="{BB962C8B-B14F-4D97-AF65-F5344CB8AC3E}">
+        <p14:creationId xmlns:p14="http://schemas.microsoft.com/office/powerpoint/2010/main" val="2137387886"/>
       </p:ext>
     </p:extLst>
   </p:cSld>
@@ -4098,7 +6502,7 @@
           <p:cNvPr id="2" name="Title 1">
             <a:extLst>
               <a:ext uri="{FF2B5EF4-FFF2-40B4-BE49-F238E27FC236}">
-                <a16:creationId xmlns:a16="http://schemas.microsoft.com/office/drawing/2014/main" id="{1E372A89-52AF-7222-4346-3A1529738B80}"/>
+                <a16:creationId xmlns:a16="http://schemas.microsoft.com/office/drawing/2014/main" id="{14A3E426-BEF2-3A82-16E9-1FB216CC358C}"/>
               </a:ext>
             </a:extLst>
           </p:cNvPr>
@@ -4115,8 +6519,8 @@
           <a:lstStyle/>
           <a:p>
             <a:r>
-              <a:rPr lang="th-TH" dirty="0"/>
-              <a:t>โค้ดโปรแกรมที่ได้แก้ไขไปจากของเดิม</a:t>
+              <a:rPr lang="en-US" dirty="0"/>
+              <a:t>Non-Functional Requirements</a:t>
             </a:r>
             <a:endParaRPr lang="en-TH" dirty="0"/>
           </a:p>
@@ -4127,7 +6531,7 @@
           <p:cNvPr id="3" name="Content Placeholder 2">
             <a:extLst>
               <a:ext uri="{FF2B5EF4-FFF2-40B4-BE49-F238E27FC236}">
-                <a16:creationId xmlns:a16="http://schemas.microsoft.com/office/drawing/2014/main" id="{E7C51EAE-90E6-5170-4D22-1B7215F86B3B}"/>
+                <a16:creationId xmlns:a16="http://schemas.microsoft.com/office/drawing/2014/main" id="{A6C2944B-7E2B-AACF-C311-79B591D843F8}"/>
               </a:ext>
             </a:extLst>
           </p:cNvPr>
@@ -4138,11 +6542,106 @@
             <p:ph idx="1"/>
           </p:nvPr>
         </p:nvSpPr>
-        <p:spPr/>
-        <p:txBody>
-          <a:bodyPr/>
-          <a:lstStyle/>
-          <a:p>
+        <p:spPr>
+          <a:xfrm>
+            <a:off x="838199" y="1825625"/>
+            <a:ext cx="11195649" cy="4351338"/>
+          </a:xfrm>
+        </p:spPr>
+        <p:txBody>
+          <a:bodyPr>
+            <a:normAutofit/>
+          </a:bodyPr>
+          <a:lstStyle/>
+          <a:p>
+            <a:pPr marL="0" indent="0">
+              <a:buNone/>
+            </a:pPr>
+            <a:r>
+              <a:rPr lang="en-US" sz="2400" dirty="0"/>
+              <a:t>• Security: </a:t>
+            </a:r>
+          </a:p>
+          <a:p>
+            <a:pPr marL="0" indent="0">
+              <a:buNone/>
+            </a:pPr>
+            <a:r>
+              <a:rPr lang="en-US" sz="2400" dirty="0"/>
+              <a:t>	• The system shall authenticate users using username-password</a:t>
+            </a:r>
+          </a:p>
+          <a:p>
+            <a:pPr marL="0" indent="0">
+              <a:buNone/>
+            </a:pPr>
+            <a:r>
+              <a:rPr lang="en-US" sz="2400" dirty="0"/>
+              <a:t>	• The system shall be able to keep user’s transactions confidential. </a:t>
+            </a:r>
+          </a:p>
+          <a:p>
+            <a:pPr marL="0" indent="0">
+              <a:buNone/>
+            </a:pPr>
+            <a:r>
+              <a:rPr lang="en-US" sz="2400" dirty="0"/>
+              <a:t>• Performance: </a:t>
+            </a:r>
+            <a:br>
+              <a:rPr lang="en-US" sz="2400" dirty="0"/>
+            </a:br>
+            <a:r>
+              <a:rPr lang="en-US" sz="2400" dirty="0"/>
+              <a:t>	• The system shall response to a request in 3 seconds. </a:t>
+            </a:r>
+          </a:p>
+          <a:p>
+            <a:pPr marL="0" indent="0">
+              <a:buNone/>
+            </a:pPr>
+            <a:r>
+              <a:rPr lang="en-US" sz="2400" dirty="0"/>
+              <a:t>• Usability: </a:t>
+            </a:r>
+          </a:p>
+          <a:p>
+            <a:pPr marL="0" indent="0">
+              <a:buNone/>
+            </a:pPr>
+            <a:r>
+              <a:rPr lang="en-US" sz="2400" dirty="0"/>
+              <a:t>	• The system shall be used and test via Postman.</a:t>
+            </a:r>
+            <a:endParaRPr lang="en-TH" sz="2400" dirty="0"/>
+          </a:p>
+        </p:txBody>
+      </p:sp>
+      <p:sp>
+        <p:nvSpPr>
+          <p:cNvPr id="4" name="Slide Number Placeholder 3">
+            <a:extLst>
+              <a:ext uri="{FF2B5EF4-FFF2-40B4-BE49-F238E27FC236}">
+                <a16:creationId xmlns:a16="http://schemas.microsoft.com/office/drawing/2014/main" id="{A7E045E7-ACC0-319B-2577-61E0BC5A5693}"/>
+              </a:ext>
+            </a:extLst>
+          </p:cNvPr>
+          <p:cNvSpPr>
+            <a:spLocks noGrp="1"/>
+          </p:cNvSpPr>
+          <p:nvPr>
+            <p:ph type="sldNum" sz="quarter" idx="12"/>
+          </p:nvPr>
+        </p:nvSpPr>
+        <p:spPr/>
+        <p:txBody>
+          <a:bodyPr/>
+          <a:lstStyle/>
+          <a:p>
+            <a:fld id="{B4E24458-4BE4-1B4B-9639-224393D77E05}" type="slidenum">
+              <a:rPr lang="en-TH" smtClean="0"/>
+              <a:t>3</a:t>
+            </a:fld>
             <a:endParaRPr lang="en-TH"/>
           </a:p>
         </p:txBody>
@@ -4150,7 +6649,7 @@
     </p:spTree>
     <p:extLst>
       <p:ext uri="{BB962C8B-B14F-4D97-AF65-F5344CB8AC3E}">
-        <p14:creationId xmlns:p14="http://schemas.microsoft.com/office/powerpoint/2010/main" val="3398282212"/>
+        <p14:creationId xmlns:p14="http://schemas.microsoft.com/office/powerpoint/2010/main" val="2718571020"/>
       </p:ext>
     </p:extLst>
   </p:cSld>
@@ -4182,7 +6681,7 @@
           <p:cNvPr id="2" name="Title 1">
             <a:extLst>
               <a:ext uri="{FF2B5EF4-FFF2-40B4-BE49-F238E27FC236}">
-                <a16:creationId xmlns:a16="http://schemas.microsoft.com/office/drawing/2014/main" id="{CBAE93B6-1A8E-7465-ED30-9F5AC561A8C0}"/>
+                <a16:creationId xmlns:a16="http://schemas.microsoft.com/office/drawing/2014/main" id="{8A247ACA-F777-9EC6-2CC4-017CE7B02D87}"/>
               </a:ext>
             </a:extLst>
           </p:cNvPr>
@@ -4199,9 +6698,10 @@
           <a:lstStyle/>
           <a:p>
             <a:r>
-              <a:rPr lang="en-TH" dirty="0"/>
-              <a:t>Fuctional Requirements</a:t>
-            </a:r>
+              <a:rPr lang="en-US" dirty="0"/>
+              <a:t>Constraints</a:t>
+            </a:r>
+            <a:endParaRPr lang="en-TH" dirty="0"/>
           </a:p>
         </p:txBody>
       </p:sp>
@@ -4210,7 +6710,7 @@
           <p:cNvPr id="3" name="Content Placeholder 2">
             <a:extLst>
               <a:ext uri="{FF2B5EF4-FFF2-40B4-BE49-F238E27FC236}">
-                <a16:creationId xmlns:a16="http://schemas.microsoft.com/office/drawing/2014/main" id="{FC42AB67-AE8E-F3B6-880E-B13856C82670}"/>
+                <a16:creationId xmlns:a16="http://schemas.microsoft.com/office/drawing/2014/main" id="{2EF42E8D-5E9D-5F1F-47D9-6115C1A2E9D5}"/>
               </a:ext>
             </a:extLst>
           </p:cNvPr>
@@ -4223,92 +6723,68 @@
         </p:nvSpPr>
         <p:spPr/>
         <p:txBody>
-          <a:bodyPr>
-            <a:normAutofit fontScale="70000" lnSpcReduction="20000"/>
-          </a:bodyPr>
-          <a:lstStyle/>
-          <a:p>
-            <a:pPr marL="514350" indent="-514350">
-              <a:buAutoNum type="arabicPeriod"/>
-            </a:pPr>
+          <a:bodyPr/>
+          <a:lstStyle/>
+          <a:p>
             <a:r>
               <a:rPr lang="en-US" dirty="0"/>
-              <a:t>The system shall allow a user to register by specifying the name, </a:t>
-            </a:r>
-            <a:r>
-              <a:rPr lang="en-US" dirty="0">
-                <a:highlight>
-                  <a:srgbClr val="FFFF00"/>
-                </a:highlight>
-              </a:rPr>
-              <a:t>telephone number</a:t>
-            </a:r>
+              <a:t>The system shall be a web API.</a:t>
+            </a:r>
+          </a:p>
+          <a:p>
             <a:r>
               <a:rPr lang="en-US" dirty="0"/>
-              <a:t>, email, and password. </a:t>
-            </a:r>
-          </a:p>
-          <a:p>
-            <a:pPr marL="514350" indent="-514350">
-              <a:buAutoNum type="arabicPeriod"/>
-            </a:pPr>
+              <a:t>The frontend part of the application is not required.</a:t>
+            </a:r>
+          </a:p>
+          <a:p>
             <a:r>
               <a:rPr lang="en-US" dirty="0"/>
-              <a:t>After registration, the user becomes a registered user, and the system shall allow the user to log in to use the system by specifying the email and password. The system shall allow a registered user to log out. </a:t>
-            </a:r>
-          </a:p>
-          <a:p>
-            <a:pPr marL="514350" indent="-514350">
-              <a:buAutoNum type="arabicPeriod"/>
-            </a:pPr>
+              <a:t>The development team shall develop the backend system as REST APIs.</a:t>
+            </a:r>
+          </a:p>
+          <a:p>
             <a:r>
               <a:rPr lang="en-US" dirty="0"/>
-              <a:t>After login, the system shall allow the registered user to book only ONE session by specifying the date and the preferred dentist. The dentist list is also provided to the user. A dentist information includes the dentist’s name, years of experience, and area of expertise. </a:t>
-            </a:r>
-          </a:p>
-          <a:p>
-            <a:pPr marL="514350" indent="-514350">
-              <a:buAutoNum type="arabicPeriod"/>
-            </a:pPr>
-            <a:r>
-              <a:rPr lang="en-US" dirty="0"/>
-              <a:t>The system shall allow the registered user to view his booking. </a:t>
-            </a:r>
-          </a:p>
-          <a:p>
-            <a:pPr marL="514350" indent="-514350">
-              <a:buAutoNum type="arabicPeriod"/>
-            </a:pPr>
-            <a:r>
-              <a:rPr lang="en-US" dirty="0"/>
-              <a:t>The system shall allow the registered user to edit his booking. </a:t>
-            </a:r>
-          </a:p>
-          <a:p>
-            <a:pPr marL="514350" indent="-514350">
-              <a:buAutoNum type="arabicPeriod"/>
-            </a:pPr>
-            <a:r>
-              <a:rPr lang="en-US" dirty="0"/>
-              <a:t>The system shall allow the registered user to delete his booking. </a:t>
-            </a:r>
-          </a:p>
-          <a:p>
-            <a:pPr marL="514350" indent="-514350">
-              <a:buAutoNum type="arabicPeriod"/>
-            </a:pPr>
-            <a:r>
-              <a:rPr lang="en-US" dirty="0"/>
-              <a:t>The system shall allow the admin to view any bookings. 8. The system shall allow the admin to edit any bookings. 9. The system shall allow the admin to delete any bookings.</a:t>
+              <a:t>The database system can be either MongoDB Atlas or MySQL.</a:t>
             </a:r>
             <a:endParaRPr lang="en-TH" dirty="0"/>
+          </a:p>
+        </p:txBody>
+      </p:sp>
+      <p:sp>
+        <p:nvSpPr>
+          <p:cNvPr id="4" name="Slide Number Placeholder 3">
+            <a:extLst>
+              <a:ext uri="{FF2B5EF4-FFF2-40B4-BE49-F238E27FC236}">
+                <a16:creationId xmlns:a16="http://schemas.microsoft.com/office/drawing/2014/main" id="{C4AB3F2C-E35A-BAB9-29E0-69592AEE2234}"/>
+              </a:ext>
+            </a:extLst>
+          </p:cNvPr>
+          <p:cNvSpPr>
+            <a:spLocks noGrp="1"/>
+          </p:cNvSpPr>
+          <p:nvPr>
+            <p:ph type="sldNum" sz="quarter" idx="12"/>
+          </p:nvPr>
+        </p:nvSpPr>
+        <p:spPr/>
+        <p:txBody>
+          <a:bodyPr/>
+          <a:lstStyle/>
+          <a:p>
+            <a:fld id="{B4E24458-4BE4-1B4B-9639-224393D77E05}" type="slidenum">
+              <a:rPr lang="en-TH" smtClean="0"/>
+              <a:t>4</a:t>
+            </a:fld>
+            <a:endParaRPr lang="en-TH"/>
           </a:p>
         </p:txBody>
       </p:sp>
     </p:spTree>
     <p:extLst>
       <p:ext uri="{BB962C8B-B14F-4D97-AF65-F5344CB8AC3E}">
-        <p14:creationId xmlns:p14="http://schemas.microsoft.com/office/powerpoint/2010/main" val="3970732309"/>
+        <p14:creationId xmlns:p14="http://schemas.microsoft.com/office/powerpoint/2010/main" val="4186799698"/>
       </p:ext>
     </p:extLst>
   </p:cSld>
@@ -4340,7 +6816,7 @@
           <p:cNvPr id="2" name="Title 1">
             <a:extLst>
               <a:ext uri="{FF2B5EF4-FFF2-40B4-BE49-F238E27FC236}">
-                <a16:creationId xmlns:a16="http://schemas.microsoft.com/office/drawing/2014/main" id="{14A3E426-BEF2-3A82-16E9-1FB216CC358C}"/>
+                <a16:creationId xmlns:a16="http://schemas.microsoft.com/office/drawing/2014/main" id="{94F6F8D8-B7F7-3B3B-C4F5-A2D71C4BC5E3}"/>
               </a:ext>
             </a:extLst>
           </p:cNvPr>
@@ -4357,8 +6833,36 @@
           <a:lstStyle/>
           <a:p>
             <a:r>
+              <a:rPr lang="en-TH" dirty="0"/>
+              <a:t>Additional Requirement</a:t>
+            </a:r>
+          </a:p>
+        </p:txBody>
+      </p:sp>
+      <p:sp>
+        <p:nvSpPr>
+          <p:cNvPr id="3" name="Content Placeholder 2">
+            <a:extLst>
+              <a:ext uri="{FF2B5EF4-FFF2-40B4-BE49-F238E27FC236}">
+                <a16:creationId xmlns:a16="http://schemas.microsoft.com/office/drawing/2014/main" id="{D110A5B9-3239-4789-8CB1-F339B92951B6}"/>
+              </a:ext>
+            </a:extLst>
+          </p:cNvPr>
+          <p:cNvSpPr>
+            <a:spLocks noGrp="1"/>
+          </p:cNvSpPr>
+          <p:nvPr>
+            <p:ph idx="1"/>
+          </p:nvPr>
+        </p:nvSpPr>
+        <p:spPr/>
+        <p:txBody>
+          <a:bodyPr/>
+          <a:lstStyle/>
+          <a:p>
+            <a:r>
               <a:rPr lang="en-US" dirty="0"/>
-              <a:t>Non-Functional Requirements</a:t>
+              <a:t>The system will send confirmation emails upon successful reservation.</a:t>
             </a:r>
             <a:endParaRPr lang="en-TH" dirty="0"/>
           </a:p>
@@ -4366,99 +6870,37 @@
       </p:sp>
       <p:sp>
         <p:nvSpPr>
-          <p:cNvPr id="3" name="Content Placeholder 2">
-            <a:extLst>
-              <a:ext uri="{FF2B5EF4-FFF2-40B4-BE49-F238E27FC236}">
-                <a16:creationId xmlns:a16="http://schemas.microsoft.com/office/drawing/2014/main" id="{A6C2944B-7E2B-AACF-C311-79B591D843F8}"/>
-              </a:ext>
-            </a:extLst>
-          </p:cNvPr>
-          <p:cNvSpPr>
-            <a:spLocks noGrp="1"/>
-          </p:cNvSpPr>
-          <p:nvPr>
-            <p:ph idx="1"/>
-          </p:nvPr>
-        </p:nvSpPr>
-        <p:spPr>
-          <a:xfrm>
-            <a:off x="838199" y="1825625"/>
-            <a:ext cx="11195649" cy="4351338"/>
-          </a:xfrm>
-        </p:spPr>
-        <p:txBody>
-          <a:bodyPr>
-            <a:normAutofit/>
-          </a:bodyPr>
-          <a:lstStyle/>
-          <a:p>
-            <a:pPr marL="0" indent="0">
-              <a:buNone/>
-            </a:pPr>
-            <a:r>
-              <a:rPr lang="en-US" sz="2400" dirty="0"/>
-              <a:t>• Security: </a:t>
-            </a:r>
-          </a:p>
-          <a:p>
-            <a:pPr marL="0" indent="0">
-              <a:buNone/>
-            </a:pPr>
-            <a:r>
-              <a:rPr lang="en-US" sz="2400" dirty="0"/>
-              <a:t>	• The system shall authenticate users using username-password</a:t>
-            </a:r>
-          </a:p>
-          <a:p>
-            <a:pPr marL="0" indent="0">
-              <a:buNone/>
-            </a:pPr>
-            <a:r>
-              <a:rPr lang="en-US" sz="2400" dirty="0"/>
-              <a:t>	• The system shall be able to keep user’s transactions confidential. </a:t>
-            </a:r>
-          </a:p>
-          <a:p>
-            <a:pPr marL="0" indent="0">
-              <a:buNone/>
-            </a:pPr>
-            <a:r>
-              <a:rPr lang="en-US" sz="2400" dirty="0"/>
-              <a:t>• Performance: </a:t>
-            </a:r>
-            <a:br>
-              <a:rPr lang="en-US" sz="2400" dirty="0"/>
-            </a:br>
-            <a:r>
-              <a:rPr lang="en-US" sz="2400" dirty="0"/>
-              <a:t>	• The system shall response to a request in 3 seconds. </a:t>
-            </a:r>
-          </a:p>
-          <a:p>
-            <a:pPr marL="0" indent="0">
-              <a:buNone/>
-            </a:pPr>
-            <a:r>
-              <a:rPr lang="en-US" sz="2400" dirty="0"/>
-              <a:t>• Usability: </a:t>
-            </a:r>
-          </a:p>
-          <a:p>
-            <a:pPr marL="0" indent="0">
-              <a:buNone/>
-            </a:pPr>
-            <a:r>
-              <a:rPr lang="en-US" sz="2400" dirty="0"/>
-              <a:t>	• The system shall be used and test via Postman.</a:t>
-            </a:r>
-            <a:endParaRPr lang="en-TH" sz="2400" dirty="0"/>
+          <p:cNvPr id="4" name="Slide Number Placeholder 3">
+            <a:extLst>
+              <a:ext uri="{FF2B5EF4-FFF2-40B4-BE49-F238E27FC236}">
+                <a16:creationId xmlns:a16="http://schemas.microsoft.com/office/drawing/2014/main" id="{82C0EC47-2C8B-507F-87A9-654C711C1AA4}"/>
+              </a:ext>
+            </a:extLst>
+          </p:cNvPr>
+          <p:cNvSpPr>
+            <a:spLocks noGrp="1"/>
+          </p:cNvSpPr>
+          <p:nvPr>
+            <p:ph type="sldNum" sz="quarter" idx="12"/>
+          </p:nvPr>
+        </p:nvSpPr>
+        <p:spPr/>
+        <p:txBody>
+          <a:bodyPr/>
+          <a:lstStyle/>
+          <a:p>
+            <a:fld id="{B4E24458-4BE4-1B4B-9639-224393D77E05}" type="slidenum">
+              <a:rPr lang="en-TH" smtClean="0"/>
+              <a:t>5</a:t>
+            </a:fld>
+            <a:endParaRPr lang="en-TH"/>
           </a:p>
         </p:txBody>
       </p:sp>
     </p:spTree>
     <p:extLst>
       <p:ext uri="{BB962C8B-B14F-4D97-AF65-F5344CB8AC3E}">
-        <p14:creationId xmlns:p14="http://schemas.microsoft.com/office/powerpoint/2010/main" val="2718571020"/>
+        <p14:creationId xmlns:p14="http://schemas.microsoft.com/office/powerpoint/2010/main" val="3758570837"/>
       </p:ext>
     </p:extLst>
   </p:cSld>
@@ -4490,7 +6932,7 @@
           <p:cNvPr id="2" name="Title 1">
             <a:extLst>
               <a:ext uri="{FF2B5EF4-FFF2-40B4-BE49-F238E27FC236}">
-                <a16:creationId xmlns:a16="http://schemas.microsoft.com/office/drawing/2014/main" id="{8A247ACA-F777-9EC6-2CC4-017CE7B02D87}"/>
+                <a16:creationId xmlns:a16="http://schemas.microsoft.com/office/drawing/2014/main" id="{E252E305-B7C0-EF55-3B7C-85AF2F18C6F2}"/>
               </a:ext>
             </a:extLst>
           </p:cNvPr>
@@ -4507,8 +6949,20 @@
           <a:lstStyle/>
           <a:p>
             <a:r>
+              <a:rPr lang="en-TH" dirty="0"/>
+              <a:t>C</a:t>
+            </a:r>
+            <a:r>
               <a:rPr lang="en-US" dirty="0"/>
-              <a:t>Constraints</a:t>
+              <a:t>o</a:t>
+            </a:r>
+            <a:r>
+              <a:rPr lang="en-TH" dirty="0"/>
+              <a:t>de </a:t>
+            </a:r>
+            <a:r>
+              <a:rPr lang="th-TH" dirty="0"/>
+              <a:t>ที่แก้ไป</a:t>
             </a:r>
             <a:endParaRPr lang="en-TH" dirty="0"/>
           </a:p>
@@ -4519,7 +6973,7 @@
           <p:cNvPr id="3" name="Content Placeholder 2">
             <a:extLst>
               <a:ext uri="{FF2B5EF4-FFF2-40B4-BE49-F238E27FC236}">
-                <a16:creationId xmlns:a16="http://schemas.microsoft.com/office/drawing/2014/main" id="{2EF42E8D-5E9D-5F1F-47D9-6115C1A2E9D5}"/>
+                <a16:creationId xmlns:a16="http://schemas.microsoft.com/office/drawing/2014/main" id="{143BB6C6-FC2D-F9B7-A10D-10547C546434}"/>
               </a:ext>
             </a:extLst>
           </p:cNvPr>
@@ -4536,35 +6990,614 @@
           <a:lstStyle/>
           <a:p>
             <a:r>
+              <a:rPr lang="th-TH" dirty="0"/>
+              <a:t>แก้จาก </a:t>
+            </a:r>
+            <a:r>
               <a:rPr lang="en-US" dirty="0"/>
-              <a:t>The system shall be a web API.</a:t>
-            </a:r>
-          </a:p>
-          <a:p>
-            <a:r>
-              <a:rPr lang="en-US" dirty="0"/>
-              <a:t>The frontend part of the application is not required.</a:t>
-            </a:r>
-          </a:p>
-          <a:p>
-            <a:r>
-              <a:rPr lang="en-US" dirty="0"/>
-              <a:t>The development team shall develop the backend system as REST APIs.</a:t>
-            </a:r>
-          </a:p>
-          <a:p>
-            <a:r>
-              <a:rPr lang="en-US" dirty="0"/>
-              <a:t>The database system can be either MongoDB Atlas or MySQL.</a:t>
-            </a:r>
+              <a:t>Hospital -&gt; Dentist</a:t>
+            </a:r>
+          </a:p>
+          <a:p>
+            <a:pPr marL="0" indent="0">
+              <a:buNone/>
+            </a:pPr>
             <a:endParaRPr lang="en-TH" dirty="0"/>
+          </a:p>
+          <a:p>
+            <a:endParaRPr lang="en-TH" dirty="0"/>
+          </a:p>
+        </p:txBody>
+      </p:sp>
+      <p:sp>
+        <p:nvSpPr>
+          <p:cNvPr id="9" name="Slide Number Placeholder 8">
+            <a:extLst>
+              <a:ext uri="{FF2B5EF4-FFF2-40B4-BE49-F238E27FC236}">
+                <a16:creationId xmlns:a16="http://schemas.microsoft.com/office/drawing/2014/main" id="{17D5D32E-7B6F-39A8-90F6-B6C0793D396B}"/>
+              </a:ext>
+            </a:extLst>
+          </p:cNvPr>
+          <p:cNvSpPr>
+            <a:spLocks noGrp="1"/>
+          </p:cNvSpPr>
+          <p:nvPr>
+            <p:ph type="sldNum" sz="quarter" idx="12"/>
+          </p:nvPr>
+        </p:nvSpPr>
+        <p:spPr/>
+        <p:txBody>
+          <a:bodyPr/>
+          <a:lstStyle/>
+          <a:p>
+            <a:fld id="{B4E24458-4BE4-1B4B-9639-224393D77E05}" type="slidenum">
+              <a:rPr lang="en-TH" smtClean="0"/>
+              <a:t>6</a:t>
+            </a:fld>
+            <a:endParaRPr lang="en-TH"/>
+          </a:p>
+        </p:txBody>
+      </p:sp>
+      <p:grpSp>
+        <p:nvGrpSpPr>
+          <p:cNvPr id="14" name="Group 13">
+            <a:extLst>
+              <a:ext uri="{FF2B5EF4-FFF2-40B4-BE49-F238E27FC236}">
+                <a16:creationId xmlns:a16="http://schemas.microsoft.com/office/drawing/2014/main" id="{5AF989E4-B156-1132-FC86-679DA47235AE}"/>
+              </a:ext>
+            </a:extLst>
+          </p:cNvPr>
+          <p:cNvGrpSpPr/>
+          <p:nvPr/>
+        </p:nvGrpSpPr>
+        <p:grpSpPr>
+          <a:xfrm>
+            <a:off x="419102" y="2912335"/>
+            <a:ext cx="3545305" cy="3045776"/>
+            <a:chOff x="419102" y="2912335"/>
+            <a:chExt cx="3545305" cy="3045776"/>
+          </a:xfrm>
+        </p:grpSpPr>
+        <p:sp>
+          <p:nvSpPr>
+            <p:cNvPr id="6" name="Rounded Rectangle 5">
+              <a:extLst>
+                <a:ext uri="{FF2B5EF4-FFF2-40B4-BE49-F238E27FC236}">
+                  <a16:creationId xmlns:a16="http://schemas.microsoft.com/office/drawing/2014/main" id="{9CD0BA7E-2191-257B-3E92-A18338A5F817}"/>
+                </a:ext>
+              </a:extLst>
+            </p:cNvPr>
+            <p:cNvSpPr/>
+            <p:nvPr/>
+          </p:nvSpPr>
+          <p:spPr>
+            <a:xfrm>
+              <a:off x="419102" y="2912335"/>
+              <a:ext cx="3545305" cy="3045776"/>
+            </a:xfrm>
+            <a:prstGeom prst="roundRect">
+              <a:avLst>
+                <a:gd name="adj" fmla="val 9995"/>
+              </a:avLst>
+            </a:prstGeom>
+            <a:solidFill>
+              <a:srgbClr val="0E9ED5"/>
+            </a:solidFill>
+            <a:ln>
+              <a:solidFill>
+                <a:srgbClr val="0E9ED5"/>
+              </a:solidFill>
+            </a:ln>
+          </p:spPr>
+          <p:style>
+            <a:lnRef idx="2">
+              <a:schemeClr val="accent1">
+                <a:shade val="15000"/>
+              </a:schemeClr>
+            </a:lnRef>
+            <a:fillRef idx="1">
+              <a:schemeClr val="accent1"/>
+            </a:fillRef>
+            <a:effectRef idx="0">
+              <a:schemeClr val="accent1"/>
+            </a:effectRef>
+            <a:fontRef idx="minor">
+              <a:schemeClr val="lt1"/>
+            </a:fontRef>
+          </p:style>
+          <p:txBody>
+            <a:bodyPr rtlCol="0" anchor="t"/>
+            <a:lstStyle/>
+            <a:p>
+              <a:pPr algn="ctr"/>
+              <a:r>
+                <a:rPr lang="en-TH" sz="3600" dirty="0"/>
+                <a:t>models</a:t>
+              </a:r>
+            </a:p>
+          </p:txBody>
+        </p:sp>
+        <p:sp>
+          <p:nvSpPr>
+            <p:cNvPr id="10" name="Rounded Rectangle 9">
+              <a:extLst>
+                <a:ext uri="{FF2B5EF4-FFF2-40B4-BE49-F238E27FC236}">
+                  <a16:creationId xmlns:a16="http://schemas.microsoft.com/office/drawing/2014/main" id="{7148820C-BB6E-653A-F4BE-9031B91BCC7E}"/>
+                </a:ext>
+              </a:extLst>
+            </p:cNvPr>
+            <p:cNvSpPr/>
+            <p:nvPr/>
+          </p:nvSpPr>
+          <p:spPr>
+            <a:xfrm>
+              <a:off x="455339" y="4086882"/>
+              <a:ext cx="3472832" cy="551543"/>
+            </a:xfrm>
+            <a:prstGeom prst="roundRect">
+              <a:avLst>
+                <a:gd name="adj" fmla="val 50000"/>
+              </a:avLst>
+            </a:prstGeom>
+            <a:solidFill>
+              <a:schemeClr val="bg1"/>
+            </a:solidFill>
+            <a:ln>
+              <a:solidFill>
+                <a:srgbClr val="0E9ED5"/>
+              </a:solidFill>
+            </a:ln>
+          </p:spPr>
+          <p:style>
+            <a:lnRef idx="2">
+              <a:schemeClr val="accent1">
+                <a:shade val="15000"/>
+              </a:schemeClr>
+            </a:lnRef>
+            <a:fillRef idx="1">
+              <a:schemeClr val="accent1"/>
+            </a:fillRef>
+            <a:effectRef idx="0">
+              <a:schemeClr val="accent1"/>
+            </a:effectRef>
+            <a:fontRef idx="minor">
+              <a:schemeClr val="lt1"/>
+            </a:fontRef>
+          </p:style>
+          <p:txBody>
+            <a:bodyPr rtlCol="0" anchor="ctr"/>
+            <a:lstStyle/>
+            <a:p>
+              <a:pPr algn="ctr"/>
+              <a:r>
+                <a:rPr lang="en-TH" sz="3200" dirty="0">
+                  <a:solidFill>
+                    <a:srgbClr val="0E9ED5"/>
+                  </a:solidFill>
+                  <a:latin typeface="SUKHUMVITSET-TEXT" panose="02000506000000020004" pitchFamily="2" charset="-34"/>
+                  <a:cs typeface="SUKHUMVITSET-TEXT" panose="02000506000000020004" pitchFamily="2" charset="-34"/>
+                </a:rPr>
+                <a:t>Dentist</a:t>
+              </a:r>
+            </a:p>
+          </p:txBody>
+        </p:sp>
+        <p:sp>
+          <p:nvSpPr>
+            <p:cNvPr id="11" name="Rounded Rectangle 10">
+              <a:extLst>
+                <a:ext uri="{FF2B5EF4-FFF2-40B4-BE49-F238E27FC236}">
+                  <a16:creationId xmlns:a16="http://schemas.microsoft.com/office/drawing/2014/main" id="{82415F98-2754-0091-C597-4EE176BD1A3C}"/>
+                </a:ext>
+              </a:extLst>
+            </p:cNvPr>
+            <p:cNvSpPr/>
+            <p:nvPr/>
+          </p:nvSpPr>
+          <p:spPr>
+            <a:xfrm>
+              <a:off x="455339" y="4709158"/>
+              <a:ext cx="3472832" cy="551543"/>
+            </a:xfrm>
+            <a:prstGeom prst="roundRect">
+              <a:avLst>
+                <a:gd name="adj" fmla="val 50000"/>
+              </a:avLst>
+            </a:prstGeom>
+            <a:solidFill>
+              <a:schemeClr val="bg1"/>
+            </a:solidFill>
+            <a:ln>
+              <a:solidFill>
+                <a:srgbClr val="0E9ED5"/>
+              </a:solidFill>
+            </a:ln>
+          </p:spPr>
+          <p:style>
+            <a:lnRef idx="2">
+              <a:schemeClr val="accent1">
+                <a:shade val="15000"/>
+              </a:schemeClr>
+            </a:lnRef>
+            <a:fillRef idx="1">
+              <a:schemeClr val="accent1"/>
+            </a:fillRef>
+            <a:effectRef idx="0">
+              <a:schemeClr val="accent1"/>
+            </a:effectRef>
+            <a:fontRef idx="minor">
+              <a:schemeClr val="lt1"/>
+            </a:fontRef>
+          </p:style>
+          <p:txBody>
+            <a:bodyPr rtlCol="0" anchor="ctr"/>
+            <a:lstStyle/>
+            <a:p>
+              <a:pPr algn="ctr"/>
+              <a:r>
+                <a:rPr lang="en-TH" sz="3200" dirty="0">
+                  <a:solidFill>
+                    <a:srgbClr val="0E9ED5"/>
+                  </a:solidFill>
+                  <a:latin typeface="SUKHUMVITSET-TEXT" panose="02000506000000020004" pitchFamily="2" charset="-34"/>
+                  <a:cs typeface="SUKHUMVITSET-TEXT" panose="02000506000000020004" pitchFamily="2" charset="-34"/>
+                </a:rPr>
+                <a:t>User</a:t>
+              </a:r>
+            </a:p>
+          </p:txBody>
+        </p:sp>
+      </p:grpSp>
+      <p:grpSp>
+        <p:nvGrpSpPr>
+          <p:cNvPr id="15" name="Group 14">
+            <a:extLst>
+              <a:ext uri="{FF2B5EF4-FFF2-40B4-BE49-F238E27FC236}">
+                <a16:creationId xmlns:a16="http://schemas.microsoft.com/office/drawing/2014/main" id="{F003EF75-D6A2-1EAE-CC06-AB6DF0716429}"/>
+              </a:ext>
+            </a:extLst>
+          </p:cNvPr>
+          <p:cNvGrpSpPr/>
+          <p:nvPr/>
+        </p:nvGrpSpPr>
+        <p:grpSpPr>
+          <a:xfrm>
+            <a:off x="4323347" y="2839765"/>
+            <a:ext cx="3545305" cy="3045776"/>
+            <a:chOff x="419102" y="2912335"/>
+            <a:chExt cx="3545305" cy="3045776"/>
+          </a:xfrm>
+        </p:grpSpPr>
+        <p:sp>
+          <p:nvSpPr>
+            <p:cNvPr id="16" name="Rounded Rectangle 15">
+              <a:extLst>
+                <a:ext uri="{FF2B5EF4-FFF2-40B4-BE49-F238E27FC236}">
+                  <a16:creationId xmlns:a16="http://schemas.microsoft.com/office/drawing/2014/main" id="{026A90CD-79DA-7F0D-22AC-EE93EBC9476A}"/>
+                </a:ext>
+              </a:extLst>
+            </p:cNvPr>
+            <p:cNvSpPr/>
+            <p:nvPr/>
+          </p:nvSpPr>
+          <p:spPr>
+            <a:xfrm>
+              <a:off x="419102" y="2912335"/>
+              <a:ext cx="3545305" cy="3045776"/>
+            </a:xfrm>
+            <a:prstGeom prst="roundRect">
+              <a:avLst>
+                <a:gd name="adj" fmla="val 9995"/>
+              </a:avLst>
+            </a:prstGeom>
+            <a:solidFill>
+              <a:srgbClr val="0E9ED5"/>
+            </a:solidFill>
+            <a:ln>
+              <a:solidFill>
+                <a:srgbClr val="0E9ED5"/>
+              </a:solidFill>
+            </a:ln>
+          </p:spPr>
+          <p:style>
+            <a:lnRef idx="2">
+              <a:schemeClr val="accent1">
+                <a:shade val="15000"/>
+              </a:schemeClr>
+            </a:lnRef>
+            <a:fillRef idx="1">
+              <a:schemeClr val="accent1"/>
+            </a:fillRef>
+            <a:effectRef idx="0">
+              <a:schemeClr val="accent1"/>
+            </a:effectRef>
+            <a:fontRef idx="minor">
+              <a:schemeClr val="lt1"/>
+            </a:fontRef>
+          </p:style>
+          <p:txBody>
+            <a:bodyPr rtlCol="0" anchor="t"/>
+            <a:lstStyle/>
+            <a:p>
+              <a:pPr algn="ctr"/>
+              <a:r>
+                <a:rPr lang="en-TH" sz="3600" dirty="0"/>
+                <a:t>controllers</a:t>
+              </a:r>
+            </a:p>
+          </p:txBody>
+        </p:sp>
+        <p:sp>
+          <p:nvSpPr>
+            <p:cNvPr id="17" name="Rounded Rectangle 16">
+              <a:extLst>
+                <a:ext uri="{FF2B5EF4-FFF2-40B4-BE49-F238E27FC236}">
+                  <a16:creationId xmlns:a16="http://schemas.microsoft.com/office/drawing/2014/main" id="{941B5713-6A8D-3719-EE29-FD172B708EBD}"/>
+                </a:ext>
+              </a:extLst>
+            </p:cNvPr>
+            <p:cNvSpPr/>
+            <p:nvPr/>
+          </p:nvSpPr>
+          <p:spPr>
+            <a:xfrm>
+              <a:off x="455339" y="4086882"/>
+              <a:ext cx="3472832" cy="551543"/>
+            </a:xfrm>
+            <a:prstGeom prst="roundRect">
+              <a:avLst>
+                <a:gd name="adj" fmla="val 50000"/>
+              </a:avLst>
+            </a:prstGeom>
+            <a:solidFill>
+              <a:schemeClr val="bg1"/>
+            </a:solidFill>
+            <a:ln>
+              <a:solidFill>
+                <a:srgbClr val="0E9ED5"/>
+              </a:solidFill>
+            </a:ln>
+          </p:spPr>
+          <p:style>
+            <a:lnRef idx="2">
+              <a:schemeClr val="accent1">
+                <a:shade val="15000"/>
+              </a:schemeClr>
+            </a:lnRef>
+            <a:fillRef idx="1">
+              <a:schemeClr val="accent1"/>
+            </a:fillRef>
+            <a:effectRef idx="0">
+              <a:schemeClr val="accent1"/>
+            </a:effectRef>
+            <a:fontRef idx="minor">
+              <a:schemeClr val="lt1"/>
+            </a:fontRef>
+          </p:style>
+          <p:txBody>
+            <a:bodyPr rtlCol="0" anchor="ctr"/>
+            <a:lstStyle/>
+            <a:p>
+              <a:pPr algn="ctr"/>
+              <a:r>
+                <a:rPr lang="en-TH" sz="3200" dirty="0">
+                  <a:solidFill>
+                    <a:srgbClr val="0E9ED5"/>
+                  </a:solidFill>
+                  <a:latin typeface="SUKHUMVITSET-TEXT" panose="02000506000000020004" pitchFamily="2" charset="-34"/>
+                  <a:cs typeface="SUKHUMVITSET-TEXT" panose="02000506000000020004" pitchFamily="2" charset="-34"/>
+                </a:rPr>
+                <a:t>appointments</a:t>
+              </a:r>
+            </a:p>
+          </p:txBody>
+        </p:sp>
+        <p:sp>
+          <p:nvSpPr>
+            <p:cNvPr id="18" name="Rounded Rectangle 17">
+              <a:extLst>
+                <a:ext uri="{FF2B5EF4-FFF2-40B4-BE49-F238E27FC236}">
+                  <a16:creationId xmlns:a16="http://schemas.microsoft.com/office/drawing/2014/main" id="{9BBA3627-2C25-E9F3-DDA6-1AD21427BC6E}"/>
+                </a:ext>
+              </a:extLst>
+            </p:cNvPr>
+            <p:cNvSpPr/>
+            <p:nvPr/>
+          </p:nvSpPr>
+          <p:spPr>
+            <a:xfrm>
+              <a:off x="455339" y="4709158"/>
+              <a:ext cx="3472832" cy="551543"/>
+            </a:xfrm>
+            <a:prstGeom prst="roundRect">
+              <a:avLst>
+                <a:gd name="adj" fmla="val 50000"/>
+              </a:avLst>
+            </a:prstGeom>
+            <a:solidFill>
+              <a:schemeClr val="bg1"/>
+            </a:solidFill>
+            <a:ln>
+              <a:solidFill>
+                <a:srgbClr val="0E9ED5"/>
+              </a:solidFill>
+            </a:ln>
+          </p:spPr>
+          <p:style>
+            <a:lnRef idx="2">
+              <a:schemeClr val="accent1">
+                <a:shade val="15000"/>
+              </a:schemeClr>
+            </a:lnRef>
+            <a:fillRef idx="1">
+              <a:schemeClr val="accent1"/>
+            </a:fillRef>
+            <a:effectRef idx="0">
+              <a:schemeClr val="accent1"/>
+            </a:effectRef>
+            <a:fontRef idx="minor">
+              <a:schemeClr val="lt1"/>
+            </a:fontRef>
+          </p:style>
+          <p:txBody>
+            <a:bodyPr rtlCol="0" anchor="ctr"/>
+            <a:lstStyle/>
+            <a:p>
+              <a:pPr algn="ctr"/>
+              <a:r>
+                <a:rPr lang="en-TH" sz="3200" dirty="0">
+                  <a:solidFill>
+                    <a:srgbClr val="0E9ED5"/>
+                  </a:solidFill>
+                  <a:latin typeface="SUKHUMVITSET-TEXT" panose="02000506000000020004" pitchFamily="2" charset="-34"/>
+                  <a:cs typeface="SUKHUMVITSET-TEXT" panose="02000506000000020004" pitchFamily="2" charset="-34"/>
+                </a:rPr>
+                <a:t>auth</a:t>
+              </a:r>
+            </a:p>
+          </p:txBody>
+        </p:sp>
+        <p:sp>
+          <p:nvSpPr>
+            <p:cNvPr id="19" name="Rounded Rectangle 18">
+              <a:extLst>
+                <a:ext uri="{FF2B5EF4-FFF2-40B4-BE49-F238E27FC236}">
+                  <a16:creationId xmlns:a16="http://schemas.microsoft.com/office/drawing/2014/main" id="{389F34DA-72EF-D94C-472F-50586D33433E}"/>
+                </a:ext>
+              </a:extLst>
+            </p:cNvPr>
+            <p:cNvSpPr/>
+            <p:nvPr/>
+          </p:nvSpPr>
+          <p:spPr>
+            <a:xfrm>
+              <a:off x="455339" y="5331434"/>
+              <a:ext cx="3472832" cy="551543"/>
+            </a:xfrm>
+            <a:prstGeom prst="roundRect">
+              <a:avLst>
+                <a:gd name="adj" fmla="val 50000"/>
+              </a:avLst>
+            </a:prstGeom>
+            <a:solidFill>
+              <a:schemeClr val="bg1"/>
+            </a:solidFill>
+            <a:ln>
+              <a:solidFill>
+                <a:srgbClr val="0E9ED5"/>
+              </a:solidFill>
+            </a:ln>
+          </p:spPr>
+          <p:style>
+            <a:lnRef idx="2">
+              <a:schemeClr val="accent1">
+                <a:shade val="15000"/>
+              </a:schemeClr>
+            </a:lnRef>
+            <a:fillRef idx="1">
+              <a:schemeClr val="accent1"/>
+            </a:fillRef>
+            <a:effectRef idx="0">
+              <a:schemeClr val="accent1"/>
+            </a:effectRef>
+            <a:fontRef idx="minor">
+              <a:schemeClr val="lt1"/>
+            </a:fontRef>
+          </p:style>
+          <p:txBody>
+            <a:bodyPr rtlCol="0" anchor="ctr"/>
+            <a:lstStyle/>
+            <a:p>
+              <a:pPr algn="ctr"/>
+              <a:r>
+                <a:rPr lang="en-TH" sz="3200" dirty="0">
+                  <a:solidFill>
+                    <a:srgbClr val="0E9ED5"/>
+                  </a:solidFill>
+                  <a:latin typeface="SUKHUMVITSET-TEXT" panose="02000506000000020004" pitchFamily="2" charset="-34"/>
+                  <a:cs typeface="SUKHUMVITSET-TEXT" panose="02000506000000020004" pitchFamily="2" charset="-34"/>
+                </a:rPr>
+                <a:t>dentist</a:t>
+              </a:r>
+            </a:p>
+          </p:txBody>
+        </p:sp>
+      </p:grpSp>
+      <p:sp>
+        <p:nvSpPr>
+          <p:cNvPr id="20" name="Rounded Rectangle 19">
+            <a:extLst>
+              <a:ext uri="{FF2B5EF4-FFF2-40B4-BE49-F238E27FC236}">
+                <a16:creationId xmlns:a16="http://schemas.microsoft.com/office/drawing/2014/main" id="{774A5FE1-4166-5838-B174-6D7DB19D3B34}"/>
+              </a:ext>
+            </a:extLst>
+          </p:cNvPr>
+          <p:cNvSpPr/>
+          <p:nvPr/>
+        </p:nvSpPr>
+        <p:spPr>
+          <a:xfrm>
+            <a:off x="8227592" y="2801393"/>
+            <a:ext cx="3472832" cy="551543"/>
+          </a:xfrm>
+          <a:prstGeom prst="roundRect">
+            <a:avLst>
+              <a:gd name="adj" fmla="val 50000"/>
+            </a:avLst>
+          </a:prstGeom>
+          <a:solidFill>
+            <a:srgbClr val="0E9ED5"/>
+          </a:solidFill>
+          <a:ln>
+            <a:solidFill>
+              <a:srgbClr val="0E9ED5"/>
+            </a:solidFill>
+          </a:ln>
+        </p:spPr>
+        <p:style>
+          <a:lnRef idx="2">
+            <a:schemeClr val="accent1">
+              <a:shade val="15000"/>
+            </a:schemeClr>
+          </a:lnRef>
+          <a:fillRef idx="1">
+            <a:schemeClr val="accent1"/>
+          </a:fillRef>
+          <a:effectRef idx="0">
+            <a:schemeClr val="accent1"/>
+          </a:effectRef>
+          <a:fontRef idx="minor">
+            <a:schemeClr val="lt1"/>
+          </a:fontRef>
+        </p:style>
+        <p:txBody>
+          <a:bodyPr rtlCol="0" anchor="ctr"/>
+          <a:lstStyle/>
+          <a:p>
+            <a:pPr algn="ctr"/>
+            <a:r>
+              <a:rPr lang="en-US" sz="3200" dirty="0">
+                <a:solidFill>
+                  <a:schemeClr val="bg1"/>
+                </a:solidFill>
+              </a:rPr>
+              <a:t>c</a:t>
+            </a:r>
+            <a:r>
+              <a:rPr lang="en-TH" sz="3200" dirty="0">
+                <a:solidFill>
+                  <a:schemeClr val="bg1"/>
+                </a:solidFill>
+              </a:rPr>
+              <a:t>onfig.env</a:t>
+            </a:r>
           </a:p>
         </p:txBody>
       </p:sp>
     </p:spTree>
     <p:extLst>
       <p:ext uri="{BB962C8B-B14F-4D97-AF65-F5344CB8AC3E}">
-        <p14:creationId xmlns:p14="http://schemas.microsoft.com/office/powerpoint/2010/main" val="4186799698"/>
+        <p14:creationId xmlns:p14="http://schemas.microsoft.com/office/powerpoint/2010/main" val="3021747829"/>
       </p:ext>
     </p:extLst>
   </p:cSld>
@@ -4596,7 +7629,7 @@
           <p:cNvPr id="2" name="Title 1">
             <a:extLst>
               <a:ext uri="{FF2B5EF4-FFF2-40B4-BE49-F238E27FC236}">
-                <a16:creationId xmlns:a16="http://schemas.microsoft.com/office/drawing/2014/main" id="{94F6F8D8-B7F7-3B3B-C4F5-A2D71C4BC5E3}"/>
+                <a16:creationId xmlns:a16="http://schemas.microsoft.com/office/drawing/2014/main" id="{3B119676-A7CF-23CF-AB0B-89D6B14B82E0}"/>
               </a:ext>
             </a:extLst>
           </p:cNvPr>
@@ -4614,7 +7647,7 @@
           <a:p>
             <a:r>
               <a:rPr lang="en-TH" dirty="0"/>
-              <a:t>Additional Requirement</a:t>
+              <a:t>models/Dentist.js</a:t>
             </a:r>
           </a:p>
         </p:txBody>
@@ -4624,7 +7657,7 @@
           <p:cNvPr id="3" name="Content Placeholder 2">
             <a:extLst>
               <a:ext uri="{FF2B5EF4-FFF2-40B4-BE49-F238E27FC236}">
-                <a16:creationId xmlns:a16="http://schemas.microsoft.com/office/drawing/2014/main" id="{D110A5B9-3239-4789-8CB1-F339B92951B6}"/>
+                <a16:creationId xmlns:a16="http://schemas.microsoft.com/office/drawing/2014/main" id="{B161AD3D-F058-95D9-D191-2595F6641AF9}"/>
               </a:ext>
             </a:extLst>
           </p:cNvPr>
@@ -4640,6 +7673,100 @@
           <a:bodyPr/>
           <a:lstStyle/>
           <a:p>
+            <a:r>
+              <a:rPr lang="en-US" dirty="0"/>
+              <a:t>M</a:t>
+            </a:r>
+            <a:r>
+              <a:rPr lang="en-TH" dirty="0"/>
+              <a:t>odify from model/Hospital.js</a:t>
+            </a:r>
+          </a:p>
+        </p:txBody>
+      </p:sp>
+      <p:pic>
+        <p:nvPicPr>
+          <p:cNvPr id="6" name="Picture 5">
+            <a:extLst>
+              <a:ext uri="{FF2B5EF4-FFF2-40B4-BE49-F238E27FC236}">
+                <a16:creationId xmlns:a16="http://schemas.microsoft.com/office/drawing/2014/main" id="{983439F4-463B-F158-AFCF-E74107DB5ED8}"/>
+              </a:ext>
+            </a:extLst>
+          </p:cNvPr>
+          <p:cNvPicPr>
+            <a:picLocks noChangeAspect="1"/>
+          </p:cNvPicPr>
+          <p:nvPr/>
+        </p:nvPicPr>
+        <p:blipFill rotWithShape="1">
+          <a:blip r:embed="rId2"/>
+          <a:srcRect l="8462" t="8187" r="9134" b="9930"/>
+          <a:stretch/>
+        </p:blipFill>
+        <p:spPr>
+          <a:xfrm>
+            <a:off x="517358" y="2298808"/>
+            <a:ext cx="4592052" cy="4379928"/>
+          </a:xfrm>
+          <a:prstGeom prst="rect">
+            <a:avLst/>
+          </a:prstGeom>
+        </p:spPr>
+      </p:pic>
+      <p:pic>
+        <p:nvPicPr>
+          <p:cNvPr id="7" name="Picture 6">
+            <a:extLst>
+              <a:ext uri="{FF2B5EF4-FFF2-40B4-BE49-F238E27FC236}">
+                <a16:creationId xmlns:a16="http://schemas.microsoft.com/office/drawing/2014/main" id="{239B7CAE-27F9-31B0-3BAD-927D26839CDA}"/>
+              </a:ext>
+            </a:extLst>
+          </p:cNvPr>
+          <p:cNvPicPr>
+            <a:picLocks noChangeAspect="1"/>
+          </p:cNvPicPr>
+          <p:nvPr/>
+        </p:nvPicPr>
+        <p:blipFill rotWithShape="1">
+          <a:blip r:embed="rId3"/>
+          <a:srcRect l="8101" t="9879" r="7895" b="14835"/>
+          <a:stretch/>
+        </p:blipFill>
+        <p:spPr>
+          <a:xfrm>
+            <a:off x="5670884" y="2298808"/>
+            <a:ext cx="6302472" cy="4351338"/>
+          </a:xfrm>
+          <a:prstGeom prst="rect">
+            <a:avLst/>
+          </a:prstGeom>
+        </p:spPr>
+      </p:pic>
+      <p:sp>
+        <p:nvSpPr>
+          <p:cNvPr id="8" name="Slide Number Placeholder 7">
+            <a:extLst>
+              <a:ext uri="{FF2B5EF4-FFF2-40B4-BE49-F238E27FC236}">
+                <a16:creationId xmlns:a16="http://schemas.microsoft.com/office/drawing/2014/main" id="{694713AA-F647-6466-600C-97F6E0B09569}"/>
+              </a:ext>
+            </a:extLst>
+          </p:cNvPr>
+          <p:cNvSpPr>
+            <a:spLocks noGrp="1"/>
+          </p:cNvSpPr>
+          <p:nvPr>
+            <p:ph type="sldNum" sz="quarter" idx="12"/>
+          </p:nvPr>
+        </p:nvSpPr>
+        <p:spPr/>
+        <p:txBody>
+          <a:bodyPr/>
+          <a:lstStyle/>
+          <a:p>
+            <a:fld id="{B4E24458-4BE4-1B4B-9639-224393D77E05}" type="slidenum">
+              <a:rPr lang="en-TH" smtClean="0"/>
+              <a:t>7</a:t>
+            </a:fld>
             <a:endParaRPr lang="en-TH"/>
           </a:p>
         </p:txBody>
@@ -4647,7 +7774,7 @@
     </p:spTree>
     <p:extLst>
       <p:ext uri="{BB962C8B-B14F-4D97-AF65-F5344CB8AC3E}">
-        <p14:creationId xmlns:p14="http://schemas.microsoft.com/office/powerpoint/2010/main" val="3758570837"/>
+        <p14:creationId xmlns:p14="http://schemas.microsoft.com/office/powerpoint/2010/main" val="2028443240"/>
       </p:ext>
     </p:extLst>
   </p:cSld>
@@ -4679,7 +7806,7 @@
           <p:cNvPr id="2" name="Title 1">
             <a:extLst>
               <a:ext uri="{FF2B5EF4-FFF2-40B4-BE49-F238E27FC236}">
-                <a16:creationId xmlns:a16="http://schemas.microsoft.com/office/drawing/2014/main" id="{ECFB4E24-6EC9-7010-1B03-53160E8B51A4}"/>
+                <a16:creationId xmlns:a16="http://schemas.microsoft.com/office/drawing/2014/main" id="{DFCB60AD-8A18-FB5B-119B-0DAF5D7B78B4}"/>
               </a:ext>
             </a:extLst>
           </p:cNvPr>
@@ -4697,7 +7824,7 @@
           <a:p>
             <a:r>
               <a:rPr lang="en-TH" dirty="0"/>
-              <a:t>UML Use Case Diagram</a:t>
+              <a:t>models/User.js</a:t>
             </a:r>
           </a:p>
         </p:txBody>
@@ -4707,7 +7834,7 @@
           <p:cNvPr id="3" name="Content Placeholder 2">
             <a:extLst>
               <a:ext uri="{FF2B5EF4-FFF2-40B4-BE49-F238E27FC236}">
-                <a16:creationId xmlns:a16="http://schemas.microsoft.com/office/drawing/2014/main" id="{505315AF-D7DD-056E-896F-A11B9FE76964}"/>
+                <a16:creationId xmlns:a16="http://schemas.microsoft.com/office/drawing/2014/main" id="{4CCF6F2B-A126-6C37-D7BF-A4F210D8F618}"/>
               </a:ext>
             </a:extLst>
           </p:cNvPr>
@@ -4723,6 +7850,64 @@
           <a:bodyPr/>
           <a:lstStyle/>
           <a:p>
+            <a:endParaRPr lang="en-TH"/>
+          </a:p>
+        </p:txBody>
+      </p:sp>
+      <p:pic>
+        <p:nvPicPr>
+          <p:cNvPr id="4" name="Picture 3">
+            <a:extLst>
+              <a:ext uri="{FF2B5EF4-FFF2-40B4-BE49-F238E27FC236}">
+                <a16:creationId xmlns:a16="http://schemas.microsoft.com/office/drawing/2014/main" id="{8038AF6A-F134-F09B-7AEB-FA2D0BF1AEB5}"/>
+              </a:ext>
+            </a:extLst>
+          </p:cNvPr>
+          <p:cNvPicPr>
+            <a:picLocks noChangeAspect="1"/>
+          </p:cNvPicPr>
+          <p:nvPr/>
+        </p:nvPicPr>
+        <p:blipFill rotWithShape="1">
+          <a:blip r:embed="rId2"/>
+          <a:srcRect l="8308" t="13826" r="8927" b="15197"/>
+          <a:stretch/>
+        </p:blipFill>
+        <p:spPr>
+          <a:xfrm>
+            <a:off x="1865245" y="1825625"/>
+            <a:ext cx="8461509" cy="4486275"/>
+          </a:xfrm>
+          <a:prstGeom prst="rect">
+            <a:avLst/>
+          </a:prstGeom>
+        </p:spPr>
+      </p:pic>
+      <p:sp>
+        <p:nvSpPr>
+          <p:cNvPr id="5" name="Slide Number Placeholder 4">
+            <a:extLst>
+              <a:ext uri="{FF2B5EF4-FFF2-40B4-BE49-F238E27FC236}">
+                <a16:creationId xmlns:a16="http://schemas.microsoft.com/office/drawing/2014/main" id="{37D4549F-537B-C054-9A93-F913D7CDA28E}"/>
+              </a:ext>
+            </a:extLst>
+          </p:cNvPr>
+          <p:cNvSpPr>
+            <a:spLocks noGrp="1"/>
+          </p:cNvSpPr>
+          <p:nvPr>
+            <p:ph type="sldNum" sz="quarter" idx="12"/>
+          </p:nvPr>
+        </p:nvSpPr>
+        <p:spPr/>
+        <p:txBody>
+          <a:bodyPr/>
+          <a:lstStyle/>
+          <a:p>
+            <a:fld id="{B4E24458-4BE4-1B4B-9639-224393D77E05}" type="slidenum">
+              <a:rPr lang="en-TH" smtClean="0"/>
+              <a:t>8</a:t>
+            </a:fld>
             <a:endParaRPr lang="en-TH"/>
           </a:p>
         </p:txBody>
@@ -4730,7 +7915,7 @@
     </p:spTree>
     <p:extLst>
       <p:ext uri="{BB962C8B-B14F-4D97-AF65-F5344CB8AC3E}">
-        <p14:creationId xmlns:p14="http://schemas.microsoft.com/office/powerpoint/2010/main" val="3269546054"/>
+        <p14:creationId xmlns:p14="http://schemas.microsoft.com/office/powerpoint/2010/main" val="3239850767"/>
       </p:ext>
     </p:extLst>
   </p:cSld>
@@ -4762,7 +7947,7 @@
           <p:cNvPr id="2" name="Title 1">
             <a:extLst>
               <a:ext uri="{FF2B5EF4-FFF2-40B4-BE49-F238E27FC236}">
-                <a16:creationId xmlns:a16="http://schemas.microsoft.com/office/drawing/2014/main" id="{C541F8BD-2728-72CA-A6D9-A32E06F8E6D9}"/>
+                <a16:creationId xmlns:a16="http://schemas.microsoft.com/office/drawing/2014/main" id="{836EC363-7AD6-E105-1E43-D5FA46055E1E}"/>
               </a:ext>
             </a:extLst>
           </p:cNvPr>
@@ -4779,8 +7964,12 @@
           <a:lstStyle/>
           <a:p>
             <a:r>
-              <a:rPr lang="th-TH" dirty="0"/>
-              <a:t>การแบ่งงานในทีม</a:t>
+              <a:rPr lang="en-US" dirty="0"/>
+              <a:t>controllers/</a:t>
+            </a:r>
+            <a:r>
+              <a:rPr lang="en-US" dirty="0" err="1"/>
+              <a:t>appointments.js</a:t>
             </a:r>
             <a:endParaRPr lang="en-TH" dirty="0"/>
           </a:p>
@@ -4791,7 +7980,7 @@
           <p:cNvPr id="3" name="Content Placeholder 2">
             <a:extLst>
               <a:ext uri="{FF2B5EF4-FFF2-40B4-BE49-F238E27FC236}">
-                <a16:creationId xmlns:a16="http://schemas.microsoft.com/office/drawing/2014/main" id="{C960866A-8B4B-F4A9-DF17-4C56E29DB98E}"/>
+                <a16:creationId xmlns:a16="http://schemas.microsoft.com/office/drawing/2014/main" id="{07A42F11-59C3-51CE-880C-05CCAECC3562}"/>
               </a:ext>
             </a:extLst>
           </p:cNvPr>
@@ -4807,6 +7996,35 @@
           <a:bodyPr/>
           <a:lstStyle/>
           <a:p>
+            <a:endParaRPr lang="en-TH" dirty="0"/>
+          </a:p>
+        </p:txBody>
+      </p:sp>
+      <p:sp>
+        <p:nvSpPr>
+          <p:cNvPr id="4" name="Slide Number Placeholder 3">
+            <a:extLst>
+              <a:ext uri="{FF2B5EF4-FFF2-40B4-BE49-F238E27FC236}">
+                <a16:creationId xmlns:a16="http://schemas.microsoft.com/office/drawing/2014/main" id="{1FD1ACB6-7BA4-ADB2-1B2D-1A266A6F5B42}"/>
+              </a:ext>
+            </a:extLst>
+          </p:cNvPr>
+          <p:cNvSpPr>
+            <a:spLocks noGrp="1"/>
+          </p:cNvSpPr>
+          <p:nvPr>
+            <p:ph type="sldNum" sz="quarter" idx="12"/>
+          </p:nvPr>
+        </p:nvSpPr>
+        <p:spPr/>
+        <p:txBody>
+          <a:bodyPr/>
+          <a:lstStyle/>
+          <a:p>
+            <a:fld id="{B4E24458-4BE4-1B4B-9639-224393D77E05}" type="slidenum">
+              <a:rPr lang="en-TH" smtClean="0"/>
+              <a:t>9</a:t>
+            </a:fld>
             <a:endParaRPr lang="en-TH"/>
           </a:p>
         </p:txBody>
@@ -4814,7 +8032,7 @@
     </p:spTree>
     <p:extLst>
       <p:ext uri="{BB962C8B-B14F-4D97-AF65-F5344CB8AC3E}">
-        <p14:creationId xmlns:p14="http://schemas.microsoft.com/office/powerpoint/2010/main" val="4071241269"/>
+        <p14:creationId xmlns:p14="http://schemas.microsoft.com/office/powerpoint/2010/main" val="1464797916"/>
       </p:ext>
     </p:extLst>
   </p:cSld>

--- a/SRS.pptx
+++ b/SRS.pptx
@@ -6077,7 +6077,7 @@
           <a:p>
             <a:r>
               <a:rPr lang="en-US" dirty="0"/>
-              <a:t>Test</a:t>
+              <a:t>Runner</a:t>
             </a:r>
           </a:p>
           <a:p>

--- a/SRS.pptx
+++ b/SRS.pptx
@@ -5,7 +5,7 @@
     <p:sldMasterId id="2147483648" r:id="rId1"/>
   </p:sldMasterIdLst>
   <p:notesMasterIdLst>
-    <p:notesMasterId r:id="rId22"/>
+    <p:notesMasterId r:id="rId23"/>
   </p:notesMasterIdLst>
   <p:sldIdLst>
     <p:sldId id="256" r:id="rId2"/>
@@ -28,6 +28,7 @@
     <p:sldId id="281" r:id="rId19"/>
     <p:sldId id="264" r:id="rId20"/>
     <p:sldId id="265" r:id="rId21"/>
+    <p:sldId id="283" r:id="rId22"/>
   </p:sldIdLst>
   <p:sldSz cx="12192000" cy="6858000"/>
   <p:notesSz cx="6858000" cy="9144000"/>
@@ -155,6 +156,7 @@
             <p14:sldId id="281"/>
             <p14:sldId id="264"/>
             <p14:sldId id="265"/>
+            <p14:sldId id="283"/>
           </p14:sldIdLst>
         </p14:section>
       </p14:sectionLst>
@@ -248,7 +250,7 @@
           <a:p>
             <a:fld id="{A8F663A5-96E6-074D-A5C6-54FAFA8E38E3}" type="datetimeFigureOut">
               <a:rPr lang="en-TH" smtClean="0"/>
-              <a:t>25/4/2024 R</a:t>
+              <a:t>26/4/2024 R</a:t>
             </a:fld>
             <a:endParaRPr lang="en-TH"/>
           </a:p>
@@ -749,7 +751,7 @@
           <a:p>
             <a:fld id="{4CA0208E-FA34-6B45-9954-6E21D5F04D20}" type="datetime1">
               <a:rPr lang="en-US" smtClean="0"/>
-              <a:t>4/25/24</a:t>
+              <a:t>4/26/24</a:t>
             </a:fld>
             <a:endParaRPr lang="en-TH"/>
           </a:p>
@@ -949,7 +951,7 @@
           <a:p>
             <a:fld id="{C7DCB651-D476-EC43-A51B-CB8E865D4974}" type="datetime1">
               <a:rPr lang="en-US" smtClean="0"/>
-              <a:t>4/25/24</a:t>
+              <a:t>4/26/24</a:t>
             </a:fld>
             <a:endParaRPr lang="en-TH"/>
           </a:p>
@@ -1159,7 +1161,7 @@
           <a:p>
             <a:fld id="{624015C3-8D8F-C14E-9662-DE2912D274F4}" type="datetime1">
               <a:rPr lang="en-US" smtClean="0"/>
-              <a:t>4/25/24</a:t>
+              <a:t>4/26/24</a:t>
             </a:fld>
             <a:endParaRPr lang="en-TH"/>
           </a:p>
@@ -1359,7 +1361,7 @@
           <a:p>
             <a:fld id="{628CE1A5-DDED-3E41-A0AC-24453BDAED8A}" type="datetime1">
               <a:rPr lang="en-US" smtClean="0"/>
-              <a:t>4/25/24</a:t>
+              <a:t>4/26/24</a:t>
             </a:fld>
             <a:endParaRPr lang="en-TH"/>
           </a:p>
@@ -1635,7 +1637,7 @@
           <a:p>
             <a:fld id="{32973487-8A5B-0940-9610-819AC6975803}" type="datetime1">
               <a:rPr lang="en-US" smtClean="0"/>
-              <a:t>4/25/24</a:t>
+              <a:t>4/26/24</a:t>
             </a:fld>
             <a:endParaRPr lang="en-TH"/>
           </a:p>
@@ -1903,7 +1905,7 @@
           <a:p>
             <a:fld id="{F28B86B7-3FCD-5947-A26C-C7D909825C38}" type="datetime1">
               <a:rPr lang="en-US" smtClean="0"/>
-              <a:t>4/25/24</a:t>
+              <a:t>4/26/24</a:t>
             </a:fld>
             <a:endParaRPr lang="en-TH"/>
           </a:p>
@@ -2318,7 +2320,7 @@
           <a:p>
             <a:fld id="{DFBBAAC6-B185-5D48-B655-D39603FF8859}" type="datetime1">
               <a:rPr lang="en-US" smtClean="0"/>
-              <a:t>4/25/24</a:t>
+              <a:t>4/26/24</a:t>
             </a:fld>
             <a:endParaRPr lang="en-TH"/>
           </a:p>
@@ -2460,7 +2462,7 @@
           <a:p>
             <a:fld id="{1DBA733C-2830-7846-8911-B0D4E9C1F27D}" type="datetime1">
               <a:rPr lang="en-US" smtClean="0"/>
-              <a:t>4/25/24</a:t>
+              <a:t>4/26/24</a:t>
             </a:fld>
             <a:endParaRPr lang="en-TH"/>
           </a:p>
@@ -2573,7 +2575,7 @@
           <a:p>
             <a:fld id="{F1155A01-14CE-EF46-90A0-A001A6951EBC}" type="datetime1">
               <a:rPr lang="en-US" smtClean="0"/>
-              <a:t>4/25/24</a:t>
+              <a:t>4/26/24</a:t>
             </a:fld>
             <a:endParaRPr lang="en-TH"/>
           </a:p>
@@ -2886,7 +2888,7 @@
           <a:p>
             <a:fld id="{97F60A24-DF3C-AA44-9B74-B906C2FC9FAD}" type="datetime1">
               <a:rPr lang="en-US" smtClean="0"/>
-              <a:t>4/25/24</a:t>
+              <a:t>4/26/24</a:t>
             </a:fld>
             <a:endParaRPr lang="en-TH"/>
           </a:p>
@@ -3175,7 +3177,7 @@
           <a:p>
             <a:fld id="{6ED809D9-8345-3A4B-B780-36EA8BFF8139}" type="datetime1">
               <a:rPr lang="en-US" smtClean="0"/>
-              <a:t>4/25/24</a:t>
+              <a:t>4/26/24</a:t>
             </a:fld>
             <a:endParaRPr lang="en-TH"/>
           </a:p>
@@ -3421,7 +3423,7 @@
             <a:fld id="{F99546A2-6E03-9547-9AFE-0DE96DDCBD90}" type="datetime1">
               <a:rPr lang="en-US" smtClean="0"/>
               <a:pPr/>
-              <a:t>4/25/24</a:t>
+              <a:t>4/26/24</a:t>
             </a:fld>
             <a:endParaRPr lang="en-TH"/>
           </a:p>
@@ -5684,31 +5686,35 @@
           </a:p>
         </p:txBody>
       </p:sp>
-      <p:sp>
-        <p:nvSpPr>
-          <p:cNvPr id="3" name="Content Placeholder 2">
-            <a:extLst>
-              <a:ext uri="{FF2B5EF4-FFF2-40B4-BE49-F238E27FC236}">
-                <a16:creationId xmlns:a16="http://schemas.microsoft.com/office/drawing/2014/main" id="{505315AF-D7DD-056E-896F-A11B9FE76964}"/>
-              </a:ext>
-            </a:extLst>
-          </p:cNvPr>
-          <p:cNvSpPr>
-            <a:spLocks noGrp="1"/>
-          </p:cNvSpPr>
+      <p:pic>
+        <p:nvPicPr>
+          <p:cNvPr id="6" name="Content Placeholder 5" descr="A diagram of a diagram&#10;&#10;Description automatically generated">
+            <a:extLst>
+              <a:ext uri="{FF2B5EF4-FFF2-40B4-BE49-F238E27FC236}">
+                <a16:creationId xmlns:a16="http://schemas.microsoft.com/office/drawing/2014/main" id="{1071311B-4AAF-0517-2021-60161EF931DD}"/>
+              </a:ext>
+            </a:extLst>
+          </p:cNvPr>
+          <p:cNvPicPr>
+            <a:picLocks noGrp="1" noChangeAspect="1"/>
+          </p:cNvPicPr>
           <p:nvPr>
             <p:ph idx="1"/>
           </p:nvPr>
-        </p:nvSpPr>
-        <p:spPr/>
-        <p:txBody>
-          <a:bodyPr/>
-          <a:lstStyle/>
-          <a:p>
-            <a:endParaRPr lang="en-TH"/>
-          </a:p>
-        </p:txBody>
-      </p:sp>
+        </p:nvPicPr>
+        <p:blipFill>
+          <a:blip r:embed="rId2"/>
+          <a:stretch>
+            <a:fillRect/>
+          </a:stretch>
+        </p:blipFill>
+        <p:spPr>
+          <a:xfrm>
+            <a:off x="838200" y="3241933"/>
+            <a:ext cx="10515600" cy="1518722"/>
+          </a:xfrm>
+        </p:spPr>
+      </p:pic>
       <p:sp>
         <p:nvSpPr>
           <p:cNvPr id="4" name="Slide Number Placeholder 3">
@@ -6413,31 +6419,40 @@
           </a:p>
         </p:txBody>
       </p:sp>
-      <p:sp>
-        <p:nvSpPr>
-          <p:cNvPr id="3" name="Content Placeholder 2">
-            <a:extLst>
-              <a:ext uri="{FF2B5EF4-FFF2-40B4-BE49-F238E27FC236}">
-                <a16:creationId xmlns:a16="http://schemas.microsoft.com/office/drawing/2014/main" id="{9A3E7C30-050C-62E0-2378-FD20A230259F}"/>
-              </a:ext>
-            </a:extLst>
-          </p:cNvPr>
-          <p:cNvSpPr>
-            <a:spLocks noGrp="1"/>
-          </p:cNvSpPr>
+      <p:pic>
+        <p:nvPicPr>
+          <p:cNvPr id="5" name="Online Media 4" descr="Laewtae: Additional Requirement">
+            <a:hlinkClick r:id="" action="ppaction://media"/>
+            <a:extLst>
+              <a:ext uri="{FF2B5EF4-FFF2-40B4-BE49-F238E27FC236}">
+                <a16:creationId xmlns:a16="http://schemas.microsoft.com/office/drawing/2014/main" id="{FC4F522E-CEF4-DC54-8EB7-54759455FA14}"/>
+              </a:ext>
+            </a:extLst>
+          </p:cNvPr>
+          <p:cNvPicPr>
+            <a:picLocks noGrp="1" noRot="1" noChangeAspect="1"/>
+          </p:cNvPicPr>
           <p:nvPr>
             <p:ph idx="1"/>
-          </p:nvPr>
-        </p:nvSpPr>
-        <p:spPr/>
-        <p:txBody>
-          <a:bodyPr/>
-          <a:lstStyle/>
-          <a:p>
-            <a:endParaRPr lang="en-TH"/>
-          </a:p>
-        </p:txBody>
-      </p:sp>
+            <a:videoFile r:link="rId1"/>
+          </p:nvPr>
+        </p:nvPicPr>
+        <p:blipFill>
+          <a:blip r:embed="rId3"/>
+          <a:stretch>
+            <a:fillRect/>
+          </a:stretch>
+        </p:blipFill>
+        <p:spPr>
+          <a:xfrm>
+            <a:off x="2245519" y="1488168"/>
+            <a:ext cx="7700962" cy="4351338"/>
+          </a:xfrm>
+          <a:prstGeom prst="rect">
+            <a:avLst/>
+          </a:prstGeom>
+        </p:spPr>
+      </p:pic>
       <p:sp>
         <p:nvSpPr>
           <p:cNvPr id="4" name="Slide Number Placeholder 3">
@@ -6467,10 +6482,296 @@
           </a:p>
         </p:txBody>
       </p:sp>
+      <p:sp>
+        <p:nvSpPr>
+          <p:cNvPr id="7" name="TextBox 6">
+            <a:extLst>
+              <a:ext uri="{FF2B5EF4-FFF2-40B4-BE49-F238E27FC236}">
+                <a16:creationId xmlns:a16="http://schemas.microsoft.com/office/drawing/2014/main" id="{EC15E8D8-6E18-2EBC-BCAF-856CF3D4DB2F}"/>
+              </a:ext>
+            </a:extLst>
+          </p:cNvPr>
+          <p:cNvSpPr txBox="1"/>
+          <p:nvPr/>
+        </p:nvSpPr>
+        <p:spPr>
+          <a:xfrm>
+            <a:off x="3266836" y="5992297"/>
+            <a:ext cx="6098240" cy="369332"/>
+          </a:xfrm>
+          <a:prstGeom prst="rect">
+            <a:avLst/>
+          </a:prstGeom>
+          <a:noFill/>
+        </p:spPr>
+        <p:txBody>
+          <a:bodyPr wrap="square">
+            <a:spAutoFit/>
+          </a:bodyPr>
+          <a:lstStyle/>
+          <a:p>
+            <a:pPr algn="ctr"/>
+            <a:r>
+              <a:rPr lang="en-TH" dirty="0">
+                <a:latin typeface="SUKHUMVITSET-TEXT" panose="02000506000000020004" pitchFamily="2" charset="-34"/>
+                <a:cs typeface="SUKHUMVITSET-TEXT" panose="02000506000000020004" pitchFamily="2" charset="-34"/>
+              </a:rPr>
+              <a:t>https://youtu.be/B-8vtgVCui0</a:t>
+            </a:r>
+          </a:p>
+        </p:txBody>
+      </p:sp>
     </p:spTree>
     <p:extLst>
       <p:ext uri="{BB962C8B-B14F-4D97-AF65-F5344CB8AC3E}">
         <p14:creationId xmlns:p14="http://schemas.microsoft.com/office/powerpoint/2010/main" val="2137387886"/>
+      </p:ext>
+    </p:extLst>
+  </p:cSld>
+  <p:clrMapOvr>
+    <a:masterClrMapping/>
+  </p:clrMapOvr>
+  <p:timing>
+    <p:tnLst>
+      <p:par>
+        <p:cTn id="1" dur="indefinite" restart="never" nodeType="tmRoot">
+          <p:childTnLst>
+            <p:seq concurrent="1" nextAc="seek">
+              <p:cTn id="2" dur="indefinite" nodeType="mainSeq">
+                <p:childTnLst>
+                  <p:par>
+                    <p:cTn id="3" fill="hold">
+                      <p:stCondLst>
+                        <p:cond delay="indefinite"/>
+                      </p:stCondLst>
+                      <p:childTnLst>
+                        <p:par>
+                          <p:cTn id="4" fill="hold">
+                            <p:stCondLst>
+                              <p:cond delay="0"/>
+                            </p:stCondLst>
+                            <p:childTnLst>
+                              <p:par>
+                                <p:cTn id="5" presetID="1" presetClass="mediacall" presetSubtype="0" fill="hold" nodeType="clickEffect">
+                                  <p:stCondLst>
+                                    <p:cond delay="0"/>
+                                  </p:stCondLst>
+                                  <p:childTnLst>
+                                    <p:cmd type="call" cmd="playFrom(0.0)">
+                                      <p:cBhvr>
+                                        <p:cTn id="6" dur="1" fill="hold"/>
+                                        <p:tgtEl>
+                                          <p:spTgt spid="5"/>
+                                        </p:tgtEl>
+                                      </p:cBhvr>
+                                    </p:cmd>
+                                  </p:childTnLst>
+                                </p:cTn>
+                              </p:par>
+                            </p:childTnLst>
+                          </p:cTn>
+                        </p:par>
+                      </p:childTnLst>
+                    </p:cTn>
+                  </p:par>
+                </p:childTnLst>
+              </p:cTn>
+              <p:prevCondLst>
+                <p:cond evt="onPrev" delay="0">
+                  <p:tgtEl>
+                    <p:sldTgt/>
+                  </p:tgtEl>
+                </p:cond>
+              </p:prevCondLst>
+              <p:nextCondLst>
+                <p:cond evt="onNext" delay="0">
+                  <p:tgtEl>
+                    <p:sldTgt/>
+                  </p:tgtEl>
+                </p:cond>
+              </p:nextCondLst>
+            </p:seq>
+            <p:video>
+              <p:cMediaNode vol="80000">
+                <p:cTn id="7" fill="hold" display="0">
+                  <p:stCondLst>
+                    <p:cond delay="indefinite"/>
+                  </p:stCondLst>
+                </p:cTn>
+                <p:tgtEl>
+                  <p:spTgt spid="5"/>
+                </p:tgtEl>
+              </p:cMediaNode>
+            </p:video>
+            <p:seq concurrent="1" nextAc="seek">
+              <p:cTn id="8" restart="whenNotActive" fill="hold" evtFilter="cancelBubble" nodeType="interactiveSeq">
+                <p:stCondLst>
+                  <p:cond evt="onClick" delay="0">
+                    <p:tgtEl>
+                      <p:spTgt spid="5"/>
+                    </p:tgtEl>
+                  </p:cond>
+                </p:stCondLst>
+                <p:endSync evt="end" delay="0">
+                  <p:rtn val="all"/>
+                </p:endSync>
+                <p:childTnLst>
+                  <p:par>
+                    <p:cTn id="9" fill="hold">
+                      <p:stCondLst>
+                        <p:cond delay="0"/>
+                      </p:stCondLst>
+                      <p:childTnLst>
+                        <p:par>
+                          <p:cTn id="10" fill="hold">
+                            <p:stCondLst>
+                              <p:cond delay="0"/>
+                            </p:stCondLst>
+                            <p:childTnLst>
+                              <p:par>
+                                <p:cTn id="11" presetID="2" presetClass="mediacall" presetSubtype="0" fill="hold" nodeType="clickEffect">
+                                  <p:stCondLst>
+                                    <p:cond delay="0"/>
+                                  </p:stCondLst>
+                                  <p:childTnLst>
+                                    <p:cmd type="call" cmd="togglePause">
+                                      <p:cBhvr>
+                                        <p:cTn id="12" dur="1" fill="hold"/>
+                                        <p:tgtEl>
+                                          <p:spTgt spid="5"/>
+                                        </p:tgtEl>
+                                      </p:cBhvr>
+                                    </p:cmd>
+                                  </p:childTnLst>
+                                </p:cTn>
+                              </p:par>
+                            </p:childTnLst>
+                          </p:cTn>
+                        </p:par>
+                      </p:childTnLst>
+                    </p:cTn>
+                  </p:par>
+                </p:childTnLst>
+              </p:cTn>
+              <p:nextCondLst>
+                <p:cond evt="onClick" delay="0">
+                  <p:tgtEl>
+                    <p:spTgt spid="5"/>
+                  </p:tgtEl>
+                </p:cond>
+              </p:nextCondLst>
+            </p:seq>
+          </p:childTnLst>
+        </p:cTn>
+      </p:par>
+    </p:tnLst>
+  </p:timing>
+</p:sld>
+</file>
+
+<file path=ppt/slides/slide21.xml><?xml version="1.0" encoding="utf-8"?>
+<p:sld xmlns:a="http://schemas.openxmlformats.org/drawingml/2006/main" xmlns:r="http://schemas.openxmlformats.org/officeDocument/2006/relationships" xmlns:p="http://schemas.openxmlformats.org/presentationml/2006/main">
+  <p:cSld>
+    <p:spTree>
+      <p:nvGrpSpPr>
+        <p:cNvPr id="1" name=""/>
+        <p:cNvGrpSpPr/>
+        <p:nvPr/>
+      </p:nvGrpSpPr>
+      <p:grpSpPr>
+        <a:xfrm>
+          <a:off x="0" y="0"/>
+          <a:ext cx="0" cy="0"/>
+          <a:chOff x="0" y="0"/>
+          <a:chExt cx="0" cy="0"/>
+        </a:xfrm>
+      </p:grpSpPr>
+      <p:sp>
+        <p:nvSpPr>
+          <p:cNvPr id="5" name="Title 4">
+            <a:extLst>
+              <a:ext uri="{FF2B5EF4-FFF2-40B4-BE49-F238E27FC236}">
+                <a16:creationId xmlns:a16="http://schemas.microsoft.com/office/drawing/2014/main" id="{BB39008E-6D8C-9A11-4681-6F89E4C18E35}"/>
+              </a:ext>
+            </a:extLst>
+          </p:cNvPr>
+          <p:cNvSpPr>
+            <a:spLocks noGrp="1"/>
+          </p:cNvSpPr>
+          <p:nvPr>
+            <p:ph type="ctrTitle"/>
+          </p:nvPr>
+        </p:nvSpPr>
+        <p:spPr/>
+        <p:txBody>
+          <a:bodyPr/>
+          <a:lstStyle/>
+          <a:p>
+            <a:r>
+              <a:rPr lang="en-TH" dirty="0"/>
+              <a:t>THANK YOU</a:t>
+            </a:r>
+          </a:p>
+        </p:txBody>
+      </p:sp>
+      <p:sp>
+        <p:nvSpPr>
+          <p:cNvPr id="6" name="Subtitle 5">
+            <a:extLst>
+              <a:ext uri="{FF2B5EF4-FFF2-40B4-BE49-F238E27FC236}">
+                <a16:creationId xmlns:a16="http://schemas.microsoft.com/office/drawing/2014/main" id="{81AEAF35-0F20-7521-DC72-3C57BCEF2DF0}"/>
+              </a:ext>
+            </a:extLst>
+          </p:cNvPr>
+          <p:cNvSpPr>
+            <a:spLocks noGrp="1"/>
+          </p:cNvSpPr>
+          <p:nvPr>
+            <p:ph type="subTitle" idx="1"/>
+          </p:nvPr>
+        </p:nvSpPr>
+        <p:spPr/>
+        <p:txBody>
+          <a:bodyPr/>
+          <a:lstStyle/>
+          <a:p>
+            <a:endParaRPr lang="en-TH" dirty="0"/>
+          </a:p>
+        </p:txBody>
+      </p:sp>
+      <p:sp>
+        <p:nvSpPr>
+          <p:cNvPr id="4" name="Slide Number Placeholder 3">
+            <a:extLst>
+              <a:ext uri="{FF2B5EF4-FFF2-40B4-BE49-F238E27FC236}">
+                <a16:creationId xmlns:a16="http://schemas.microsoft.com/office/drawing/2014/main" id="{BBD8CCED-0EA7-C683-6448-5B0490378B1C}"/>
+              </a:ext>
+            </a:extLst>
+          </p:cNvPr>
+          <p:cNvSpPr>
+            <a:spLocks noGrp="1"/>
+          </p:cNvSpPr>
+          <p:nvPr>
+            <p:ph type="sldNum" sz="quarter" idx="12"/>
+          </p:nvPr>
+        </p:nvSpPr>
+        <p:spPr/>
+        <p:txBody>
+          <a:bodyPr/>
+          <a:lstStyle/>
+          <a:p>
+            <a:fld id="{B4E24458-4BE4-1B4B-9639-224393D77E05}" type="slidenum">
+              <a:rPr lang="en-TH" smtClean="0"/>
+              <a:t>21</a:t>
+            </a:fld>
+            <a:endParaRPr lang="en-TH"/>
+          </a:p>
+        </p:txBody>
+      </p:sp>
+    </p:spTree>
+    <p:extLst>
+      <p:ext uri="{BB962C8B-B14F-4D97-AF65-F5344CB8AC3E}">
+        <p14:creationId xmlns:p14="http://schemas.microsoft.com/office/powerpoint/2010/main" val="1360745353"/>
       </p:ext>
     </p:extLst>
   </p:cSld>

--- a/SRS.pptx
+++ b/SRS.pptx
@@ -5,7 +5,7 @@
     <p:sldMasterId id="2147483648" r:id="rId1"/>
   </p:sldMasterIdLst>
   <p:notesMasterIdLst>
-    <p:notesMasterId r:id="rId23"/>
+    <p:notesMasterId r:id="rId24"/>
   </p:notesMasterIdLst>
   <p:sldIdLst>
     <p:sldId id="256" r:id="rId2"/>
@@ -23,12 +23,13 @@
     <p:sldId id="273" r:id="rId14"/>
     <p:sldId id="280" r:id="rId15"/>
     <p:sldId id="271" r:id="rId16"/>
-    <p:sldId id="282" r:id="rId17"/>
-    <p:sldId id="261" r:id="rId18"/>
-    <p:sldId id="281" r:id="rId19"/>
-    <p:sldId id="264" r:id="rId20"/>
-    <p:sldId id="265" r:id="rId21"/>
-    <p:sldId id="283" r:id="rId22"/>
+    <p:sldId id="284" r:id="rId17"/>
+    <p:sldId id="282" r:id="rId18"/>
+    <p:sldId id="261" r:id="rId19"/>
+    <p:sldId id="281" r:id="rId20"/>
+    <p:sldId id="264" r:id="rId21"/>
+    <p:sldId id="265" r:id="rId22"/>
+    <p:sldId id="283" r:id="rId23"/>
   </p:sldIdLst>
   <p:sldSz cx="12192000" cy="6858000"/>
   <p:notesSz cx="6858000" cy="9144000"/>
@@ -151,6 +152,7 @@
             <p14:sldId id="273"/>
             <p14:sldId id="280"/>
             <p14:sldId id="271"/>
+            <p14:sldId id="284"/>
             <p14:sldId id="282"/>
             <p14:sldId id="261"/>
             <p14:sldId id="281"/>
@@ -4038,8 +4040,21 @@
             <a:pPr algn="l"/>
             <a:r>
               <a:rPr lang="en-TH" sz="1800" dirty="0"/>
-              <a:t>By Laewtae</a:t>
-            </a:r>
+              <a:t>By </a:t>
+            </a:r>
+            <a:r>
+              <a:rPr lang="th-TH" sz="1800" dirty="0">
+                <a:solidFill>
+                  <a:srgbClr val="0E9ED5"/>
+                </a:solidFill>
+              </a:rPr>
+              <a:t>แล้วแต่</a:t>
+            </a:r>
+            <a:endParaRPr lang="en-TH" sz="1800" dirty="0">
+              <a:solidFill>
+                <a:srgbClr val="0E9ED5"/>
+              </a:solidFill>
+            </a:endParaRPr>
           </a:p>
           <a:p>
             <a:pPr algn="l"/>
@@ -4568,7 +4583,22 @@
           <a:bodyPr/>
           <a:lstStyle/>
           <a:p>
-            <a:endParaRPr lang="en-TH" dirty="0"/>
+            <a:r>
+              <a:rPr lang="en-TH" dirty="0"/>
+              <a:t>Add </a:t>
+            </a:r>
+            <a:r>
+              <a:rPr lang="en-TH" dirty="0">
+                <a:solidFill>
+                  <a:srgbClr val="0E9ED5"/>
+                </a:solidFill>
+              </a:rPr>
+              <a:t>tel</a:t>
+            </a:r>
+            <a:r>
+              <a:rPr lang="en-TH" dirty="0"/>
+              <a:t> for user </a:t>
+            </a:r>
           </a:p>
         </p:txBody>
       </p:sp>
@@ -4593,7 +4623,7 @@
         </p:blipFill>
         <p:spPr>
           <a:xfrm>
-            <a:off x="2038345" y="1825625"/>
+            <a:off x="2038345" y="2280009"/>
             <a:ext cx="8115310" cy="4212866"/>
           </a:xfrm>
           <a:prstGeom prst="rect">
@@ -4719,6 +4749,58 @@
           <a:bodyPr/>
           <a:lstStyle/>
           <a:p>
+            <a:r>
+              <a:rPr lang="en-TH" dirty="0"/>
+              <a:t>Change </a:t>
+            </a:r>
+            <a:r>
+              <a:rPr lang="en-TH" dirty="0">
+                <a:solidFill>
+                  <a:srgbClr val="0E9ED5"/>
+                </a:solidFill>
+              </a:rPr>
+              <a:t>Hosptital(s)</a:t>
+            </a:r>
+            <a:r>
+              <a:rPr lang="en-TH" dirty="0"/>
+              <a:t> to </a:t>
+            </a:r>
+            <a:r>
+              <a:rPr lang="en-TH" dirty="0">
+                <a:solidFill>
+                  <a:srgbClr val="0E9ED5"/>
+                </a:solidFill>
+              </a:rPr>
+              <a:t>Dentist(s)</a:t>
+            </a:r>
+          </a:p>
+          <a:p>
+            <a:r>
+              <a:rPr lang="en-TH" dirty="0"/>
+              <a:t>Change </a:t>
+            </a:r>
+            <a:r>
+              <a:rPr lang="en-TH" dirty="0">
+                <a:solidFill>
+                  <a:srgbClr val="0E9ED5"/>
+                </a:solidFill>
+              </a:rPr>
+              <a:t>hosptital(s)</a:t>
+            </a:r>
+            <a:r>
+              <a:rPr lang="en-TH" dirty="0"/>
+              <a:t> to </a:t>
+            </a:r>
+            <a:r>
+              <a:rPr lang="en-TH" dirty="0">
+                <a:solidFill>
+                  <a:srgbClr val="0E9ED5"/>
+                </a:solidFill>
+              </a:rPr>
+              <a:t>dentist(s)</a:t>
+            </a:r>
+          </a:p>
+          <a:p>
             <a:endParaRPr lang="en-TH" dirty="0"/>
           </a:p>
         </p:txBody>
@@ -4744,8 +4826,8 @@
         </p:blipFill>
         <p:spPr>
           <a:xfrm>
-            <a:off x="179501" y="1529327"/>
-            <a:ext cx="5266836" cy="4823347"/>
+            <a:off x="838200" y="2651857"/>
+            <a:ext cx="4348159" cy="3982026"/>
           </a:xfrm>
           <a:prstGeom prst="rect">
             <a:avLst/>
@@ -4773,7 +4855,7 @@
         </p:blipFill>
         <p:spPr>
           <a:xfrm>
-            <a:off x="5552350" y="1529327"/>
+            <a:off x="5462911" y="2861327"/>
             <a:ext cx="6460149" cy="3772556"/>
           </a:xfrm>
           <a:prstGeom prst="rect">
@@ -5374,7 +5456,10 @@
           <a:bodyPr/>
           <a:lstStyle/>
           <a:p>
-            <a:endParaRPr lang="en-TH" dirty="0"/>
+            <a:r>
+              <a:rPr lang="en-TH" dirty="0"/>
+              <a:t>Using Gmail and Nodemailer</a:t>
+            </a:r>
           </a:p>
         </p:txBody>
       </p:sp>
@@ -5428,37 +5513,8 @@
         </p:blipFill>
         <p:spPr>
           <a:xfrm>
-            <a:off x="0" y="2933332"/>
-            <a:ext cx="5776689" cy="3378567"/>
-          </a:xfrm>
-          <a:prstGeom prst="rect">
-            <a:avLst/>
-          </a:prstGeom>
-        </p:spPr>
-      </p:pic>
-      <p:pic>
-        <p:nvPicPr>
-          <p:cNvPr id="7" name="Picture 6">
-            <a:extLst>
-              <a:ext uri="{FF2B5EF4-FFF2-40B4-BE49-F238E27FC236}">
-                <a16:creationId xmlns:a16="http://schemas.microsoft.com/office/drawing/2014/main" id="{9C393D32-3863-F745-1F5E-6DA669950A43}"/>
-              </a:ext>
-            </a:extLst>
-          </p:cNvPr>
-          <p:cNvPicPr>
-            <a:picLocks noChangeAspect="1"/>
-          </p:cNvPicPr>
-          <p:nvPr/>
-        </p:nvPicPr>
-        <p:blipFill rotWithShape="1">
-          <a:blip r:embed="rId3"/>
-          <a:srcRect l="6186" t="10346" r="13936" b="14093"/>
-          <a:stretch/>
-        </p:blipFill>
-        <p:spPr>
-          <a:xfrm>
-            <a:off x="5863770" y="2938813"/>
-            <a:ext cx="6328230" cy="3373086"/>
+            <a:off x="77638" y="3024761"/>
+            <a:ext cx="5331125" cy="3117974"/>
           </a:xfrm>
           <a:prstGeom prst="rect">
             <a:avLst/>
@@ -5480,7 +5536,7 @@
           <p:nvPr/>
         </p:nvPicPr>
         <p:blipFill>
-          <a:blip r:embed="rId4">
+          <a:blip r:embed="rId3">
             <a:extLst>
               <a:ext uri="{28A0092B-C50C-407E-A947-70E740481C1C}">
                 <a14:useLocalDpi xmlns:a14="http://schemas.microsoft.com/office/drawing/2010/main" val="0"/>
@@ -5494,8 +5550,8 @@
         </p:blipFill>
         <p:spPr bwMode="auto">
           <a:xfrm>
-            <a:off x="8098976" y="61226"/>
-            <a:ext cx="3254824" cy="2776627"/>
+            <a:off x="9036424" y="860945"/>
+            <a:ext cx="2317376" cy="1976908"/>
           </a:xfrm>
           <a:prstGeom prst="rect">
             <a:avLst/>
@@ -5510,6 +5566,82 @@
               </a14:hiddenFill>
             </a:ext>
           </a:extLst>
+        </p:spPr>
+      </p:pic>
+      <p:pic>
+        <p:nvPicPr>
+          <p:cNvPr id="4" name="Picture 2" descr="No photo description available.">
+            <a:extLst>
+              <a:ext uri="{FF2B5EF4-FFF2-40B4-BE49-F238E27FC236}">
+                <a16:creationId xmlns:a16="http://schemas.microsoft.com/office/drawing/2014/main" id="{624D476A-C315-56B4-B448-7448712B2D2F}"/>
+              </a:ext>
+            </a:extLst>
+          </p:cNvPr>
+          <p:cNvPicPr>
+            <a:picLocks noChangeAspect="1" noChangeArrowheads="1"/>
+          </p:cNvPicPr>
+          <p:nvPr/>
+        </p:nvPicPr>
+        <p:blipFill>
+          <a:blip r:embed="rId4">
+            <a:extLst>
+              <a:ext uri="{28A0092B-C50C-407E-A947-70E740481C1C}">
+                <a14:useLocalDpi xmlns:a14="http://schemas.microsoft.com/office/drawing/2010/main" val="0"/>
+              </a:ext>
+            </a:extLst>
+          </a:blip>
+          <a:srcRect/>
+          <a:stretch>
+            <a:fillRect/>
+          </a:stretch>
+        </p:blipFill>
+        <p:spPr bwMode="auto">
+          <a:xfrm>
+            <a:off x="6687669" y="1038188"/>
+            <a:ext cx="1799665" cy="1799665"/>
+          </a:xfrm>
+          <a:prstGeom prst="rect">
+            <a:avLst/>
+          </a:prstGeom>
+          <a:noFill/>
+          <a:extLst>
+            <a:ext uri="{909E8E84-426E-40DD-AFC4-6F175D3DCCD1}">
+              <a14:hiddenFill xmlns:a14="http://schemas.microsoft.com/office/drawing/2010/main">
+                <a:solidFill>
+                  <a:srgbClr val="FFFFFF"/>
+                </a:solidFill>
+              </a14:hiddenFill>
+            </a:ext>
+          </a:extLst>
+        </p:spPr>
+      </p:pic>
+      <p:pic>
+        <p:nvPicPr>
+          <p:cNvPr id="8" name="Picture 7">
+            <a:extLst>
+              <a:ext uri="{FF2B5EF4-FFF2-40B4-BE49-F238E27FC236}">
+                <a16:creationId xmlns:a16="http://schemas.microsoft.com/office/drawing/2014/main" id="{A04051B8-1AB2-FBB8-663A-C2384165BE53}"/>
+              </a:ext>
+            </a:extLst>
+          </p:cNvPr>
+          <p:cNvPicPr>
+            <a:picLocks noChangeAspect="1"/>
+          </p:cNvPicPr>
+          <p:nvPr/>
+        </p:nvPicPr>
+        <p:blipFill rotWithShape="1">
+          <a:blip r:embed="rId5"/>
+          <a:srcRect l="6086" t="9839" r="6012" b="15422"/>
+          <a:stretch/>
+        </p:blipFill>
+        <p:spPr>
+          <a:xfrm>
+            <a:off x="5508220" y="3024761"/>
+            <a:ext cx="6584978" cy="3117974"/>
+          </a:xfrm>
+          <a:prstGeom prst="rect">
+            <a:avLst/>
+          </a:prstGeom>
         </p:spPr>
       </p:pic>
     </p:spTree>
@@ -5547,7 +5679,7 @@
           <p:cNvPr id="2" name="Title 1">
             <a:extLst>
               <a:ext uri="{FF2B5EF4-FFF2-40B4-BE49-F238E27FC236}">
-                <a16:creationId xmlns:a16="http://schemas.microsoft.com/office/drawing/2014/main" id="{ECFB4E24-6EC9-7010-1B03-53160E8B51A4}"/>
+                <a16:creationId xmlns:a16="http://schemas.microsoft.com/office/drawing/2014/main" id="{09C3301E-B3FB-A011-EDAC-2BCA6D42E7F9}"/>
               </a:ext>
             </a:extLst>
           </p:cNvPr>
@@ -5564,47 +5696,95 @@
           <a:lstStyle/>
           <a:p>
             <a:r>
+              <a:rPr lang="en-US" dirty="0"/>
+              <a:t>r</a:t>
+            </a:r>
+            <a:r>
               <a:rPr lang="en-TH" dirty="0"/>
-              <a:t>Use Case Diagram</a:t>
-            </a:r>
-          </a:p>
-        </p:txBody>
-      </p:sp>
-      <p:pic>
-        <p:nvPicPr>
-          <p:cNvPr id="9" name="Content Placeholder 8" descr="A diagram of a dentist&#10;&#10;Description automatically generated">
-            <a:extLst>
-              <a:ext uri="{FF2B5EF4-FFF2-40B4-BE49-F238E27FC236}">
-                <a16:creationId xmlns:a16="http://schemas.microsoft.com/office/drawing/2014/main" id="{2BB3E750-6964-2D7D-9C3B-A5579C156C9E}"/>
-              </a:ext>
-            </a:extLst>
-          </p:cNvPr>
-          <p:cNvPicPr>
-            <a:picLocks noGrp="1" noChangeAspect="1"/>
-          </p:cNvPicPr>
+              <a:t>outes/booking.js</a:t>
+            </a:r>
+          </a:p>
+        </p:txBody>
+      </p:sp>
+      <p:sp>
+        <p:nvSpPr>
+          <p:cNvPr id="3" name="Content Placeholder 2">
+            <a:extLst>
+              <a:ext uri="{FF2B5EF4-FFF2-40B4-BE49-F238E27FC236}">
+                <a16:creationId xmlns:a16="http://schemas.microsoft.com/office/drawing/2014/main" id="{2702ACBA-B775-61E3-141F-80A24B76B9D2}"/>
+              </a:ext>
+            </a:extLst>
+          </p:cNvPr>
+          <p:cNvSpPr>
+            <a:spLocks noGrp="1"/>
+          </p:cNvSpPr>
           <p:nvPr>
             <p:ph idx="1"/>
           </p:nvPr>
-        </p:nvPicPr>
-        <p:blipFill>
-          <a:blip r:embed="rId2"/>
-          <a:stretch>
-            <a:fillRect/>
-          </a:stretch>
-        </p:blipFill>
+        </p:nvSpPr>
         <p:spPr>
           <a:xfrm>
-            <a:off x="3594595" y="1825625"/>
-            <a:ext cx="5002809" cy="4351338"/>
+            <a:off x="838200" y="1825625"/>
+            <a:ext cx="5810112" cy="4351338"/>
           </a:xfrm>
         </p:spPr>
-      </p:pic>
+        <p:txBody>
+          <a:bodyPr/>
+          <a:lstStyle/>
+          <a:p>
+            <a:r>
+              <a:rPr lang="en-US" dirty="0"/>
+              <a:t>Add </a:t>
+            </a:r>
+            <a:r>
+              <a:rPr lang="en-US" dirty="0" err="1">
+                <a:solidFill>
+                  <a:srgbClr val="0E9ED5"/>
+                </a:solidFill>
+              </a:rPr>
+              <a:t>sendConfirmationEmail</a:t>
+            </a:r>
+            <a:r>
+              <a:rPr lang="en-US" dirty="0">
+                <a:solidFill>
+                  <a:srgbClr val="0E9ED5"/>
+                </a:solidFill>
+              </a:rPr>
+              <a:t> </a:t>
+            </a:r>
+            <a:r>
+              <a:rPr lang="en-US" dirty="0"/>
+              <a:t>to router of </a:t>
+            </a:r>
+            <a:r>
+              <a:rPr lang="en-US" dirty="0" err="1"/>
+              <a:t>addBooking</a:t>
+            </a:r>
+            <a:r>
+              <a:rPr lang="en-US" dirty="0"/>
+              <a:t> and </a:t>
+            </a:r>
+            <a:r>
+              <a:rPr lang="en-US" dirty="0" err="1"/>
+              <a:t>updateBooking</a:t>
+            </a:r>
+            <a:endParaRPr lang="en-US" dirty="0">
+              <a:solidFill>
+                <a:srgbClr val="0E9ED5"/>
+              </a:solidFill>
+            </a:endParaRPr>
+          </a:p>
+          <a:p>
+            <a:endParaRPr lang="en-TH" dirty="0"/>
+          </a:p>
+        </p:txBody>
+      </p:sp>
       <p:sp>
         <p:nvSpPr>
           <p:cNvPr id="4" name="Slide Number Placeholder 3">
             <a:extLst>
               <a:ext uri="{FF2B5EF4-FFF2-40B4-BE49-F238E27FC236}">
-                <a16:creationId xmlns:a16="http://schemas.microsoft.com/office/drawing/2014/main" id="{9899A31C-F329-0E01-CC7A-2C0914736F20}"/>
+                <a16:creationId xmlns:a16="http://schemas.microsoft.com/office/drawing/2014/main" id="{DEE5B130-06CE-5285-E732-B94FB1D797E4}"/>
               </a:ext>
             </a:extLst>
           </p:cNvPr>
@@ -5628,10 +5808,39 @@
           </a:p>
         </p:txBody>
       </p:sp>
+      <p:pic>
+        <p:nvPicPr>
+          <p:cNvPr id="5" name="Picture 4">
+            <a:extLst>
+              <a:ext uri="{FF2B5EF4-FFF2-40B4-BE49-F238E27FC236}">
+                <a16:creationId xmlns:a16="http://schemas.microsoft.com/office/drawing/2014/main" id="{F14E962D-6835-E0D1-D97B-A8225CA6289C}"/>
+              </a:ext>
+            </a:extLst>
+          </p:cNvPr>
+          <p:cNvPicPr>
+            <a:picLocks noChangeAspect="1"/>
+          </p:cNvPicPr>
+          <p:nvPr/>
+        </p:nvPicPr>
+        <p:blipFill rotWithShape="1">
+          <a:blip r:embed="rId2"/>
+          <a:srcRect l="8593" t="10707" r="9054" b="11278"/>
+          <a:stretch/>
+        </p:blipFill>
+        <p:spPr>
+          <a:xfrm>
+            <a:off x="6096000" y="1918263"/>
+            <a:ext cx="5810111" cy="4451163"/>
+          </a:xfrm>
+          <a:prstGeom prst="rect">
+            <a:avLst/>
+          </a:prstGeom>
+        </p:spPr>
+      </p:pic>
     </p:spTree>
     <p:extLst>
       <p:ext uri="{BB962C8B-B14F-4D97-AF65-F5344CB8AC3E}">
-        <p14:creationId xmlns:p14="http://schemas.microsoft.com/office/powerpoint/2010/main" val="2199217852"/>
+        <p14:creationId xmlns:p14="http://schemas.microsoft.com/office/powerpoint/2010/main" val="1064053646"/>
       </p:ext>
     </p:extLst>
   </p:cSld>
@@ -5681,17 +5890,17 @@
           <a:p>
             <a:r>
               <a:rPr lang="en-TH" dirty="0"/>
-              <a:t>Class Diagram</a:t>
+              <a:t>Use Case Diagram</a:t>
             </a:r>
           </a:p>
         </p:txBody>
       </p:sp>
       <p:pic>
         <p:nvPicPr>
-          <p:cNvPr id="6" name="Content Placeholder 5" descr="A diagram of a diagram&#10;&#10;Description automatically generated">
-            <a:extLst>
-              <a:ext uri="{FF2B5EF4-FFF2-40B4-BE49-F238E27FC236}">
-                <a16:creationId xmlns:a16="http://schemas.microsoft.com/office/drawing/2014/main" id="{1071311B-4AAF-0517-2021-60161EF931DD}"/>
+          <p:cNvPr id="9" name="Content Placeholder 8" descr="A diagram of a dentist&#10;&#10;Description automatically generated">
+            <a:extLst>
+              <a:ext uri="{FF2B5EF4-FFF2-40B4-BE49-F238E27FC236}">
+                <a16:creationId xmlns:a16="http://schemas.microsoft.com/office/drawing/2014/main" id="{2BB3E750-6964-2D7D-9C3B-A5579C156C9E}"/>
               </a:ext>
             </a:extLst>
           </p:cNvPr>
@@ -5710,8 +5919,8 @@
         </p:blipFill>
         <p:spPr>
           <a:xfrm>
-            <a:off x="838200" y="3241933"/>
-            <a:ext cx="10515600" cy="1518722"/>
+            <a:off x="3594595" y="1825625"/>
+            <a:ext cx="5002809" cy="4351338"/>
           </a:xfrm>
         </p:spPr>
       </p:pic>
@@ -5747,7 +5956,7 @@
     </p:spTree>
     <p:extLst>
       <p:ext uri="{BB962C8B-B14F-4D97-AF65-F5344CB8AC3E}">
-        <p14:creationId xmlns:p14="http://schemas.microsoft.com/office/powerpoint/2010/main" val="3269546054"/>
+        <p14:creationId xmlns:p14="http://schemas.microsoft.com/office/powerpoint/2010/main" val="2199217852"/>
       </p:ext>
     </p:extLst>
   </p:cSld>
@@ -5797,33 +6006,8 @@
           <a:p>
             <a:r>
               <a:rPr lang="en-TH" dirty="0"/>
-              <a:t>Sequence Diagram</a:t>
-            </a:r>
-          </a:p>
-        </p:txBody>
-      </p:sp>
-      <p:sp>
-        <p:nvSpPr>
-          <p:cNvPr id="3" name="Content Placeholder 2">
-            <a:extLst>
-              <a:ext uri="{FF2B5EF4-FFF2-40B4-BE49-F238E27FC236}">
-                <a16:creationId xmlns:a16="http://schemas.microsoft.com/office/drawing/2014/main" id="{505315AF-D7DD-056E-896F-A11B9FE76964}"/>
-              </a:ext>
-            </a:extLst>
-          </p:cNvPr>
-          <p:cNvSpPr>
-            <a:spLocks noGrp="1"/>
-          </p:cNvSpPr>
-          <p:nvPr>
-            <p:ph idx="1"/>
-          </p:nvPr>
-        </p:nvSpPr>
-        <p:spPr/>
-        <p:txBody>
-          <a:bodyPr/>
-          <a:lstStyle/>
-          <a:p>
-            <a:endParaRPr lang="en-TH"/>
+              <a:t>Class Diagram</a:t>
+            </a:r>
           </a:p>
         </p:txBody>
       </p:sp>
@@ -5856,10 +6040,35 @@
           </a:p>
         </p:txBody>
       </p:sp>
+      <p:sp>
+        <p:nvSpPr>
+          <p:cNvPr id="5" name="Content Placeholder 4">
+            <a:extLst>
+              <a:ext uri="{FF2B5EF4-FFF2-40B4-BE49-F238E27FC236}">
+                <a16:creationId xmlns:a16="http://schemas.microsoft.com/office/drawing/2014/main" id="{43E122D1-2753-9E47-981C-07177B99B27E}"/>
+              </a:ext>
+            </a:extLst>
+          </p:cNvPr>
+          <p:cNvSpPr>
+            <a:spLocks noGrp="1"/>
+          </p:cNvSpPr>
+          <p:nvPr>
+            <p:ph idx="1"/>
+          </p:nvPr>
+        </p:nvSpPr>
+        <p:spPr/>
+        <p:txBody>
+          <a:bodyPr/>
+          <a:lstStyle/>
+          <a:p>
+            <a:endParaRPr lang="en-TH"/>
+          </a:p>
+        </p:txBody>
+      </p:sp>
     </p:spTree>
     <p:extLst>
       <p:ext uri="{BB962C8B-B14F-4D97-AF65-F5344CB8AC3E}">
-        <p14:creationId xmlns:p14="http://schemas.microsoft.com/office/powerpoint/2010/main" val="2465039297"/>
+        <p14:creationId xmlns:p14="http://schemas.microsoft.com/office/powerpoint/2010/main" val="3269546054"/>
       </p:ext>
     </p:extLst>
   </p:cSld>
@@ -5891,7 +6100,7 @@
           <p:cNvPr id="2" name="Title 1">
             <a:extLst>
               <a:ext uri="{FF2B5EF4-FFF2-40B4-BE49-F238E27FC236}">
-                <a16:creationId xmlns:a16="http://schemas.microsoft.com/office/drawing/2014/main" id="{C541F8BD-2728-72CA-A6D9-A32E06F8E6D9}"/>
+                <a16:creationId xmlns:a16="http://schemas.microsoft.com/office/drawing/2014/main" id="{ECFB4E24-6EC9-7010-1B03-53160E8B51A4}"/>
               </a:ext>
             </a:extLst>
           </p:cNvPr>
@@ -5908,35 +6117,9 @@
           <a:lstStyle/>
           <a:p>
             <a:r>
-              <a:rPr lang="th-TH" dirty="0"/>
-              <a:t>การแบ่งงานในทีม</a:t>
-            </a:r>
-            <a:endParaRPr lang="en-TH" dirty="0"/>
-          </a:p>
-        </p:txBody>
-      </p:sp>
-      <p:sp>
-        <p:nvSpPr>
-          <p:cNvPr id="4" name="Text Placeholder 3">
-            <a:extLst>
-              <a:ext uri="{FF2B5EF4-FFF2-40B4-BE49-F238E27FC236}">
-                <a16:creationId xmlns:a16="http://schemas.microsoft.com/office/drawing/2014/main" id="{58D7021F-E227-2ED3-663D-EEA9CE28798E}"/>
-              </a:ext>
-            </a:extLst>
-          </p:cNvPr>
-          <p:cNvSpPr>
-            <a:spLocks noGrp="1"/>
-          </p:cNvSpPr>
-          <p:nvPr>
-            <p:ph type="body" idx="1"/>
-          </p:nvPr>
-        </p:nvSpPr>
-        <p:spPr/>
-        <p:txBody>
-          <a:bodyPr/>
-          <a:lstStyle/>
-          <a:p>
-            <a:endParaRPr lang="en-TH" dirty="0"/>
+              <a:rPr lang="en-TH" dirty="0"/>
+              <a:t>Sequence Diagram</a:t>
+            </a:r>
           </a:p>
         </p:txBody>
       </p:sp>
@@ -5945,161 +6128,32 @@
           <p:cNvPr id="3" name="Content Placeholder 2">
             <a:extLst>
               <a:ext uri="{FF2B5EF4-FFF2-40B4-BE49-F238E27FC236}">
-                <a16:creationId xmlns:a16="http://schemas.microsoft.com/office/drawing/2014/main" id="{C960866A-8B4B-F4A9-DF17-4C56E29DB98E}"/>
-              </a:ext>
-            </a:extLst>
-          </p:cNvPr>
-          <p:cNvSpPr>
-            <a:spLocks noGrp="1"/>
-          </p:cNvSpPr>
-          <p:nvPr>
-            <p:ph sz="half" idx="2"/>
-          </p:nvPr>
-        </p:nvSpPr>
-        <p:spPr/>
-        <p:txBody>
-          <a:bodyPr/>
-          <a:lstStyle/>
-          <a:p>
-            <a:r>
-              <a:rPr lang="th-TH" dirty="0"/>
-              <a:t>แก้ </a:t>
-            </a:r>
-            <a:r>
-              <a:rPr lang="en-TH" dirty="0"/>
-              <a:t>function </a:t>
-            </a:r>
-            <a:r>
-              <a:rPr lang="th-TH" dirty="0"/>
-              <a:t>ให้ตรงตาม </a:t>
-            </a:r>
-            <a:r>
-              <a:rPr lang="en-US" dirty="0"/>
-              <a:t>requirement</a:t>
-            </a:r>
-          </a:p>
-          <a:p>
-            <a:r>
-              <a:rPr lang="th-TH" dirty="0"/>
-              <a:t>เพิ่ม </a:t>
-            </a:r>
-            <a:r>
-              <a:rPr lang="en-US" dirty="0"/>
-              <a:t>additional</a:t>
-            </a:r>
-            <a:endParaRPr lang="th-TH" dirty="0"/>
-          </a:p>
-          <a:p>
-            <a:r>
-              <a:rPr lang="en-US" dirty="0"/>
-              <a:t>Document </a:t>
-            </a:r>
-            <a:r>
-              <a:rPr lang="th-TH" dirty="0"/>
-              <a:t>และ</a:t>
-            </a:r>
-            <a:r>
-              <a:rPr lang="en-US" dirty="0"/>
-              <a:t>VDO</a:t>
-            </a:r>
-            <a:endParaRPr lang="en-TH" dirty="0"/>
-          </a:p>
-        </p:txBody>
-      </p:sp>
-      <p:sp>
-        <p:nvSpPr>
-          <p:cNvPr id="5" name="Text Placeholder 4">
-            <a:extLst>
-              <a:ext uri="{FF2B5EF4-FFF2-40B4-BE49-F238E27FC236}">
-                <a16:creationId xmlns:a16="http://schemas.microsoft.com/office/drawing/2014/main" id="{148A13F9-B544-43FA-8564-2A95082A283E}"/>
-              </a:ext>
-            </a:extLst>
-          </p:cNvPr>
-          <p:cNvSpPr>
-            <a:spLocks noGrp="1"/>
-          </p:cNvSpPr>
-          <p:nvPr>
-            <p:ph type="body" sz="quarter" idx="3"/>
-          </p:nvPr>
-        </p:nvSpPr>
-        <p:spPr/>
-        <p:txBody>
-          <a:bodyPr/>
-          <a:lstStyle/>
-          <a:p>
-            <a:endParaRPr lang="en-TH" dirty="0"/>
-          </a:p>
-        </p:txBody>
-      </p:sp>
-      <p:sp>
-        <p:nvSpPr>
-          <p:cNvPr id="6" name="Content Placeholder 5">
-            <a:extLst>
-              <a:ext uri="{FF2B5EF4-FFF2-40B4-BE49-F238E27FC236}">
-                <a16:creationId xmlns:a16="http://schemas.microsoft.com/office/drawing/2014/main" id="{27DF9C91-0D76-4D70-F674-55D720EF6B52}"/>
-              </a:ext>
-            </a:extLst>
-          </p:cNvPr>
-          <p:cNvSpPr>
-            <a:spLocks noGrp="1"/>
-          </p:cNvSpPr>
-          <p:nvPr>
-            <p:ph sz="quarter" idx="4"/>
-          </p:nvPr>
-        </p:nvSpPr>
-        <p:spPr/>
-        <p:txBody>
-          <a:bodyPr/>
-          <a:lstStyle/>
-          <a:p>
-            <a:r>
-              <a:rPr lang="th-TH" dirty="0"/>
-              <a:t>แก้ตัวแปรจาก</a:t>
-            </a:r>
-            <a:r>
-              <a:rPr lang="en-US" dirty="0"/>
-              <a:t> Hospital </a:t>
-            </a:r>
-            <a:r>
-              <a:rPr lang="th-TH" dirty="0"/>
-              <a:t>ให้เป็น </a:t>
-            </a:r>
-            <a:r>
-              <a:rPr lang="en-US" dirty="0"/>
-              <a:t>Dentist</a:t>
-            </a:r>
-          </a:p>
-          <a:p>
-            <a:r>
-              <a:rPr lang="th-TH" dirty="0"/>
-              <a:t>จัดการไฟล์ให้เป็น </a:t>
-            </a:r>
-            <a:r>
-              <a:rPr lang="en-US" dirty="0"/>
-              <a:t>Module</a:t>
-            </a:r>
-            <a:endParaRPr lang="th-TH" dirty="0"/>
-          </a:p>
-          <a:p>
-            <a:r>
-              <a:rPr lang="en-US" dirty="0"/>
-              <a:t>Runner</a:t>
-            </a:r>
-          </a:p>
-          <a:p>
-            <a:endParaRPr lang="en-US" dirty="0"/>
-          </a:p>
-          <a:p>
-            <a:endParaRPr lang="en-TH" dirty="0"/>
-          </a:p>
-        </p:txBody>
-      </p:sp>
-      <p:sp>
-        <p:nvSpPr>
-          <p:cNvPr id="7" name="Slide Number Placeholder 6">
-            <a:extLst>
-              <a:ext uri="{FF2B5EF4-FFF2-40B4-BE49-F238E27FC236}">
-                <a16:creationId xmlns:a16="http://schemas.microsoft.com/office/drawing/2014/main" id="{41CE06A3-7808-E899-784F-0F0BE44503A2}"/>
+                <a16:creationId xmlns:a16="http://schemas.microsoft.com/office/drawing/2014/main" id="{505315AF-D7DD-056E-896F-A11B9FE76964}"/>
+              </a:ext>
+            </a:extLst>
+          </p:cNvPr>
+          <p:cNvSpPr>
+            <a:spLocks noGrp="1"/>
+          </p:cNvSpPr>
+          <p:nvPr>
+            <p:ph idx="1"/>
+          </p:nvPr>
+        </p:nvSpPr>
+        <p:spPr/>
+        <p:txBody>
+          <a:bodyPr/>
+          <a:lstStyle/>
+          <a:p>
+            <a:endParaRPr lang="en-TH"/>
+          </a:p>
+        </p:txBody>
+      </p:sp>
+      <p:sp>
+        <p:nvSpPr>
+          <p:cNvPr id="4" name="Slide Number Placeholder 3">
+            <a:extLst>
+              <a:ext uri="{FF2B5EF4-FFF2-40B4-BE49-F238E27FC236}">
+                <a16:creationId xmlns:a16="http://schemas.microsoft.com/office/drawing/2014/main" id="{9899A31C-F329-0E01-CC7A-2C0914736F20}"/>
               </a:ext>
             </a:extLst>
           </p:cNvPr>
@@ -6126,7 +6180,7 @@
     </p:spTree>
     <p:extLst>
       <p:ext uri="{BB962C8B-B14F-4D97-AF65-F5344CB8AC3E}">
-        <p14:creationId xmlns:p14="http://schemas.microsoft.com/office/powerpoint/2010/main" val="4071241269"/>
+        <p14:creationId xmlns:p14="http://schemas.microsoft.com/office/powerpoint/2010/main" val="2465039297"/>
       </p:ext>
     </p:extLst>
   </p:cSld>
@@ -6252,7 +6306,11 @@
               <a:buAutoNum type="arabicPeriod"/>
             </a:pPr>
             <a:r>
-              <a:rPr lang="en-US" sz="1600" dirty="0"/>
+              <a:rPr lang="en-US" sz="1600" dirty="0">
+                <a:solidFill>
+                  <a:srgbClr val="0E9ED5"/>
+                </a:solidFill>
+              </a:rPr>
               <a:t>After login, the system shall allow the registered user to book only ONE session by specifying the date and the preferred dentist. The dentist list is also provided to the user. A dentist information includes the dentist’s name, years of experience, and area of expertise. </a:t>
             </a:r>
           </a:p>
@@ -6395,7 +6453,7 @@
           <p:cNvPr id="2" name="Title 1">
             <a:extLst>
               <a:ext uri="{FF2B5EF4-FFF2-40B4-BE49-F238E27FC236}">
-                <a16:creationId xmlns:a16="http://schemas.microsoft.com/office/drawing/2014/main" id="{49AEEBBE-545B-1B25-22C8-0EA7962FEFDA}"/>
+                <a16:creationId xmlns:a16="http://schemas.microsoft.com/office/drawing/2014/main" id="{C541F8BD-2728-72CA-A6D9-A32E06F8E6D9}"/>
               </a:ext>
             </a:extLst>
           </p:cNvPr>
@@ -6412,53 +6470,252 @@
           <a:lstStyle/>
           <a:p>
             <a:r>
+              <a:rPr lang="th-TH" dirty="0"/>
+              <a:t>การแบ่งงานในทีม</a:t>
+            </a:r>
+            <a:endParaRPr lang="en-TH" dirty="0"/>
+          </a:p>
+        </p:txBody>
+      </p:sp>
+      <p:sp>
+        <p:nvSpPr>
+          <p:cNvPr id="4" name="Text Placeholder 3">
+            <a:extLst>
+              <a:ext uri="{FF2B5EF4-FFF2-40B4-BE49-F238E27FC236}">
+                <a16:creationId xmlns:a16="http://schemas.microsoft.com/office/drawing/2014/main" id="{58D7021F-E227-2ED3-663D-EEA9CE28798E}"/>
+              </a:ext>
+            </a:extLst>
+          </p:cNvPr>
+          <p:cNvSpPr>
+            <a:spLocks noGrp="1"/>
+          </p:cNvSpPr>
+          <p:nvPr>
+            <p:ph type="body" idx="1"/>
+          </p:nvPr>
+        </p:nvSpPr>
+        <p:spPr/>
+        <p:txBody>
+          <a:bodyPr/>
+          <a:lstStyle/>
+          <a:p>
+            <a:r>
+              <a:rPr lang="en-TH" sz="2400" dirty="0">
+                <a:solidFill>
+                  <a:srgbClr val="0E9ED5"/>
+                </a:solidFill>
+              </a:rPr>
+              <a:t>Waranthorn Chansawang 6432154921</a:t>
+            </a:r>
+          </a:p>
+        </p:txBody>
+      </p:sp>
+      <p:sp>
+        <p:nvSpPr>
+          <p:cNvPr id="3" name="Content Placeholder 2">
+            <a:extLst>
+              <a:ext uri="{FF2B5EF4-FFF2-40B4-BE49-F238E27FC236}">
+                <a16:creationId xmlns:a16="http://schemas.microsoft.com/office/drawing/2014/main" id="{C960866A-8B4B-F4A9-DF17-4C56E29DB98E}"/>
+              </a:ext>
+            </a:extLst>
+          </p:cNvPr>
+          <p:cNvSpPr>
+            <a:spLocks noGrp="1"/>
+          </p:cNvSpPr>
+          <p:nvPr>
+            <p:ph sz="half" idx="2"/>
+          </p:nvPr>
+        </p:nvSpPr>
+        <p:spPr/>
+        <p:txBody>
+          <a:bodyPr/>
+          <a:lstStyle/>
+          <a:p>
+            <a:r>
+              <a:rPr lang="th-TH" dirty="0"/>
+              <a:t>แก้ </a:t>
+            </a:r>
+            <a:r>
+              <a:rPr lang="en-TH" dirty="0"/>
+              <a:t>function </a:t>
+            </a:r>
+            <a:r>
+              <a:rPr lang="th-TH" dirty="0"/>
+              <a:t>ให้ใช้งานได้ตรงตาม </a:t>
+            </a:r>
+            <a:r>
               <a:rPr lang="en-US" dirty="0"/>
-              <a:t>VDO Link</a:t>
+              <a:t>requirement</a:t>
+            </a:r>
+          </a:p>
+          <a:p>
+            <a:r>
+              <a:rPr lang="th-TH" dirty="0"/>
+              <a:t>เพิ่ม </a:t>
+            </a:r>
+            <a:r>
+              <a:rPr lang="en-US" dirty="0"/>
+              <a:t>Additional</a:t>
+            </a:r>
+            <a:r>
+              <a:rPr lang="th-TH" dirty="0"/>
+              <a:t> </a:t>
+            </a:r>
+            <a:r>
+              <a:rPr lang="en-US" dirty="0"/>
+              <a:t>Requirement</a:t>
+            </a:r>
+            <a:endParaRPr lang="th-TH" dirty="0"/>
+          </a:p>
+          <a:p>
+            <a:r>
+              <a:rPr lang="th-TH" dirty="0"/>
+              <a:t>ทำ </a:t>
+            </a:r>
+            <a:r>
+              <a:rPr lang="en-US" dirty="0"/>
+              <a:t>Document </a:t>
+            </a:r>
+            <a:r>
+              <a:rPr lang="th-TH" dirty="0"/>
+              <a:t>และ</a:t>
+            </a:r>
+            <a:r>
+              <a:rPr lang="en-US" dirty="0"/>
+              <a:t>VDO</a:t>
             </a:r>
             <a:endParaRPr lang="en-TH" dirty="0"/>
           </a:p>
         </p:txBody>
       </p:sp>
-      <p:pic>
-        <p:nvPicPr>
-          <p:cNvPr id="5" name="Online Media 4" descr="Laewtae: Additional Requirement">
-            <a:hlinkClick r:id="" action="ppaction://media"/>
-            <a:extLst>
-              <a:ext uri="{FF2B5EF4-FFF2-40B4-BE49-F238E27FC236}">
-                <a16:creationId xmlns:a16="http://schemas.microsoft.com/office/drawing/2014/main" id="{FC4F522E-CEF4-DC54-8EB7-54759455FA14}"/>
-              </a:ext>
-            </a:extLst>
-          </p:cNvPr>
-          <p:cNvPicPr>
-            <a:picLocks noGrp="1" noRot="1" noChangeAspect="1"/>
-          </p:cNvPicPr>
-          <p:nvPr>
-            <p:ph idx="1"/>
-            <a:videoFile r:link="rId1"/>
-          </p:nvPr>
-        </p:nvPicPr>
-        <p:blipFill>
-          <a:blip r:embed="rId3"/>
-          <a:stretch>
-            <a:fillRect/>
-          </a:stretch>
-        </p:blipFill>
-        <p:spPr>
-          <a:xfrm>
-            <a:off x="2245519" y="1488168"/>
-            <a:ext cx="7700962" cy="4351338"/>
-          </a:xfrm>
-          <a:prstGeom prst="rect">
-            <a:avLst/>
-          </a:prstGeom>
-        </p:spPr>
-      </p:pic>
-      <p:sp>
-        <p:nvSpPr>
-          <p:cNvPr id="4" name="Slide Number Placeholder 3">
-            <a:extLst>
-              <a:ext uri="{FF2B5EF4-FFF2-40B4-BE49-F238E27FC236}">
-                <a16:creationId xmlns:a16="http://schemas.microsoft.com/office/drawing/2014/main" id="{6D5DDC41-6736-BEA3-57DC-57786C71BDC7}"/>
+      <p:sp>
+        <p:nvSpPr>
+          <p:cNvPr id="5" name="Text Placeholder 4">
+            <a:extLst>
+              <a:ext uri="{FF2B5EF4-FFF2-40B4-BE49-F238E27FC236}">
+                <a16:creationId xmlns:a16="http://schemas.microsoft.com/office/drawing/2014/main" id="{148A13F9-B544-43FA-8564-2A95082A283E}"/>
+              </a:ext>
+            </a:extLst>
+          </p:cNvPr>
+          <p:cNvSpPr>
+            <a:spLocks noGrp="1"/>
+          </p:cNvSpPr>
+          <p:nvPr>
+            <p:ph type="body" sz="quarter" idx="3"/>
+          </p:nvPr>
+        </p:nvSpPr>
+        <p:spPr/>
+        <p:txBody>
+          <a:bodyPr/>
+          <a:lstStyle/>
+          <a:p>
+            <a:r>
+              <a:rPr lang="en-US" sz="2400" dirty="0">
+                <a:solidFill>
+                  <a:srgbClr val="0E9ED5"/>
+                </a:solidFill>
+              </a:rPr>
+              <a:t>Nattapong Anansomsin </a:t>
+            </a:r>
+            <a:r>
+              <a:rPr lang="en-TH" sz="2400" dirty="0">
+                <a:solidFill>
+                  <a:srgbClr val="0E9ED5"/>
+                </a:solidFill>
+              </a:rPr>
+              <a:t>6431317721</a:t>
+            </a:r>
+          </a:p>
+        </p:txBody>
+      </p:sp>
+      <p:sp>
+        <p:nvSpPr>
+          <p:cNvPr id="6" name="Content Placeholder 5">
+            <a:extLst>
+              <a:ext uri="{FF2B5EF4-FFF2-40B4-BE49-F238E27FC236}">
+                <a16:creationId xmlns:a16="http://schemas.microsoft.com/office/drawing/2014/main" id="{27DF9C91-0D76-4D70-F674-55D720EF6B52}"/>
+              </a:ext>
+            </a:extLst>
+          </p:cNvPr>
+          <p:cNvSpPr>
+            <a:spLocks noGrp="1"/>
+          </p:cNvSpPr>
+          <p:nvPr>
+            <p:ph sz="quarter" idx="4"/>
+          </p:nvPr>
+        </p:nvSpPr>
+        <p:spPr/>
+        <p:txBody>
+          <a:bodyPr/>
+          <a:lstStyle/>
+          <a:p>
+            <a:r>
+              <a:rPr lang="th-TH" dirty="0"/>
+              <a:t>แก้ไฟล์และตัวแปรจาก</a:t>
+            </a:r>
+            <a:r>
+              <a:rPr lang="en-US" dirty="0"/>
+              <a:t> Hospital </a:t>
+            </a:r>
+            <a:r>
+              <a:rPr lang="th-TH" dirty="0"/>
+              <a:t>ให้เป็น </a:t>
+            </a:r>
+            <a:r>
+              <a:rPr lang="en-US" dirty="0"/>
+              <a:t>Dentist</a:t>
+            </a:r>
+          </a:p>
+          <a:p>
+            <a:r>
+              <a:rPr lang="th-TH" dirty="0"/>
+              <a:t>จัดการไฟล์</a:t>
+            </a:r>
+            <a:r>
+              <a:rPr lang="en-US" dirty="0"/>
+              <a:t> Additional</a:t>
+            </a:r>
+            <a:r>
+              <a:rPr lang="th-TH" dirty="0"/>
+              <a:t> </a:t>
+            </a:r>
+            <a:r>
+              <a:rPr lang="en-US" dirty="0"/>
+              <a:t>Requirement </a:t>
+            </a:r>
+            <a:r>
+              <a:rPr lang="th-TH" dirty="0"/>
+              <a:t>ให้เป็น </a:t>
+            </a:r>
+            <a:r>
+              <a:rPr lang="en-US" dirty="0"/>
+              <a:t>Module</a:t>
+            </a:r>
+            <a:endParaRPr lang="th-TH" dirty="0"/>
+          </a:p>
+          <a:p>
+            <a:r>
+              <a:rPr lang="th-TH" dirty="0"/>
+              <a:t>ทำ </a:t>
+            </a:r>
+            <a:r>
+              <a:rPr lang="en-US" dirty="0"/>
+              <a:t>Runner</a:t>
+            </a:r>
+          </a:p>
+          <a:p>
+            <a:endParaRPr lang="en-US" dirty="0"/>
+          </a:p>
+          <a:p>
+            <a:endParaRPr lang="en-TH" dirty="0"/>
+          </a:p>
+        </p:txBody>
+      </p:sp>
+      <p:sp>
+        <p:nvSpPr>
+          <p:cNvPr id="7" name="Slide Number Placeholder 6">
+            <a:extLst>
+              <a:ext uri="{FF2B5EF4-FFF2-40B4-BE49-F238E27FC236}">
+                <a16:creationId xmlns:a16="http://schemas.microsoft.com/office/drawing/2014/main" id="{41CE06A3-7808-E899-784F-0F0BE44503A2}"/>
               </a:ext>
             </a:extLst>
           </p:cNvPr>
@@ -6477,6 +6734,94 @@
             <a:fld id="{B4E24458-4BE4-1B4B-9639-224393D77E05}" type="slidenum">
               <a:rPr lang="en-TH" smtClean="0"/>
               <a:t>20</a:t>
+            </a:fld>
+            <a:endParaRPr lang="en-TH"/>
+          </a:p>
+        </p:txBody>
+      </p:sp>
+    </p:spTree>
+    <p:extLst>
+      <p:ext uri="{BB962C8B-B14F-4D97-AF65-F5344CB8AC3E}">
+        <p14:creationId xmlns:p14="http://schemas.microsoft.com/office/powerpoint/2010/main" val="4071241269"/>
+      </p:ext>
+    </p:extLst>
+  </p:cSld>
+  <p:clrMapOvr>
+    <a:masterClrMapping/>
+  </p:clrMapOvr>
+</p:sld>
+</file>
+
+<file path=ppt/slides/slide21.xml><?xml version="1.0" encoding="utf-8"?>
+<p:sld xmlns:a="http://schemas.openxmlformats.org/drawingml/2006/main" xmlns:r="http://schemas.openxmlformats.org/officeDocument/2006/relationships" xmlns:p="http://schemas.openxmlformats.org/presentationml/2006/main">
+  <p:cSld>
+    <p:spTree>
+      <p:nvGrpSpPr>
+        <p:cNvPr id="1" name=""/>
+        <p:cNvGrpSpPr/>
+        <p:nvPr/>
+      </p:nvGrpSpPr>
+      <p:grpSpPr>
+        <a:xfrm>
+          <a:off x="0" y="0"/>
+          <a:ext cx="0" cy="0"/>
+          <a:chOff x="0" y="0"/>
+          <a:chExt cx="0" cy="0"/>
+        </a:xfrm>
+      </p:grpSpPr>
+      <p:sp>
+        <p:nvSpPr>
+          <p:cNvPr id="2" name="Title 1">
+            <a:extLst>
+              <a:ext uri="{FF2B5EF4-FFF2-40B4-BE49-F238E27FC236}">
+                <a16:creationId xmlns:a16="http://schemas.microsoft.com/office/drawing/2014/main" id="{49AEEBBE-545B-1B25-22C8-0EA7962FEFDA}"/>
+              </a:ext>
+            </a:extLst>
+          </p:cNvPr>
+          <p:cNvSpPr>
+            <a:spLocks noGrp="1"/>
+          </p:cNvSpPr>
+          <p:nvPr>
+            <p:ph type="title"/>
+          </p:nvPr>
+        </p:nvSpPr>
+        <p:spPr/>
+        <p:txBody>
+          <a:bodyPr/>
+          <a:lstStyle/>
+          <a:p>
+            <a:r>
+              <a:rPr lang="en-US" dirty="0"/>
+              <a:t>VDO Link</a:t>
+            </a:r>
+            <a:endParaRPr lang="en-TH" dirty="0"/>
+          </a:p>
+        </p:txBody>
+      </p:sp>
+      <p:sp>
+        <p:nvSpPr>
+          <p:cNvPr id="4" name="Slide Number Placeholder 3">
+            <a:extLst>
+              <a:ext uri="{FF2B5EF4-FFF2-40B4-BE49-F238E27FC236}">
+                <a16:creationId xmlns:a16="http://schemas.microsoft.com/office/drawing/2014/main" id="{6D5DDC41-6736-BEA3-57DC-57786C71BDC7}"/>
+              </a:ext>
+            </a:extLst>
+          </p:cNvPr>
+          <p:cNvSpPr>
+            <a:spLocks noGrp="1"/>
+          </p:cNvSpPr>
+          <p:nvPr>
+            <p:ph type="sldNum" sz="quarter" idx="12"/>
+          </p:nvPr>
+        </p:nvSpPr>
+        <p:spPr/>
+        <p:txBody>
+          <a:bodyPr/>
+          <a:lstStyle/>
+          <a:p>
+            <a:fld id="{B4E24458-4BE4-1B4B-9639-224393D77E05}" type="slidenum">
+              <a:rPr lang="en-TH" smtClean="0"/>
+              <a:t>21</a:t>
             </a:fld>
             <a:endParaRPr lang="en-TH"/>
           </a:p>
@@ -6512,15 +6857,67 @@
           <a:p>
             <a:pPr algn="ctr"/>
             <a:r>
-              <a:rPr lang="en-TH" dirty="0">
+              <a:rPr lang="en-US" dirty="0">
                 <a:latin typeface="SUKHUMVITSET-TEXT" panose="02000506000000020004" pitchFamily="2" charset="-34"/>
                 <a:cs typeface="SUKHUMVITSET-TEXT" panose="02000506000000020004" pitchFamily="2" charset="-34"/>
               </a:rPr>
-              <a:t>https://youtu.be/B-8vtgVCui0</a:t>
-            </a:r>
-          </a:p>
-        </p:txBody>
-      </p:sp>
+              <a:t>https://</a:t>
+            </a:r>
+            <a:r>
+              <a:rPr lang="en-US" dirty="0" err="1">
+                <a:latin typeface="SUKHUMVITSET-TEXT" panose="02000506000000020004" pitchFamily="2" charset="-34"/>
+                <a:cs typeface="SUKHUMVITSET-TEXT" panose="02000506000000020004" pitchFamily="2" charset="-34"/>
+              </a:rPr>
+              <a:t>youtu.be</a:t>
+            </a:r>
+            <a:r>
+              <a:rPr lang="en-US" dirty="0">
+                <a:latin typeface="SUKHUMVITSET-TEXT" panose="02000506000000020004" pitchFamily="2" charset="-34"/>
+                <a:cs typeface="SUKHUMVITSET-TEXT" panose="02000506000000020004" pitchFamily="2" charset="-34"/>
+              </a:rPr>
+              <a:t>/sCq5MmsQzfU</a:t>
+            </a:r>
+            <a:endParaRPr lang="en-TH" dirty="0">
+              <a:latin typeface="SUKHUMVITSET-TEXT" panose="02000506000000020004" pitchFamily="2" charset="-34"/>
+              <a:cs typeface="SUKHUMVITSET-TEXT" panose="02000506000000020004" pitchFamily="2" charset="-34"/>
+            </a:endParaRPr>
+          </a:p>
+        </p:txBody>
+      </p:sp>
+      <p:pic>
+        <p:nvPicPr>
+          <p:cNvPr id="8" name="Online Media 7" descr="แล้วแต่: Additional Requirement">
+            <a:hlinkClick r:id="" action="ppaction://media"/>
+            <a:extLst>
+              <a:ext uri="{FF2B5EF4-FFF2-40B4-BE49-F238E27FC236}">
+                <a16:creationId xmlns:a16="http://schemas.microsoft.com/office/drawing/2014/main" id="{A1244808-66C5-277C-924C-31E2B85DA9E3}"/>
+              </a:ext>
+            </a:extLst>
+          </p:cNvPr>
+          <p:cNvPicPr>
+            <a:picLocks noGrp="1" noRot="1" noChangeAspect="1"/>
+          </p:cNvPicPr>
+          <p:nvPr>
+            <p:ph idx="1"/>
+            <a:videoFile r:link="rId1"/>
+          </p:nvPr>
+        </p:nvPicPr>
+        <p:blipFill>
+          <a:blip r:embed="rId3"/>
+          <a:stretch>
+            <a:fillRect/>
+          </a:stretch>
+        </p:blipFill>
+        <p:spPr>
+          <a:xfrm>
+            <a:off x="2465475" y="1549580"/>
+            <a:ext cx="7700962" cy="4351338"/>
+          </a:xfrm>
+          <a:prstGeom prst="rect">
+            <a:avLst/>
+          </a:prstGeom>
+        </p:spPr>
+      </p:pic>
     </p:spTree>
     <p:extLst>
       <p:ext uri="{BB962C8B-B14F-4D97-AF65-F5344CB8AC3E}">
@@ -6561,7 +6958,7 @@
                                       <p:cBhvr>
                                         <p:cTn id="6" dur="1" fill="hold"/>
                                         <p:tgtEl>
-                                          <p:spTgt spid="5"/>
+                                          <p:spTgt spid="8"/>
                                         </p:tgtEl>
                                       </p:cBhvr>
                                     </p:cmd>
@@ -6599,7 +6996,7 @@
                   </p:stCondLst>
                 </p:cTn>
                 <p:tgtEl>
-                  <p:spTgt spid="5"/>
+                  <p:spTgt spid="8"/>
                 </p:tgtEl>
               </p:cMediaNode>
             </p:video>
@@ -6608,7 +7005,7 @@
                 <p:stCondLst>
                   <p:cond evt="onClick" delay="0">
                     <p:tgtEl>
-                      <p:spTgt spid="5"/>
+                      <p:spTgt spid="8"/>
                     </p:tgtEl>
                   </p:cond>
                 </p:stCondLst>
@@ -6638,7 +7035,7 @@
                                       <p:cBhvr>
                                         <p:cTn id="12" dur="1" fill="hold"/>
                                         <p:tgtEl>
-                                          <p:spTgt spid="5"/>
+                                          <p:spTgt spid="8"/>
                                         </p:tgtEl>
                                       </p:cBhvr>
                                     </p:cmd>
@@ -6656,7 +7053,7 @@
               <p:nextCondLst>
                 <p:cond evt="onClick" delay="0">
                   <p:tgtEl>
-                    <p:spTgt spid="5"/>
+                    <p:spTgt spid="8"/>
                   </p:tgtEl>
                 </p:cond>
               </p:nextCondLst>
@@ -6669,7 +7066,7 @@
 </p:sld>
 </file>
 
-<file path=ppt/slides/slide21.xml><?xml version="1.0" encoding="utf-8"?>
+<file path=ppt/slides/slide22.xml><?xml version="1.0" encoding="utf-8"?>
 <p:sld xmlns:a="http://schemas.openxmlformats.org/drawingml/2006/main" xmlns:r="http://schemas.openxmlformats.org/officeDocument/2006/relationships" xmlns:p="http://schemas.openxmlformats.org/presentationml/2006/main">
   <p:cSld>
     <p:spTree>
@@ -6762,7 +7159,7 @@
           <a:p>
             <a:fld id="{B4E24458-4BE4-1B4B-9639-224393D77E05}" type="slidenum">
               <a:rPr lang="en-TH" smtClean="0"/>
-              <a:t>21</a:t>
+              <a:t>22</a:t>
             </a:fld>
             <a:endParaRPr lang="en-TH"/>
           </a:p>
@@ -7478,7 +7875,7 @@
                   <a:latin typeface="SUKHUMVITSET-TEXT" panose="02000506000000020004" pitchFamily="2" charset="-34"/>
                   <a:cs typeface="SUKHUMVITSET-TEXT" panose="02000506000000020004" pitchFamily="2" charset="-34"/>
                 </a:rPr>
-                <a:t>Dentist</a:t>
+                <a:t>Dentist.js</a:t>
               </a:r>
             </a:p>
           </p:txBody>
@@ -7543,7 +7940,7 @@
                   <a:latin typeface="SUKHUMVITSET-TEXT" panose="02000506000000020004" pitchFamily="2" charset="-34"/>
                   <a:cs typeface="SUKHUMVITSET-TEXT" panose="02000506000000020004" pitchFamily="2" charset="-34"/>
                 </a:rPr>
-                <a:t>User</a:t>
+                <a:t>User.js</a:t>
               </a:r>
             </a:p>
           </p:txBody>
@@ -7688,7 +8085,7 @@
                   <a:latin typeface="SUKHUMVITSET-TEXT" panose="02000506000000020004" pitchFamily="2" charset="-34"/>
                   <a:cs typeface="SUKHUMVITSET-TEXT" panose="02000506000000020004" pitchFamily="2" charset="-34"/>
                 </a:rPr>
-                <a:t>appointments</a:t>
+                <a:t>booking</a:t>
               </a:r>
             </a:p>
           </p:txBody>
@@ -7980,7 +8377,27 @@
             </a:r>
             <a:r>
               <a:rPr lang="en-TH" dirty="0"/>
-              <a:t>odify from model/Hospital.js</a:t>
+              <a:t>odify from </a:t>
+            </a:r>
+            <a:r>
+              <a:rPr lang="en-TH" dirty="0">
+                <a:solidFill>
+                  <a:srgbClr val="0E9ED5"/>
+                </a:solidFill>
+              </a:rPr>
+              <a:t>model/Hospital.js </a:t>
+            </a:r>
+            <a:r>
+              <a:rPr lang="en-TH" dirty="0"/>
+              <a:t>to </a:t>
+            </a:r>
+            <a:r>
+              <a:rPr lang="en-TH" dirty="0">
+                <a:solidFill>
+                  <a:srgbClr val="0E9ED5"/>
+                </a:solidFill>
+              </a:rPr>
+              <a:t>model/Dentist.js</a:t>
             </a:r>
           </a:p>
         </p:txBody>
@@ -8006,20 +8423,49 @@
         </p:blipFill>
         <p:spPr>
           <a:xfrm>
-            <a:off x="517358" y="2298808"/>
-            <a:ext cx="4592052" cy="4379928"/>
+            <a:off x="741644" y="2321035"/>
+            <a:ext cx="4529095" cy="4319879"/>
           </a:xfrm>
           <a:prstGeom prst="rect">
             <a:avLst/>
           </a:prstGeom>
         </p:spPr>
       </p:pic>
+      <p:sp>
+        <p:nvSpPr>
+          <p:cNvPr id="8" name="Slide Number Placeholder 7">
+            <a:extLst>
+              <a:ext uri="{FF2B5EF4-FFF2-40B4-BE49-F238E27FC236}">
+                <a16:creationId xmlns:a16="http://schemas.microsoft.com/office/drawing/2014/main" id="{694713AA-F647-6466-600C-97F6E0B09569}"/>
+              </a:ext>
+            </a:extLst>
+          </p:cNvPr>
+          <p:cNvSpPr>
+            <a:spLocks noGrp="1"/>
+          </p:cNvSpPr>
+          <p:nvPr>
+            <p:ph type="sldNum" sz="quarter" idx="12"/>
+          </p:nvPr>
+        </p:nvSpPr>
+        <p:spPr/>
+        <p:txBody>
+          <a:bodyPr/>
+          <a:lstStyle/>
+          <a:p>
+            <a:fld id="{B4E24458-4BE4-1B4B-9639-224393D77E05}" type="slidenum">
+              <a:rPr lang="en-TH" smtClean="0"/>
+              <a:t>7</a:t>
+            </a:fld>
+            <a:endParaRPr lang="en-TH"/>
+          </a:p>
+        </p:txBody>
+      </p:sp>
       <p:pic>
         <p:nvPicPr>
-          <p:cNvPr id="7" name="Picture 6">
-            <a:extLst>
-              <a:ext uri="{FF2B5EF4-FFF2-40B4-BE49-F238E27FC236}">
-                <a16:creationId xmlns:a16="http://schemas.microsoft.com/office/drawing/2014/main" id="{239B7CAE-27F9-31B0-3BAD-927D26839CDA}"/>
+          <p:cNvPr id="4" name="Picture 3">
+            <a:extLst>
+              <a:ext uri="{FF2B5EF4-FFF2-40B4-BE49-F238E27FC236}">
+                <a16:creationId xmlns:a16="http://schemas.microsoft.com/office/drawing/2014/main" id="{E95896C1-2780-3EE7-28D5-ED8718C4494F}"/>
               </a:ext>
             </a:extLst>
           </p:cNvPr>
@@ -8030,48 +8476,19 @@
         </p:nvPicPr>
         <p:blipFill rotWithShape="1">
           <a:blip r:embed="rId3"/>
-          <a:srcRect l="8101" t="9879" r="7895" b="14835"/>
+          <a:srcRect l="8195" t="10899" r="8454" b="11010"/>
           <a:stretch/>
         </p:blipFill>
         <p:spPr>
           <a:xfrm>
-            <a:off x="5670884" y="2298808"/>
-            <a:ext cx="6302472" cy="4351338"/>
+            <a:off x="5926347" y="2327398"/>
+            <a:ext cx="5705163" cy="4313516"/>
           </a:xfrm>
           <a:prstGeom prst="rect">
             <a:avLst/>
           </a:prstGeom>
         </p:spPr>
       </p:pic>
-      <p:sp>
-        <p:nvSpPr>
-          <p:cNvPr id="8" name="Slide Number Placeholder 7">
-            <a:extLst>
-              <a:ext uri="{FF2B5EF4-FFF2-40B4-BE49-F238E27FC236}">
-                <a16:creationId xmlns:a16="http://schemas.microsoft.com/office/drawing/2014/main" id="{694713AA-F647-6466-600C-97F6E0B09569}"/>
-              </a:ext>
-            </a:extLst>
-          </p:cNvPr>
-          <p:cNvSpPr>
-            <a:spLocks noGrp="1"/>
-          </p:cNvSpPr>
-          <p:nvPr>
-            <p:ph type="sldNum" sz="quarter" idx="12"/>
-          </p:nvPr>
-        </p:nvSpPr>
-        <p:spPr/>
-        <p:txBody>
-          <a:bodyPr/>
-          <a:lstStyle/>
-          <a:p>
-            <a:fld id="{B4E24458-4BE4-1B4B-9639-224393D77E05}" type="slidenum">
-              <a:rPr lang="en-TH" smtClean="0"/>
-              <a:t>7</a:t>
-            </a:fld>
-            <a:endParaRPr lang="en-TH"/>
-          </a:p>
-        </p:txBody>
-      </p:sp>
     </p:spTree>
     <p:extLst>
       <p:ext uri="{BB962C8B-B14F-4D97-AF65-F5344CB8AC3E}">
@@ -8151,7 +8568,22 @@
           <a:bodyPr/>
           <a:lstStyle/>
           <a:p>
-            <a:endParaRPr lang="en-TH"/>
+            <a:r>
+              <a:rPr lang="en-TH" dirty="0"/>
+              <a:t>Add </a:t>
+            </a:r>
+            <a:r>
+              <a:rPr lang="en-TH" dirty="0">
+                <a:solidFill>
+                  <a:srgbClr val="0E9ED5"/>
+                </a:solidFill>
+              </a:rPr>
+              <a:t>tel</a:t>
+            </a:r>
+            <a:r>
+              <a:rPr lang="en-TH" dirty="0"/>
+              <a:t> for user</a:t>
+            </a:r>
           </a:p>
         </p:txBody>
       </p:sp>
@@ -8176,8 +8608,8 @@
         </p:blipFill>
         <p:spPr>
           <a:xfrm>
-            <a:off x="1865245" y="1825625"/>
-            <a:ext cx="8461509" cy="4486275"/>
+            <a:off x="2281811" y="2448324"/>
+            <a:ext cx="7628378" cy="4044551"/>
           </a:xfrm>
           <a:prstGeom prst="rect">
             <a:avLst/>
@@ -8270,7 +8702,7 @@
             </a:r>
             <a:r>
               <a:rPr lang="en-US" dirty="0" err="1"/>
-              <a:t>appointments.js</a:t>
+              <a:t>booking.js</a:t>
             </a:r>
             <a:endParaRPr lang="en-TH" dirty="0"/>
           </a:p>
@@ -8292,12 +8724,92 @@
             <p:ph idx="1"/>
           </p:nvPr>
         </p:nvSpPr>
-        <p:spPr/>
-        <p:txBody>
-          <a:bodyPr/>
-          <a:lstStyle/>
-          <a:p>
-            <a:endParaRPr lang="en-TH" dirty="0"/>
+        <p:spPr>
+          <a:xfrm>
+            <a:off x="838200" y="1825625"/>
+            <a:ext cx="6172200" cy="4667250"/>
+          </a:xfrm>
+        </p:spPr>
+        <p:txBody>
+          <a:bodyPr>
+            <a:normAutofit lnSpcReduction="10000"/>
+          </a:bodyPr>
+          <a:lstStyle/>
+          <a:p>
+            <a:r>
+              <a:rPr lang="en-US" dirty="0"/>
+              <a:t>Modify from </a:t>
+            </a:r>
+            <a:r>
+              <a:rPr lang="en-US" dirty="0">
+                <a:solidFill>
+                  <a:srgbClr val="0E9ED5"/>
+                </a:solidFill>
+              </a:rPr>
+              <a:t>controllers/appointments.js </a:t>
+            </a:r>
+            <a:r>
+              <a:rPr lang="en-US" dirty="0"/>
+              <a:t>to </a:t>
+            </a:r>
+            <a:r>
+              <a:rPr lang="en-US" dirty="0">
+                <a:solidFill>
+                  <a:srgbClr val="0E9ED5"/>
+                </a:solidFill>
+              </a:rPr>
+              <a:t>controllers/booking.js</a:t>
+            </a:r>
+          </a:p>
+          <a:p>
+            <a:r>
+              <a:rPr lang="en-US" dirty="0"/>
+              <a:t>Modify</a:t>
+            </a:r>
+            <a:r>
+              <a:rPr lang="en-US" dirty="0">
+                <a:solidFill>
+                  <a:srgbClr val="0E9ED5"/>
+                </a:solidFill>
+              </a:rPr>
+              <a:t> </a:t>
+            </a:r>
+            <a:r>
+              <a:rPr lang="en-US" dirty="0" err="1">
+                <a:solidFill>
+                  <a:srgbClr val="0E9ED5"/>
+                </a:solidFill>
+              </a:rPr>
+              <a:t>addBooking</a:t>
+            </a:r>
+            <a:r>
+              <a:rPr lang="en-US" dirty="0">
+                <a:solidFill>
+                  <a:srgbClr val="0E9ED5"/>
+                </a:solidFill>
+              </a:rPr>
+              <a:t> </a:t>
+            </a:r>
+            <a:r>
+              <a:rPr lang="en-US" dirty="0"/>
+              <a:t>for the requirement</a:t>
+            </a:r>
+            <a:r>
+              <a:rPr lang="en-US" dirty="0">
+                <a:solidFill>
+                  <a:srgbClr val="0E9ED5"/>
+                </a:solidFill>
+              </a:rPr>
+              <a:t> “</a:t>
+            </a:r>
+            <a:r>
+              <a:rPr lang="en-US" sz="2800" dirty="0">
+                <a:solidFill>
+                  <a:srgbClr val="0E9ED5"/>
+                </a:solidFill>
+              </a:rPr>
+              <a:t>After login, the system shall allow the registered user to book only ONE session by specifying the date and the preferred dentist. The dentist list is also provided to the user. A dentist information includes the dentist’s name, years of experience, and area of expertise.”</a:t>
+            </a:r>
           </a:p>
         </p:txBody>
       </p:sp>
@@ -8330,6 +8842,35 @@
           </a:p>
         </p:txBody>
       </p:sp>
+      <p:pic>
+        <p:nvPicPr>
+          <p:cNvPr id="6" name="Picture 5">
+            <a:extLst>
+              <a:ext uri="{FF2B5EF4-FFF2-40B4-BE49-F238E27FC236}">
+                <a16:creationId xmlns:a16="http://schemas.microsoft.com/office/drawing/2014/main" id="{AD9D9B00-9D99-E9DA-3EAB-765D0F6431C2}"/>
+              </a:ext>
+            </a:extLst>
+          </p:cNvPr>
+          <p:cNvPicPr>
+            <a:picLocks noChangeAspect="1"/>
+          </p:cNvPicPr>
+          <p:nvPr/>
+        </p:nvPicPr>
+        <p:blipFill rotWithShape="1">
+          <a:blip r:embed="rId2"/>
+          <a:srcRect l="8531" t="6340" r="8215" b="7301"/>
+          <a:stretch/>
+        </p:blipFill>
+        <p:spPr>
+          <a:xfrm>
+            <a:off x="7324997" y="603067"/>
+            <a:ext cx="4247606" cy="5922465"/>
+          </a:xfrm>
+          <a:prstGeom prst="rect">
+            <a:avLst/>
+          </a:prstGeom>
+        </p:spPr>
+      </p:pic>
     </p:spTree>
     <p:extLst>
       <p:ext uri="{BB962C8B-B14F-4D97-AF65-F5344CB8AC3E}">

--- a/SRS.pptx
+++ b/SRS.pptx
@@ -252,7 +252,7 @@
           <a:p>
             <a:fld id="{A8F663A5-96E6-074D-A5C6-54FAFA8E38E3}" type="datetimeFigureOut">
               <a:rPr lang="en-TH" smtClean="0"/>
-              <a:t>26/4/2024 R</a:t>
+              <a:t>04/26/2024</a:t>
             </a:fld>
             <a:endParaRPr lang="en-TH"/>
           </a:p>
@@ -753,7 +753,7 @@
           <a:p>
             <a:fld id="{4CA0208E-FA34-6B45-9954-6E21D5F04D20}" type="datetime1">
               <a:rPr lang="en-US" smtClean="0"/>
-              <a:t>4/26/24</a:t>
+              <a:t>4/26/2024</a:t>
             </a:fld>
             <a:endParaRPr lang="en-TH"/>
           </a:p>
@@ -953,7 +953,7 @@
           <a:p>
             <a:fld id="{C7DCB651-D476-EC43-A51B-CB8E865D4974}" type="datetime1">
               <a:rPr lang="en-US" smtClean="0"/>
-              <a:t>4/26/24</a:t>
+              <a:t>4/26/2024</a:t>
             </a:fld>
             <a:endParaRPr lang="en-TH"/>
           </a:p>
@@ -1163,7 +1163,7 @@
           <a:p>
             <a:fld id="{624015C3-8D8F-C14E-9662-DE2912D274F4}" type="datetime1">
               <a:rPr lang="en-US" smtClean="0"/>
-              <a:t>4/26/24</a:t>
+              <a:t>4/26/2024</a:t>
             </a:fld>
             <a:endParaRPr lang="en-TH"/>
           </a:p>
@@ -1363,7 +1363,7 @@
           <a:p>
             <a:fld id="{628CE1A5-DDED-3E41-A0AC-24453BDAED8A}" type="datetime1">
               <a:rPr lang="en-US" smtClean="0"/>
-              <a:t>4/26/24</a:t>
+              <a:t>4/26/2024</a:t>
             </a:fld>
             <a:endParaRPr lang="en-TH"/>
           </a:p>
@@ -1639,7 +1639,7 @@
           <a:p>
             <a:fld id="{32973487-8A5B-0940-9610-819AC6975803}" type="datetime1">
               <a:rPr lang="en-US" smtClean="0"/>
-              <a:t>4/26/24</a:t>
+              <a:t>4/26/2024</a:t>
             </a:fld>
             <a:endParaRPr lang="en-TH"/>
           </a:p>
@@ -1907,7 +1907,7 @@
           <a:p>
             <a:fld id="{F28B86B7-3FCD-5947-A26C-C7D909825C38}" type="datetime1">
               <a:rPr lang="en-US" smtClean="0"/>
-              <a:t>4/26/24</a:t>
+              <a:t>4/26/2024</a:t>
             </a:fld>
             <a:endParaRPr lang="en-TH"/>
           </a:p>
@@ -2322,7 +2322,7 @@
           <a:p>
             <a:fld id="{DFBBAAC6-B185-5D48-B655-D39603FF8859}" type="datetime1">
               <a:rPr lang="en-US" smtClean="0"/>
-              <a:t>4/26/24</a:t>
+              <a:t>4/26/2024</a:t>
             </a:fld>
             <a:endParaRPr lang="en-TH"/>
           </a:p>
@@ -2464,7 +2464,7 @@
           <a:p>
             <a:fld id="{1DBA733C-2830-7846-8911-B0D4E9C1F27D}" type="datetime1">
               <a:rPr lang="en-US" smtClean="0"/>
-              <a:t>4/26/24</a:t>
+              <a:t>4/26/2024</a:t>
             </a:fld>
             <a:endParaRPr lang="en-TH"/>
           </a:p>
@@ -2577,7 +2577,7 @@
           <a:p>
             <a:fld id="{F1155A01-14CE-EF46-90A0-A001A6951EBC}" type="datetime1">
               <a:rPr lang="en-US" smtClean="0"/>
-              <a:t>4/26/24</a:t>
+              <a:t>4/26/2024</a:t>
             </a:fld>
             <a:endParaRPr lang="en-TH"/>
           </a:p>
@@ -2890,7 +2890,7 @@
           <a:p>
             <a:fld id="{97F60A24-DF3C-AA44-9B74-B906C2FC9FAD}" type="datetime1">
               <a:rPr lang="en-US" smtClean="0"/>
-              <a:t>4/26/24</a:t>
+              <a:t>4/26/2024</a:t>
             </a:fld>
             <a:endParaRPr lang="en-TH"/>
           </a:p>
@@ -3179,7 +3179,7 @@
           <a:p>
             <a:fld id="{6ED809D9-8345-3A4B-B780-36EA8BFF8139}" type="datetime1">
               <a:rPr lang="en-US" smtClean="0"/>
-              <a:t>4/26/24</a:t>
+              <a:t>4/26/2024</a:t>
             </a:fld>
             <a:endParaRPr lang="en-TH"/>
           </a:p>
@@ -3425,7 +3425,7 @@
             <a:fld id="{F99546A2-6E03-9547-9AFE-0DE96DDCBD90}" type="datetime1">
               <a:rPr lang="en-US" smtClean="0"/>
               <a:pPr/>
-              <a:t>4/26/24</a:t>
+              <a:t>4/26/2024</a:t>
             </a:fld>
             <a:endParaRPr lang="en-TH"/>
           </a:p>
@@ -7697,9 +7697,17 @@
             </a:r>
           </a:p>
           <a:p>
-            <a:pPr marL="0" indent="0">
-              <a:buNone/>
-            </a:pPr>
+            <a:r>
+              <a:rPr lang="th-TH" dirty="0"/>
+              <a:t>แก้จาก </a:t>
+            </a:r>
+            <a:r>
+              <a:rPr lang="en-US" dirty="0"/>
+              <a:t>Appointment -&gt; Booking</a:t>
+            </a:r>
+            <a:endParaRPr lang="en-TH" dirty="0"/>
+          </a:p>
+          <a:p>
             <a:endParaRPr lang="en-TH" dirty="0"/>
           </a:p>
           <a:p>
